--- a/SADD LAB/SADD_initial_1.pptx
+++ b/SADD LAB/SADD_initial_1.pptx
@@ -5,49 +5,43 @@
     <p:sldMasterId id="2147483674" r:id="rId1"/>
   </p:sldMasterIdLst>
   <p:notesMasterIdLst>
-    <p:notesMasterId r:id="rId17"/>
+    <p:notesMasterId r:id="rId11"/>
   </p:notesMasterIdLst>
   <p:sldIdLst>
     <p:sldId id="256" r:id="rId2"/>
     <p:sldId id="257" r:id="rId3"/>
-    <p:sldId id="261" r:id="rId4"/>
-    <p:sldId id="262" r:id="rId5"/>
-    <p:sldId id="306" r:id="rId6"/>
+    <p:sldId id="262" r:id="rId4"/>
+    <p:sldId id="306" r:id="rId5"/>
+    <p:sldId id="364" r:id="rId6"/>
     <p:sldId id="360" r:id="rId7"/>
-    <p:sldId id="349" r:id="rId8"/>
-    <p:sldId id="350" r:id="rId9"/>
-    <p:sldId id="351" r:id="rId10"/>
-    <p:sldId id="353" r:id="rId11"/>
-    <p:sldId id="354" r:id="rId12"/>
-    <p:sldId id="359" r:id="rId13"/>
-    <p:sldId id="355" r:id="rId14"/>
-    <p:sldId id="302" r:id="rId15"/>
-    <p:sldId id="301" r:id="rId16"/>
+    <p:sldId id="363" r:id="rId8"/>
+    <p:sldId id="302" r:id="rId9"/>
+    <p:sldId id="301" r:id="rId10"/>
   </p:sldIdLst>
   <p:sldSz cx="9144000" cy="5143500" type="screen16x9"/>
   <p:notesSz cx="6858000" cy="9144000"/>
   <p:embeddedFontLst>
     <p:embeddedFont>
+      <p:font typeface="Roboto Condensed" panose="020B0604020202020204" charset="0"/>
+      <p:regular r:id="rId12"/>
+      <p:bold r:id="rId13"/>
+      <p:italic r:id="rId14"/>
+      <p:boldItalic r:id="rId15"/>
+    </p:embeddedFont>
+    <p:embeddedFont>
       <p:font typeface="Century Gothic" panose="020B0502020202020204" pitchFamily="34" charset="0"/>
-      <p:regular r:id="rId18"/>
-      <p:bold r:id="rId19"/>
-      <p:italic r:id="rId20"/>
-      <p:boldItalic r:id="rId21"/>
+      <p:regular r:id="rId16"/>
+      <p:bold r:id="rId17"/>
+      <p:italic r:id="rId18"/>
+      <p:boldItalic r:id="rId19"/>
     </p:embeddedFont>
     <p:embeddedFont>
       <p:font typeface="Arial Rounded MT Bold" panose="020F0704030504030204" pitchFamily="34" charset="0"/>
-      <p:regular r:id="rId22"/>
+      <p:regular r:id="rId20"/>
     </p:embeddedFont>
     <p:embeddedFont>
       <p:font typeface="Wingdings 3" panose="05040102010807070707" pitchFamily="18" charset="2"/>
-      <p:regular r:id="rId23"/>
-    </p:embeddedFont>
-    <p:embeddedFont>
-      <p:font typeface="Roboto Condensed" panose="020B0604020202020204" charset="0"/>
-      <p:regular r:id="rId24"/>
-      <p:bold r:id="rId25"/>
-      <p:italic r:id="rId26"/>
-      <p:boldItalic r:id="rId27"/>
+      <p:regular r:id="rId21"/>
     </p:embeddedFont>
   </p:embeddedFontLst>
   <p:defaultTextStyle>
@@ -714,7 +708,324 @@
 </p:notes>
 </file>
 
-<file path=ppt/notesSlides/notesSlide10.xml><?xml version="1.0" encoding="utf-8"?>
+<file path=ppt/notesSlides/notesSlide2.xml><?xml version="1.0" encoding="utf-8"?>
+<p:notes xmlns:a="http://schemas.openxmlformats.org/drawingml/2006/main" xmlns:r="http://schemas.openxmlformats.org/officeDocument/2006/relationships" xmlns:p="http://schemas.openxmlformats.org/presentationml/2006/main" showMasterSp="0" showMasterPhAnim="0">
+  <p:cSld>
+    <p:spTree>
+      <p:nvGrpSpPr>
+        <p:cNvPr id="1" name="Shape 185"/>
+        <p:cNvGrpSpPr/>
+        <p:nvPr/>
+      </p:nvGrpSpPr>
+      <p:grpSpPr>
+        <a:xfrm>
+          <a:off x="0" y="0"/>
+          <a:ext cx="0" cy="0"/>
+          <a:chOff x="0" y="0"/>
+          <a:chExt cx="0" cy="0"/>
+        </a:xfrm>
+      </p:grpSpPr>
+      <p:sp>
+        <p:nvSpPr>
+          <p:cNvPr id="186" name="Google Shape;186;g3606f1c2d_30:notes"/>
+          <p:cNvSpPr>
+            <a:spLocks noGrp="1" noRot="1" noChangeAspect="1"/>
+          </p:cNvSpPr>
+          <p:nvPr>
+            <p:ph type="sldImg" idx="2"/>
+          </p:nvPr>
+        </p:nvSpPr>
+        <p:spPr>
+          <a:xfrm>
+            <a:off x="381000" y="685800"/>
+            <a:ext cx="6096000" cy="3429000"/>
+          </a:xfrm>
+          <a:custGeom>
+            <a:avLst/>
+            <a:gdLst/>
+            <a:ahLst/>
+            <a:cxnLst/>
+            <a:rect l="l" t="t" r="r" b="b"/>
+            <a:pathLst>
+              <a:path w="120000" h="120000" extrusionOk="0">
+                <a:moveTo>
+                  <a:pt x="0" y="0"/>
+                </a:moveTo>
+                <a:lnTo>
+                  <a:pt x="120000" y="0"/>
+                </a:lnTo>
+                <a:lnTo>
+                  <a:pt x="120000" y="120000"/>
+                </a:lnTo>
+                <a:lnTo>
+                  <a:pt x="0" y="120000"/>
+                </a:lnTo>
+                <a:close/>
+              </a:path>
+            </a:pathLst>
+          </a:custGeom>
+        </p:spPr>
+      </p:sp>
+      <p:sp>
+        <p:nvSpPr>
+          <p:cNvPr id="187" name="Google Shape;187;g3606f1c2d_30:notes"/>
+          <p:cNvSpPr txBox="1">
+            <a:spLocks noGrp="1"/>
+          </p:cNvSpPr>
+          <p:nvPr>
+            <p:ph type="body" idx="1"/>
+          </p:nvPr>
+        </p:nvSpPr>
+        <p:spPr>
+          <a:xfrm>
+            <a:off x="685800" y="4343400"/>
+            <a:ext cx="5486400" cy="4114800"/>
+          </a:xfrm>
+          <a:prstGeom prst="rect">
+            <a:avLst/>
+          </a:prstGeom>
+        </p:spPr>
+        <p:txBody>
+          <a:bodyPr spcFirstLastPara="1" wrap="square" lIns="91425" tIns="91425" rIns="91425" bIns="91425" anchor="t" anchorCtr="0">
+            <a:noAutofit/>
+          </a:bodyPr>
+          <a:lstStyle/>
+          <a:p>
+            <a:pPr marL="0" lvl="0" indent="0" algn="l" rtl="0">
+              <a:spcBef>
+                <a:spcPts val="0"/>
+              </a:spcBef>
+              <a:spcAft>
+                <a:spcPts val="0"/>
+              </a:spcAft>
+              <a:buNone/>
+            </a:pPr>
+            <a:endParaRPr/>
+          </a:p>
+        </p:txBody>
+      </p:sp>
+    </p:spTree>
+  </p:cSld>
+  <p:clrMapOvr>
+    <a:masterClrMapping/>
+  </p:clrMapOvr>
+</p:notes>
+</file>
+
+<file path=ppt/notesSlides/notesSlide3.xml><?xml version="1.0" encoding="utf-8"?>
+<p:notes xmlns:a="http://schemas.openxmlformats.org/drawingml/2006/main" xmlns:r="http://schemas.openxmlformats.org/officeDocument/2006/relationships" xmlns:p="http://schemas.openxmlformats.org/presentationml/2006/main" showMasterSp="0" showMasterPhAnim="0">
+  <p:cSld>
+    <p:spTree>
+      <p:nvGrpSpPr>
+        <p:cNvPr id="1" name="Shape 244"/>
+        <p:cNvGrpSpPr/>
+        <p:nvPr/>
+      </p:nvGrpSpPr>
+      <p:grpSpPr>
+        <a:xfrm>
+          <a:off x="0" y="0"/>
+          <a:ext cx="0" cy="0"/>
+          <a:chOff x="0" y="0"/>
+          <a:chExt cx="0" cy="0"/>
+        </a:xfrm>
+      </p:grpSpPr>
+      <p:sp>
+        <p:nvSpPr>
+          <p:cNvPr id="245" name="Google Shape;245;g35ed75ccf_015:notes"/>
+          <p:cNvSpPr>
+            <a:spLocks noGrp="1" noRot="1" noChangeAspect="1"/>
+          </p:cNvSpPr>
+          <p:nvPr>
+            <p:ph type="sldImg" idx="2"/>
+          </p:nvPr>
+        </p:nvSpPr>
+        <p:spPr>
+          <a:xfrm>
+            <a:off x="381000" y="685800"/>
+            <a:ext cx="6096000" cy="3429000"/>
+          </a:xfrm>
+          <a:custGeom>
+            <a:avLst/>
+            <a:gdLst/>
+            <a:ahLst/>
+            <a:cxnLst/>
+            <a:rect l="l" t="t" r="r" b="b"/>
+            <a:pathLst>
+              <a:path w="120000" h="120000" extrusionOk="0">
+                <a:moveTo>
+                  <a:pt x="0" y="0"/>
+                </a:moveTo>
+                <a:lnTo>
+                  <a:pt x="120000" y="0"/>
+                </a:lnTo>
+                <a:lnTo>
+                  <a:pt x="120000" y="120000"/>
+                </a:lnTo>
+                <a:lnTo>
+                  <a:pt x="0" y="120000"/>
+                </a:lnTo>
+                <a:close/>
+              </a:path>
+            </a:pathLst>
+          </a:custGeom>
+        </p:spPr>
+      </p:sp>
+      <p:sp>
+        <p:nvSpPr>
+          <p:cNvPr id="246" name="Google Shape;246;g35ed75ccf_015:notes"/>
+          <p:cNvSpPr txBox="1">
+            <a:spLocks noGrp="1"/>
+          </p:cNvSpPr>
+          <p:nvPr>
+            <p:ph type="body" idx="1"/>
+          </p:nvPr>
+        </p:nvSpPr>
+        <p:spPr>
+          <a:xfrm>
+            <a:off x="685800" y="4343400"/>
+            <a:ext cx="5486400" cy="4114800"/>
+          </a:xfrm>
+          <a:prstGeom prst="rect">
+            <a:avLst/>
+          </a:prstGeom>
+        </p:spPr>
+        <p:txBody>
+          <a:bodyPr spcFirstLastPara="1" wrap="square" lIns="91425" tIns="91425" rIns="91425" bIns="91425" anchor="t" anchorCtr="0">
+            <a:noAutofit/>
+          </a:bodyPr>
+          <a:lstStyle/>
+          <a:p>
+            <a:pPr marL="0" lvl="0" indent="0" algn="l" rtl="0">
+              <a:spcBef>
+                <a:spcPts val="0"/>
+              </a:spcBef>
+              <a:spcAft>
+                <a:spcPts val="0"/>
+              </a:spcAft>
+              <a:buNone/>
+            </a:pPr>
+            <a:endParaRPr dirty="0"/>
+          </a:p>
+        </p:txBody>
+      </p:sp>
+    </p:spTree>
+  </p:cSld>
+  <p:clrMapOvr>
+    <a:masterClrMapping/>
+  </p:clrMapOvr>
+</p:notes>
+</file>
+
+<file path=ppt/notesSlides/notesSlide4.xml><?xml version="1.0" encoding="utf-8"?>
+<p:notes xmlns:a="http://schemas.openxmlformats.org/drawingml/2006/main" xmlns:r="http://schemas.openxmlformats.org/officeDocument/2006/relationships" xmlns:p="http://schemas.openxmlformats.org/presentationml/2006/main" showMasterSp="0" showMasterPhAnim="0">
+  <p:cSld>
+    <p:spTree>
+      <p:nvGrpSpPr>
+        <p:cNvPr id="1" name="Shape 232"/>
+        <p:cNvGrpSpPr/>
+        <p:nvPr/>
+      </p:nvGrpSpPr>
+      <p:grpSpPr>
+        <a:xfrm>
+          <a:off x="0" y="0"/>
+          <a:ext cx="0" cy="0"/>
+          <a:chOff x="0" y="0"/>
+          <a:chExt cx="0" cy="0"/>
+        </a:xfrm>
+      </p:grpSpPr>
+      <p:sp>
+        <p:nvSpPr>
+          <p:cNvPr id="233" name="Google Shape;233;p:notes"/>
+          <p:cNvSpPr>
+            <a:spLocks noGrp="1" noRot="1" noChangeAspect="1"/>
+          </p:cNvSpPr>
+          <p:nvPr>
+            <p:ph type="sldImg" idx="2"/>
+          </p:nvPr>
+        </p:nvSpPr>
+        <p:spPr>
+          <a:xfrm>
+            <a:off x="381000" y="685800"/>
+            <a:ext cx="6096000" cy="3429000"/>
+          </a:xfrm>
+          <a:custGeom>
+            <a:avLst/>
+            <a:gdLst/>
+            <a:ahLst/>
+            <a:cxnLst/>
+            <a:rect l="l" t="t" r="r" b="b"/>
+            <a:pathLst>
+              <a:path w="120000" h="120000" extrusionOk="0">
+                <a:moveTo>
+                  <a:pt x="0" y="0"/>
+                </a:moveTo>
+                <a:lnTo>
+                  <a:pt x="120000" y="0"/>
+                </a:lnTo>
+                <a:lnTo>
+                  <a:pt x="120000" y="120000"/>
+                </a:lnTo>
+                <a:lnTo>
+                  <a:pt x="0" y="120000"/>
+                </a:lnTo>
+                <a:close/>
+              </a:path>
+            </a:pathLst>
+          </a:custGeom>
+        </p:spPr>
+      </p:sp>
+      <p:sp>
+        <p:nvSpPr>
+          <p:cNvPr id="234" name="Google Shape;234;p:notes"/>
+          <p:cNvSpPr txBox="1">
+            <a:spLocks noGrp="1"/>
+          </p:cNvSpPr>
+          <p:nvPr>
+            <p:ph type="body" idx="1"/>
+          </p:nvPr>
+        </p:nvSpPr>
+        <p:spPr>
+          <a:xfrm>
+            <a:off x="685800" y="4343400"/>
+            <a:ext cx="5486400" cy="4114800"/>
+          </a:xfrm>
+          <a:prstGeom prst="rect">
+            <a:avLst/>
+          </a:prstGeom>
+        </p:spPr>
+        <p:txBody>
+          <a:bodyPr spcFirstLastPara="1" wrap="square" lIns="91425" tIns="91425" rIns="91425" bIns="91425" anchor="t" anchorCtr="0">
+            <a:noAutofit/>
+          </a:bodyPr>
+          <a:lstStyle/>
+          <a:p>
+            <a:pPr marL="0" lvl="0" indent="0" algn="l" rtl="0">
+              <a:spcBef>
+                <a:spcPts val="0"/>
+              </a:spcBef>
+              <a:spcAft>
+                <a:spcPts val="0"/>
+              </a:spcAft>
+              <a:buNone/>
+            </a:pPr>
+            <a:endParaRPr/>
+          </a:p>
+        </p:txBody>
+      </p:sp>
+    </p:spTree>
+    <p:extLst>
+      <p:ext uri="{BB962C8B-B14F-4D97-AF65-F5344CB8AC3E}">
+        <p14:creationId xmlns:p14="http://schemas.microsoft.com/office/powerpoint/2010/main" val="4266619463"/>
+      </p:ext>
+    </p:extLst>
+  </p:cSld>
+  <p:clrMapOvr>
+    <a:masterClrMapping/>
+  </p:clrMapOvr>
+</p:notes>
+</file>
+
+<file path=ppt/notesSlides/notesSlide5.xml><?xml version="1.0" encoding="utf-8"?>
 <p:notes xmlns:a="http://schemas.openxmlformats.org/drawingml/2006/main" xmlns:r="http://schemas.openxmlformats.org/officeDocument/2006/relationships" xmlns:p="http://schemas.openxmlformats.org/presentationml/2006/main">
   <p:cSld>
     <p:spTree>
@@ -770,7 +1081,7 @@
     </p:spTree>
     <p:extLst>
       <p:ext uri="{BB962C8B-B14F-4D97-AF65-F5344CB8AC3E}">
-        <p14:creationId xmlns:p14="http://schemas.microsoft.com/office/powerpoint/2010/main" val="4057366521"/>
+        <p14:creationId xmlns:p14="http://schemas.microsoft.com/office/powerpoint/2010/main" val="827693831"/>
       </p:ext>
     </p:extLst>
   </p:cSld>
@@ -780,139 +1091,7 @@
 </p:notes>
 </file>
 
-<file path=ppt/notesSlides/notesSlide11.xml><?xml version="1.0" encoding="utf-8"?>
-<p:notes xmlns:a="http://schemas.openxmlformats.org/drawingml/2006/main" xmlns:r="http://schemas.openxmlformats.org/officeDocument/2006/relationships" xmlns:p="http://schemas.openxmlformats.org/presentationml/2006/main">
-  <p:cSld>
-    <p:spTree>
-      <p:nvGrpSpPr>
-        <p:cNvPr id="1" name=""/>
-        <p:cNvGrpSpPr/>
-        <p:nvPr/>
-      </p:nvGrpSpPr>
-      <p:grpSpPr>
-        <a:xfrm>
-          <a:off x="0" y="0"/>
-          <a:ext cx="0" cy="0"/>
-          <a:chOff x="0" y="0"/>
-          <a:chExt cx="0" cy="0"/>
-        </a:xfrm>
-      </p:grpSpPr>
-      <p:sp>
-        <p:nvSpPr>
-          <p:cNvPr id="2" name="Slide Image Placeholder 1"/>
-          <p:cNvSpPr>
-            <a:spLocks noGrp="1" noRot="1" noChangeAspect="1"/>
-          </p:cNvSpPr>
-          <p:nvPr>
-            <p:ph type="sldImg"/>
-          </p:nvPr>
-        </p:nvSpPr>
-        <p:spPr>
-          <a:xfrm>
-            <a:off x="381000" y="685800"/>
-            <a:ext cx="6096000" cy="3429000"/>
-          </a:xfrm>
-        </p:spPr>
-      </p:sp>
-      <p:sp>
-        <p:nvSpPr>
-          <p:cNvPr id="3" name="Notes Placeholder 2"/>
-          <p:cNvSpPr>
-            <a:spLocks noGrp="1"/>
-          </p:cNvSpPr>
-          <p:nvPr>
-            <p:ph type="body" idx="1"/>
-          </p:nvPr>
-        </p:nvSpPr>
-        <p:spPr/>
-        <p:txBody>
-          <a:bodyPr/>
-          <a:lstStyle/>
-          <a:p>
-            <a:endParaRPr lang="en-US" dirty="0"/>
-          </a:p>
-        </p:txBody>
-      </p:sp>
-    </p:spTree>
-    <p:extLst>
-      <p:ext uri="{BB962C8B-B14F-4D97-AF65-F5344CB8AC3E}">
-        <p14:creationId xmlns:p14="http://schemas.microsoft.com/office/powerpoint/2010/main" val="2024144074"/>
-      </p:ext>
-    </p:extLst>
-  </p:cSld>
-  <p:clrMapOvr>
-    <a:masterClrMapping/>
-  </p:clrMapOvr>
-</p:notes>
-</file>
-
-<file path=ppt/notesSlides/notesSlide12.xml><?xml version="1.0" encoding="utf-8"?>
-<p:notes xmlns:a="http://schemas.openxmlformats.org/drawingml/2006/main" xmlns:r="http://schemas.openxmlformats.org/officeDocument/2006/relationships" xmlns:p="http://schemas.openxmlformats.org/presentationml/2006/main">
-  <p:cSld>
-    <p:spTree>
-      <p:nvGrpSpPr>
-        <p:cNvPr id="1" name=""/>
-        <p:cNvGrpSpPr/>
-        <p:nvPr/>
-      </p:nvGrpSpPr>
-      <p:grpSpPr>
-        <a:xfrm>
-          <a:off x="0" y="0"/>
-          <a:ext cx="0" cy="0"/>
-          <a:chOff x="0" y="0"/>
-          <a:chExt cx="0" cy="0"/>
-        </a:xfrm>
-      </p:grpSpPr>
-      <p:sp>
-        <p:nvSpPr>
-          <p:cNvPr id="2" name="Slide Image Placeholder 1"/>
-          <p:cNvSpPr>
-            <a:spLocks noGrp="1" noRot="1" noChangeAspect="1"/>
-          </p:cNvSpPr>
-          <p:nvPr>
-            <p:ph type="sldImg"/>
-          </p:nvPr>
-        </p:nvSpPr>
-        <p:spPr>
-          <a:xfrm>
-            <a:off x="381000" y="685800"/>
-            <a:ext cx="6096000" cy="3429000"/>
-          </a:xfrm>
-        </p:spPr>
-      </p:sp>
-      <p:sp>
-        <p:nvSpPr>
-          <p:cNvPr id="3" name="Notes Placeholder 2"/>
-          <p:cNvSpPr>
-            <a:spLocks noGrp="1"/>
-          </p:cNvSpPr>
-          <p:nvPr>
-            <p:ph type="body" idx="1"/>
-          </p:nvPr>
-        </p:nvSpPr>
-        <p:spPr/>
-        <p:txBody>
-          <a:bodyPr/>
-          <a:lstStyle/>
-          <a:p>
-            <a:endParaRPr lang="en-US" dirty="0"/>
-          </a:p>
-        </p:txBody>
-      </p:sp>
-    </p:spTree>
-    <p:extLst>
-      <p:ext uri="{BB962C8B-B14F-4D97-AF65-F5344CB8AC3E}">
-        <p14:creationId xmlns:p14="http://schemas.microsoft.com/office/powerpoint/2010/main" val="4057366521"/>
-      </p:ext>
-    </p:extLst>
-  </p:cSld>
-  <p:clrMapOvr>
-    <a:masterClrMapping/>
-  </p:clrMapOvr>
-</p:notes>
-</file>
-
-<file path=ppt/notesSlides/notesSlide13.xml><?xml version="1.0" encoding="utf-8"?>
+<file path=ppt/notesSlides/notesSlide6.xml><?xml version="1.0" encoding="utf-8"?>
 <p:notes xmlns:a="http://schemas.openxmlformats.org/drawingml/2006/main" xmlns:r="http://schemas.openxmlformats.org/officeDocument/2006/relationships" xmlns:p="http://schemas.openxmlformats.org/presentationml/2006/main" showMasterSp="0" showMasterPhAnim="0">
   <p:cSld>
     <p:spTree>
@@ -1021,7 +1200,7 @@
 </p:notes>
 </file>
 
-<file path=ppt/notesSlides/notesSlide14.xml><?xml version="1.0" encoding="utf-8"?>
+<file path=ppt/notesSlides/notesSlide7.xml><?xml version="1.0" encoding="utf-8"?>
 <p:notes xmlns:a="http://schemas.openxmlformats.org/drawingml/2006/main" xmlns:r="http://schemas.openxmlformats.org/officeDocument/2006/relationships" xmlns:p="http://schemas.openxmlformats.org/presentationml/2006/main" showMasterSp="0" showMasterPhAnim="0">
   <p:cSld>
     <p:spTree>
@@ -1121,691 +1300,6 @@
     <p:extLst>
       <p:ext uri="{BB962C8B-B14F-4D97-AF65-F5344CB8AC3E}">
         <p14:creationId xmlns:p14="http://schemas.microsoft.com/office/powerpoint/2010/main" val="1071964475"/>
-      </p:ext>
-    </p:extLst>
-  </p:cSld>
-  <p:clrMapOvr>
-    <a:masterClrMapping/>
-  </p:clrMapOvr>
-</p:notes>
-</file>
-
-<file path=ppt/notesSlides/notesSlide2.xml><?xml version="1.0" encoding="utf-8"?>
-<p:notes xmlns:a="http://schemas.openxmlformats.org/drawingml/2006/main" xmlns:r="http://schemas.openxmlformats.org/officeDocument/2006/relationships" xmlns:p="http://schemas.openxmlformats.org/presentationml/2006/main" showMasterSp="0" showMasterPhAnim="0">
-  <p:cSld>
-    <p:spTree>
-      <p:nvGrpSpPr>
-        <p:cNvPr id="1" name="Shape 185"/>
-        <p:cNvGrpSpPr/>
-        <p:nvPr/>
-      </p:nvGrpSpPr>
-      <p:grpSpPr>
-        <a:xfrm>
-          <a:off x="0" y="0"/>
-          <a:ext cx="0" cy="0"/>
-          <a:chOff x="0" y="0"/>
-          <a:chExt cx="0" cy="0"/>
-        </a:xfrm>
-      </p:grpSpPr>
-      <p:sp>
-        <p:nvSpPr>
-          <p:cNvPr id="186" name="Google Shape;186;g3606f1c2d_30:notes"/>
-          <p:cNvSpPr>
-            <a:spLocks noGrp="1" noRot="1" noChangeAspect="1"/>
-          </p:cNvSpPr>
-          <p:nvPr>
-            <p:ph type="sldImg" idx="2"/>
-          </p:nvPr>
-        </p:nvSpPr>
-        <p:spPr>
-          <a:xfrm>
-            <a:off x="381000" y="685800"/>
-            <a:ext cx="6096000" cy="3429000"/>
-          </a:xfrm>
-          <a:custGeom>
-            <a:avLst/>
-            <a:gdLst/>
-            <a:ahLst/>
-            <a:cxnLst/>
-            <a:rect l="l" t="t" r="r" b="b"/>
-            <a:pathLst>
-              <a:path w="120000" h="120000" extrusionOk="0">
-                <a:moveTo>
-                  <a:pt x="0" y="0"/>
-                </a:moveTo>
-                <a:lnTo>
-                  <a:pt x="120000" y="0"/>
-                </a:lnTo>
-                <a:lnTo>
-                  <a:pt x="120000" y="120000"/>
-                </a:lnTo>
-                <a:lnTo>
-                  <a:pt x="0" y="120000"/>
-                </a:lnTo>
-                <a:close/>
-              </a:path>
-            </a:pathLst>
-          </a:custGeom>
-        </p:spPr>
-      </p:sp>
-      <p:sp>
-        <p:nvSpPr>
-          <p:cNvPr id="187" name="Google Shape;187;g3606f1c2d_30:notes"/>
-          <p:cNvSpPr txBox="1">
-            <a:spLocks noGrp="1"/>
-          </p:cNvSpPr>
-          <p:nvPr>
-            <p:ph type="body" idx="1"/>
-          </p:nvPr>
-        </p:nvSpPr>
-        <p:spPr>
-          <a:xfrm>
-            <a:off x="685800" y="4343400"/>
-            <a:ext cx="5486400" cy="4114800"/>
-          </a:xfrm>
-          <a:prstGeom prst="rect">
-            <a:avLst/>
-          </a:prstGeom>
-        </p:spPr>
-        <p:txBody>
-          <a:bodyPr spcFirstLastPara="1" wrap="square" lIns="91425" tIns="91425" rIns="91425" bIns="91425" anchor="t" anchorCtr="0">
-            <a:noAutofit/>
-          </a:bodyPr>
-          <a:lstStyle/>
-          <a:p>
-            <a:pPr marL="0" lvl="0" indent="0" algn="l" rtl="0">
-              <a:spcBef>
-                <a:spcPts val="0"/>
-              </a:spcBef>
-              <a:spcAft>
-                <a:spcPts val="0"/>
-              </a:spcAft>
-              <a:buNone/>
-            </a:pPr>
-            <a:endParaRPr/>
-          </a:p>
-        </p:txBody>
-      </p:sp>
-    </p:spTree>
-  </p:cSld>
-  <p:clrMapOvr>
-    <a:masterClrMapping/>
-  </p:clrMapOvr>
-</p:notes>
-</file>
-
-<file path=ppt/notesSlides/notesSlide3.xml><?xml version="1.0" encoding="utf-8"?>
-<p:notes xmlns:a="http://schemas.openxmlformats.org/drawingml/2006/main" xmlns:r="http://schemas.openxmlformats.org/officeDocument/2006/relationships" xmlns:p="http://schemas.openxmlformats.org/presentationml/2006/main" showMasterSp="0" showMasterPhAnim="0">
-  <p:cSld>
-    <p:spTree>
-      <p:nvGrpSpPr>
-        <p:cNvPr id="1" name="Shape 232"/>
-        <p:cNvGrpSpPr/>
-        <p:nvPr/>
-      </p:nvGrpSpPr>
-      <p:grpSpPr>
-        <a:xfrm>
-          <a:off x="0" y="0"/>
-          <a:ext cx="0" cy="0"/>
-          <a:chOff x="0" y="0"/>
-          <a:chExt cx="0" cy="0"/>
-        </a:xfrm>
-      </p:grpSpPr>
-      <p:sp>
-        <p:nvSpPr>
-          <p:cNvPr id="233" name="Google Shape;233;p:notes"/>
-          <p:cNvSpPr>
-            <a:spLocks noGrp="1" noRot="1" noChangeAspect="1"/>
-          </p:cNvSpPr>
-          <p:nvPr>
-            <p:ph type="sldImg" idx="2"/>
-          </p:nvPr>
-        </p:nvSpPr>
-        <p:spPr>
-          <a:xfrm>
-            <a:off x="381000" y="685800"/>
-            <a:ext cx="6096000" cy="3429000"/>
-          </a:xfrm>
-          <a:custGeom>
-            <a:avLst/>
-            <a:gdLst/>
-            <a:ahLst/>
-            <a:cxnLst/>
-            <a:rect l="l" t="t" r="r" b="b"/>
-            <a:pathLst>
-              <a:path w="120000" h="120000" extrusionOk="0">
-                <a:moveTo>
-                  <a:pt x="0" y="0"/>
-                </a:moveTo>
-                <a:lnTo>
-                  <a:pt x="120000" y="0"/>
-                </a:lnTo>
-                <a:lnTo>
-                  <a:pt x="120000" y="120000"/>
-                </a:lnTo>
-                <a:lnTo>
-                  <a:pt x="0" y="120000"/>
-                </a:lnTo>
-                <a:close/>
-              </a:path>
-            </a:pathLst>
-          </a:custGeom>
-        </p:spPr>
-      </p:sp>
-      <p:sp>
-        <p:nvSpPr>
-          <p:cNvPr id="234" name="Google Shape;234;p:notes"/>
-          <p:cNvSpPr txBox="1">
-            <a:spLocks noGrp="1"/>
-          </p:cNvSpPr>
-          <p:nvPr>
-            <p:ph type="body" idx="1"/>
-          </p:nvPr>
-        </p:nvSpPr>
-        <p:spPr>
-          <a:xfrm>
-            <a:off x="685800" y="4343400"/>
-            <a:ext cx="5486400" cy="4114800"/>
-          </a:xfrm>
-          <a:prstGeom prst="rect">
-            <a:avLst/>
-          </a:prstGeom>
-        </p:spPr>
-        <p:txBody>
-          <a:bodyPr spcFirstLastPara="1" wrap="square" lIns="91425" tIns="91425" rIns="91425" bIns="91425" anchor="t" anchorCtr="0">
-            <a:noAutofit/>
-          </a:bodyPr>
-          <a:lstStyle/>
-          <a:p>
-            <a:pPr marL="0" lvl="0" indent="0" algn="l" rtl="0">
-              <a:spcBef>
-                <a:spcPts val="0"/>
-              </a:spcBef>
-              <a:spcAft>
-                <a:spcPts val="0"/>
-              </a:spcAft>
-              <a:buNone/>
-            </a:pPr>
-            <a:endParaRPr/>
-          </a:p>
-        </p:txBody>
-      </p:sp>
-    </p:spTree>
-  </p:cSld>
-  <p:clrMapOvr>
-    <a:masterClrMapping/>
-  </p:clrMapOvr>
-</p:notes>
-</file>
-
-<file path=ppt/notesSlides/notesSlide4.xml><?xml version="1.0" encoding="utf-8"?>
-<p:notes xmlns:a="http://schemas.openxmlformats.org/drawingml/2006/main" xmlns:r="http://schemas.openxmlformats.org/officeDocument/2006/relationships" xmlns:p="http://schemas.openxmlformats.org/presentationml/2006/main" showMasterSp="0" showMasterPhAnim="0">
-  <p:cSld>
-    <p:spTree>
-      <p:nvGrpSpPr>
-        <p:cNvPr id="1" name="Shape 244"/>
-        <p:cNvGrpSpPr/>
-        <p:nvPr/>
-      </p:nvGrpSpPr>
-      <p:grpSpPr>
-        <a:xfrm>
-          <a:off x="0" y="0"/>
-          <a:ext cx="0" cy="0"/>
-          <a:chOff x="0" y="0"/>
-          <a:chExt cx="0" cy="0"/>
-        </a:xfrm>
-      </p:grpSpPr>
-      <p:sp>
-        <p:nvSpPr>
-          <p:cNvPr id="245" name="Google Shape;245;g35ed75ccf_015:notes"/>
-          <p:cNvSpPr>
-            <a:spLocks noGrp="1" noRot="1" noChangeAspect="1"/>
-          </p:cNvSpPr>
-          <p:nvPr>
-            <p:ph type="sldImg" idx="2"/>
-          </p:nvPr>
-        </p:nvSpPr>
-        <p:spPr>
-          <a:xfrm>
-            <a:off x="381000" y="685800"/>
-            <a:ext cx="6096000" cy="3429000"/>
-          </a:xfrm>
-          <a:custGeom>
-            <a:avLst/>
-            <a:gdLst/>
-            <a:ahLst/>
-            <a:cxnLst/>
-            <a:rect l="l" t="t" r="r" b="b"/>
-            <a:pathLst>
-              <a:path w="120000" h="120000" extrusionOk="0">
-                <a:moveTo>
-                  <a:pt x="0" y="0"/>
-                </a:moveTo>
-                <a:lnTo>
-                  <a:pt x="120000" y="0"/>
-                </a:lnTo>
-                <a:lnTo>
-                  <a:pt x="120000" y="120000"/>
-                </a:lnTo>
-                <a:lnTo>
-                  <a:pt x="0" y="120000"/>
-                </a:lnTo>
-                <a:close/>
-              </a:path>
-            </a:pathLst>
-          </a:custGeom>
-        </p:spPr>
-      </p:sp>
-      <p:sp>
-        <p:nvSpPr>
-          <p:cNvPr id="246" name="Google Shape;246;g35ed75ccf_015:notes"/>
-          <p:cNvSpPr txBox="1">
-            <a:spLocks noGrp="1"/>
-          </p:cNvSpPr>
-          <p:nvPr>
-            <p:ph type="body" idx="1"/>
-          </p:nvPr>
-        </p:nvSpPr>
-        <p:spPr>
-          <a:xfrm>
-            <a:off x="685800" y="4343400"/>
-            <a:ext cx="5486400" cy="4114800"/>
-          </a:xfrm>
-          <a:prstGeom prst="rect">
-            <a:avLst/>
-          </a:prstGeom>
-        </p:spPr>
-        <p:txBody>
-          <a:bodyPr spcFirstLastPara="1" wrap="square" lIns="91425" tIns="91425" rIns="91425" bIns="91425" anchor="t" anchorCtr="0">
-            <a:noAutofit/>
-          </a:bodyPr>
-          <a:lstStyle/>
-          <a:p>
-            <a:pPr marL="0" lvl="0" indent="0" algn="l" rtl="0">
-              <a:spcBef>
-                <a:spcPts val="0"/>
-              </a:spcBef>
-              <a:spcAft>
-                <a:spcPts val="0"/>
-              </a:spcAft>
-              <a:buNone/>
-            </a:pPr>
-            <a:endParaRPr dirty="0"/>
-          </a:p>
-        </p:txBody>
-      </p:sp>
-    </p:spTree>
-  </p:cSld>
-  <p:clrMapOvr>
-    <a:masterClrMapping/>
-  </p:clrMapOvr>
-</p:notes>
-</file>
-
-<file path=ppt/notesSlides/notesSlide5.xml><?xml version="1.0" encoding="utf-8"?>
-<p:notes xmlns:a="http://schemas.openxmlformats.org/drawingml/2006/main" xmlns:r="http://schemas.openxmlformats.org/officeDocument/2006/relationships" xmlns:p="http://schemas.openxmlformats.org/presentationml/2006/main" showMasterSp="0" showMasterPhAnim="0">
-  <p:cSld>
-    <p:spTree>
-      <p:nvGrpSpPr>
-        <p:cNvPr id="1" name="Shape 232"/>
-        <p:cNvGrpSpPr/>
-        <p:nvPr/>
-      </p:nvGrpSpPr>
-      <p:grpSpPr>
-        <a:xfrm>
-          <a:off x="0" y="0"/>
-          <a:ext cx="0" cy="0"/>
-          <a:chOff x="0" y="0"/>
-          <a:chExt cx="0" cy="0"/>
-        </a:xfrm>
-      </p:grpSpPr>
-      <p:sp>
-        <p:nvSpPr>
-          <p:cNvPr id="233" name="Google Shape;233;p:notes"/>
-          <p:cNvSpPr>
-            <a:spLocks noGrp="1" noRot="1" noChangeAspect="1"/>
-          </p:cNvSpPr>
-          <p:nvPr>
-            <p:ph type="sldImg" idx="2"/>
-          </p:nvPr>
-        </p:nvSpPr>
-        <p:spPr>
-          <a:xfrm>
-            <a:off x="381000" y="685800"/>
-            <a:ext cx="6096000" cy="3429000"/>
-          </a:xfrm>
-          <a:custGeom>
-            <a:avLst/>
-            <a:gdLst/>
-            <a:ahLst/>
-            <a:cxnLst/>
-            <a:rect l="l" t="t" r="r" b="b"/>
-            <a:pathLst>
-              <a:path w="120000" h="120000" extrusionOk="0">
-                <a:moveTo>
-                  <a:pt x="0" y="0"/>
-                </a:moveTo>
-                <a:lnTo>
-                  <a:pt x="120000" y="0"/>
-                </a:lnTo>
-                <a:lnTo>
-                  <a:pt x="120000" y="120000"/>
-                </a:lnTo>
-                <a:lnTo>
-                  <a:pt x="0" y="120000"/>
-                </a:lnTo>
-                <a:close/>
-              </a:path>
-            </a:pathLst>
-          </a:custGeom>
-        </p:spPr>
-      </p:sp>
-      <p:sp>
-        <p:nvSpPr>
-          <p:cNvPr id="234" name="Google Shape;234;p:notes"/>
-          <p:cNvSpPr txBox="1">
-            <a:spLocks noGrp="1"/>
-          </p:cNvSpPr>
-          <p:nvPr>
-            <p:ph type="body" idx="1"/>
-          </p:nvPr>
-        </p:nvSpPr>
-        <p:spPr>
-          <a:xfrm>
-            <a:off x="685800" y="4343400"/>
-            <a:ext cx="5486400" cy="4114800"/>
-          </a:xfrm>
-          <a:prstGeom prst="rect">
-            <a:avLst/>
-          </a:prstGeom>
-        </p:spPr>
-        <p:txBody>
-          <a:bodyPr spcFirstLastPara="1" wrap="square" lIns="91425" tIns="91425" rIns="91425" bIns="91425" anchor="t" anchorCtr="0">
-            <a:noAutofit/>
-          </a:bodyPr>
-          <a:lstStyle/>
-          <a:p>
-            <a:pPr marL="0" lvl="0" indent="0" algn="l" rtl="0">
-              <a:spcBef>
-                <a:spcPts val="0"/>
-              </a:spcBef>
-              <a:spcAft>
-                <a:spcPts val="0"/>
-              </a:spcAft>
-              <a:buNone/>
-            </a:pPr>
-            <a:endParaRPr/>
-          </a:p>
-        </p:txBody>
-      </p:sp>
-    </p:spTree>
-    <p:extLst>
-      <p:ext uri="{BB962C8B-B14F-4D97-AF65-F5344CB8AC3E}">
-        <p14:creationId xmlns:p14="http://schemas.microsoft.com/office/powerpoint/2010/main" val="4266619463"/>
-      </p:ext>
-    </p:extLst>
-  </p:cSld>
-  <p:clrMapOvr>
-    <a:masterClrMapping/>
-  </p:clrMapOvr>
-</p:notes>
-</file>
-
-<file path=ppt/notesSlides/notesSlide6.xml><?xml version="1.0" encoding="utf-8"?>
-<p:notes xmlns:a="http://schemas.openxmlformats.org/drawingml/2006/main" xmlns:r="http://schemas.openxmlformats.org/officeDocument/2006/relationships" xmlns:p="http://schemas.openxmlformats.org/presentationml/2006/main">
-  <p:cSld>
-    <p:spTree>
-      <p:nvGrpSpPr>
-        <p:cNvPr id="1" name=""/>
-        <p:cNvGrpSpPr/>
-        <p:nvPr/>
-      </p:nvGrpSpPr>
-      <p:grpSpPr>
-        <a:xfrm>
-          <a:off x="0" y="0"/>
-          <a:ext cx="0" cy="0"/>
-          <a:chOff x="0" y="0"/>
-          <a:chExt cx="0" cy="0"/>
-        </a:xfrm>
-      </p:grpSpPr>
-      <p:sp>
-        <p:nvSpPr>
-          <p:cNvPr id="2" name="Slide Image Placeholder 1"/>
-          <p:cNvSpPr>
-            <a:spLocks noGrp="1" noRot="1" noChangeAspect="1"/>
-          </p:cNvSpPr>
-          <p:nvPr>
-            <p:ph type="sldImg"/>
-          </p:nvPr>
-        </p:nvSpPr>
-        <p:spPr>
-          <a:xfrm>
-            <a:off x="381000" y="685800"/>
-            <a:ext cx="6096000" cy="3429000"/>
-          </a:xfrm>
-        </p:spPr>
-      </p:sp>
-      <p:sp>
-        <p:nvSpPr>
-          <p:cNvPr id="3" name="Notes Placeholder 2"/>
-          <p:cNvSpPr>
-            <a:spLocks noGrp="1"/>
-          </p:cNvSpPr>
-          <p:nvPr>
-            <p:ph type="body" idx="1"/>
-          </p:nvPr>
-        </p:nvSpPr>
-        <p:spPr/>
-        <p:txBody>
-          <a:bodyPr/>
-          <a:lstStyle/>
-          <a:p>
-            <a:endParaRPr lang="en-US" dirty="0"/>
-          </a:p>
-        </p:txBody>
-      </p:sp>
-    </p:spTree>
-    <p:extLst>
-      <p:ext uri="{BB962C8B-B14F-4D97-AF65-F5344CB8AC3E}">
-        <p14:creationId xmlns:p14="http://schemas.microsoft.com/office/powerpoint/2010/main" val="4057366521"/>
-      </p:ext>
-    </p:extLst>
-  </p:cSld>
-  <p:clrMapOvr>
-    <a:masterClrMapping/>
-  </p:clrMapOvr>
-</p:notes>
-</file>
-
-<file path=ppt/notesSlides/notesSlide7.xml><?xml version="1.0" encoding="utf-8"?>
-<p:notes xmlns:a="http://schemas.openxmlformats.org/drawingml/2006/main" xmlns:r="http://schemas.openxmlformats.org/officeDocument/2006/relationships" xmlns:p="http://schemas.openxmlformats.org/presentationml/2006/main">
-  <p:cSld>
-    <p:spTree>
-      <p:nvGrpSpPr>
-        <p:cNvPr id="1" name=""/>
-        <p:cNvGrpSpPr/>
-        <p:nvPr/>
-      </p:nvGrpSpPr>
-      <p:grpSpPr>
-        <a:xfrm>
-          <a:off x="0" y="0"/>
-          <a:ext cx="0" cy="0"/>
-          <a:chOff x="0" y="0"/>
-          <a:chExt cx="0" cy="0"/>
-        </a:xfrm>
-      </p:grpSpPr>
-      <p:sp>
-        <p:nvSpPr>
-          <p:cNvPr id="2" name="Slide Image Placeholder 1"/>
-          <p:cNvSpPr>
-            <a:spLocks noGrp="1" noRot="1" noChangeAspect="1"/>
-          </p:cNvSpPr>
-          <p:nvPr>
-            <p:ph type="sldImg"/>
-          </p:nvPr>
-        </p:nvSpPr>
-        <p:spPr>
-          <a:xfrm>
-            <a:off x="381000" y="685800"/>
-            <a:ext cx="6096000" cy="3429000"/>
-          </a:xfrm>
-        </p:spPr>
-      </p:sp>
-      <p:sp>
-        <p:nvSpPr>
-          <p:cNvPr id="3" name="Notes Placeholder 2"/>
-          <p:cNvSpPr>
-            <a:spLocks noGrp="1"/>
-          </p:cNvSpPr>
-          <p:nvPr>
-            <p:ph type="body" idx="1"/>
-          </p:nvPr>
-        </p:nvSpPr>
-        <p:spPr/>
-        <p:txBody>
-          <a:bodyPr/>
-          <a:lstStyle/>
-          <a:p>
-            <a:endParaRPr lang="en-US" dirty="0"/>
-          </a:p>
-        </p:txBody>
-      </p:sp>
-    </p:spTree>
-    <p:extLst>
-      <p:ext uri="{BB962C8B-B14F-4D97-AF65-F5344CB8AC3E}">
-        <p14:creationId xmlns:p14="http://schemas.microsoft.com/office/powerpoint/2010/main" val="4057366521"/>
-      </p:ext>
-    </p:extLst>
-  </p:cSld>
-  <p:clrMapOvr>
-    <a:masterClrMapping/>
-  </p:clrMapOvr>
-</p:notes>
-</file>
-
-<file path=ppt/notesSlides/notesSlide8.xml><?xml version="1.0" encoding="utf-8"?>
-<p:notes xmlns:a="http://schemas.openxmlformats.org/drawingml/2006/main" xmlns:r="http://schemas.openxmlformats.org/officeDocument/2006/relationships" xmlns:p="http://schemas.openxmlformats.org/presentationml/2006/main">
-  <p:cSld>
-    <p:spTree>
-      <p:nvGrpSpPr>
-        <p:cNvPr id="1" name=""/>
-        <p:cNvGrpSpPr/>
-        <p:nvPr/>
-      </p:nvGrpSpPr>
-      <p:grpSpPr>
-        <a:xfrm>
-          <a:off x="0" y="0"/>
-          <a:ext cx="0" cy="0"/>
-          <a:chOff x="0" y="0"/>
-          <a:chExt cx="0" cy="0"/>
-        </a:xfrm>
-      </p:grpSpPr>
-      <p:sp>
-        <p:nvSpPr>
-          <p:cNvPr id="2" name="Slide Image Placeholder 1"/>
-          <p:cNvSpPr>
-            <a:spLocks noGrp="1" noRot="1" noChangeAspect="1"/>
-          </p:cNvSpPr>
-          <p:nvPr>
-            <p:ph type="sldImg"/>
-          </p:nvPr>
-        </p:nvSpPr>
-        <p:spPr>
-          <a:xfrm>
-            <a:off x="381000" y="685800"/>
-            <a:ext cx="6096000" cy="3429000"/>
-          </a:xfrm>
-        </p:spPr>
-      </p:sp>
-      <p:sp>
-        <p:nvSpPr>
-          <p:cNvPr id="3" name="Notes Placeholder 2"/>
-          <p:cNvSpPr>
-            <a:spLocks noGrp="1"/>
-          </p:cNvSpPr>
-          <p:nvPr>
-            <p:ph type="body" idx="1"/>
-          </p:nvPr>
-        </p:nvSpPr>
-        <p:spPr/>
-        <p:txBody>
-          <a:bodyPr/>
-          <a:lstStyle/>
-          <a:p>
-            <a:endParaRPr lang="en-US" dirty="0"/>
-          </a:p>
-        </p:txBody>
-      </p:sp>
-    </p:spTree>
-    <p:extLst>
-      <p:ext uri="{BB962C8B-B14F-4D97-AF65-F5344CB8AC3E}">
-        <p14:creationId xmlns:p14="http://schemas.microsoft.com/office/powerpoint/2010/main" val="4057366521"/>
-      </p:ext>
-    </p:extLst>
-  </p:cSld>
-  <p:clrMapOvr>
-    <a:masterClrMapping/>
-  </p:clrMapOvr>
-</p:notes>
-</file>
-
-<file path=ppt/notesSlides/notesSlide9.xml><?xml version="1.0" encoding="utf-8"?>
-<p:notes xmlns:a="http://schemas.openxmlformats.org/drawingml/2006/main" xmlns:r="http://schemas.openxmlformats.org/officeDocument/2006/relationships" xmlns:p="http://schemas.openxmlformats.org/presentationml/2006/main">
-  <p:cSld>
-    <p:spTree>
-      <p:nvGrpSpPr>
-        <p:cNvPr id="1" name=""/>
-        <p:cNvGrpSpPr/>
-        <p:nvPr/>
-      </p:nvGrpSpPr>
-      <p:grpSpPr>
-        <a:xfrm>
-          <a:off x="0" y="0"/>
-          <a:ext cx="0" cy="0"/>
-          <a:chOff x="0" y="0"/>
-          <a:chExt cx="0" cy="0"/>
-        </a:xfrm>
-      </p:grpSpPr>
-      <p:sp>
-        <p:nvSpPr>
-          <p:cNvPr id="2" name="Slide Image Placeholder 1"/>
-          <p:cNvSpPr>
-            <a:spLocks noGrp="1" noRot="1" noChangeAspect="1"/>
-          </p:cNvSpPr>
-          <p:nvPr>
-            <p:ph type="sldImg"/>
-          </p:nvPr>
-        </p:nvSpPr>
-        <p:spPr>
-          <a:xfrm>
-            <a:off x="381000" y="685800"/>
-            <a:ext cx="6096000" cy="3429000"/>
-          </a:xfrm>
-        </p:spPr>
-      </p:sp>
-      <p:sp>
-        <p:nvSpPr>
-          <p:cNvPr id="3" name="Notes Placeholder 2"/>
-          <p:cNvSpPr>
-            <a:spLocks noGrp="1"/>
-          </p:cNvSpPr>
-          <p:nvPr>
-            <p:ph type="body" idx="1"/>
-          </p:nvPr>
-        </p:nvSpPr>
-        <p:spPr/>
-        <p:txBody>
-          <a:bodyPr/>
-          <a:lstStyle/>
-          <a:p>
-            <a:endParaRPr lang="en-US" dirty="0"/>
-          </a:p>
-        </p:txBody>
-      </p:sp>
-    </p:spTree>
-    <p:extLst>
-      <p:ext uri="{BB962C8B-B14F-4D97-AF65-F5344CB8AC3E}">
-        <p14:creationId xmlns:p14="http://schemas.microsoft.com/office/powerpoint/2010/main" val="4057366521"/>
       </p:ext>
     </p:extLst>
   </p:cSld>
@@ -9345,12 +8839,6 @@
               </a:rPr>
               <a:t>PROJECT</a:t>
             </a:r>
-            <a:r>
-              <a:rPr lang="en-US" dirty="0" smtClean="0">
-                <a:latin typeface="Arial Rounded MT Bold" panose="020F0704030504030204" pitchFamily="34" charset="0"/>
-              </a:rPr>
-              <a:t/>
-            </a:r>
             <a:br>
               <a:rPr lang="en-US" dirty="0" smtClean="0">
                 <a:latin typeface="Arial Rounded MT Bold" panose="020F0704030504030204" pitchFamily="34" charset="0"/>
@@ -9427,1788 +8915,6 @@
 </p:sld>
 </file>
 
-<file path=ppt/slides/slide10.xml><?xml version="1.0" encoding="utf-8"?>
-<p:sld xmlns:a="http://schemas.openxmlformats.org/drawingml/2006/main" xmlns:r="http://schemas.openxmlformats.org/officeDocument/2006/relationships" xmlns:p="http://schemas.openxmlformats.org/presentationml/2006/main">
-  <p:cSld>
-    <p:spTree>
-      <p:nvGrpSpPr>
-        <p:cNvPr id="1" name=""/>
-        <p:cNvGrpSpPr/>
-        <p:nvPr/>
-      </p:nvGrpSpPr>
-      <p:grpSpPr>
-        <a:xfrm>
-          <a:off x="0" y="0"/>
-          <a:ext cx="0" cy="0"/>
-          <a:chOff x="0" y="0"/>
-          <a:chExt cx="0" cy="0"/>
-        </a:xfrm>
-      </p:grpSpPr>
-      <p:sp>
-        <p:nvSpPr>
-          <p:cNvPr id="2" name="Title 1"/>
-          <p:cNvSpPr>
-            <a:spLocks noGrp="1"/>
-          </p:cNvSpPr>
-          <p:nvPr>
-            <p:ph type="title"/>
-          </p:nvPr>
-        </p:nvSpPr>
-        <p:spPr/>
-        <p:txBody>
-          <a:bodyPr/>
-          <a:lstStyle/>
-          <a:p>
-            <a:r>
-              <a:rPr lang="en-US" dirty="0" smtClean="0">
-                <a:latin typeface="Arial Rounded MT Bold" panose="020F0704030504030204" pitchFamily="34" charset="0"/>
-              </a:rPr>
-              <a:t>Required Tools</a:t>
-            </a:r>
-            <a:endParaRPr lang="en-US" dirty="0">
-              <a:latin typeface="Arial Rounded MT Bold" panose="020F0704030504030204" pitchFamily="34" charset="0"/>
-            </a:endParaRPr>
-          </a:p>
-        </p:txBody>
-      </p:sp>
-      <p:sp>
-        <p:nvSpPr>
-          <p:cNvPr id="3" name="Text Placeholder 2"/>
-          <p:cNvSpPr>
-            <a:spLocks noGrp="1"/>
-          </p:cNvSpPr>
-          <p:nvPr>
-            <p:ph type="body" idx="1"/>
-          </p:nvPr>
-        </p:nvSpPr>
-        <p:spPr/>
-        <p:txBody>
-          <a:bodyPr/>
-          <a:lstStyle/>
-          <a:p>
-            <a:pPr>
-              <a:buClrTx/>
-              <a:buFont typeface="Arial" panose="020B0604020202020204" pitchFamily="34" charset="0"/>
-              <a:buChar char="•"/>
-            </a:pPr>
-            <a:endParaRPr lang="en-US" sz="2000" dirty="0" smtClean="0">
-              <a:latin typeface="+mn-lt"/>
-            </a:endParaRPr>
-          </a:p>
-          <a:p>
-            <a:pPr marL="76200" indent="0">
-              <a:buClrTx/>
-              <a:buNone/>
-            </a:pPr>
-            <a:r>
-              <a:rPr lang="en-US" sz="2400" dirty="0" smtClean="0">
-                <a:latin typeface="Arial" panose="020B0604020202020204" pitchFamily="34" charset="0"/>
-                <a:cs typeface="Arial" panose="020B0604020202020204" pitchFamily="34" charset="0"/>
-              </a:rPr>
-              <a:t>GitHub</a:t>
-            </a:r>
-          </a:p>
-          <a:p>
-            <a:pPr>
-              <a:buClrTx/>
-              <a:buFont typeface="Arial" panose="020B0604020202020204" pitchFamily="34" charset="0"/>
-              <a:buChar char="•"/>
-            </a:pPr>
-            <a:r>
-              <a:rPr lang="en-US" sz="2000" dirty="0" smtClean="0">
-                <a:latin typeface="Arial" panose="020B0604020202020204" pitchFamily="34" charset="0"/>
-                <a:cs typeface="Arial" panose="020B0604020202020204" pitchFamily="34" charset="0"/>
-              </a:rPr>
-              <a:t>Will be used for developing the project concurrently</a:t>
-            </a:r>
-          </a:p>
-        </p:txBody>
-      </p:sp>
-      <p:sp>
-        <p:nvSpPr>
-          <p:cNvPr id="4" name="Slide Number Placeholder 3"/>
-          <p:cNvSpPr>
-            <a:spLocks noGrp="1"/>
-          </p:cNvSpPr>
-          <p:nvPr>
-            <p:ph type="sldNum" idx="12"/>
-          </p:nvPr>
-        </p:nvSpPr>
-        <p:spPr/>
-        <p:txBody>
-          <a:bodyPr/>
-          <a:lstStyle/>
-          <a:p>
-            <a:pPr marL="0" lvl="0" indent="0" algn="r" rtl="0">
-              <a:spcBef>
-                <a:spcPts val="0"/>
-              </a:spcBef>
-              <a:spcAft>
-                <a:spcPts val="0"/>
-              </a:spcAft>
-              <a:buNone/>
-            </a:pPr>
-            <a:fld id="{00000000-1234-1234-1234-123412341234}" type="slidenum">
-              <a:rPr lang="en" smtClean="0"/>
-              <a:pPr marL="0" lvl="0" indent="0" algn="r" rtl="0">
-                <a:spcBef>
-                  <a:spcPts val="0"/>
-                </a:spcBef>
-                <a:spcAft>
-                  <a:spcPts val="0"/>
-                </a:spcAft>
-                <a:buNone/>
-              </a:pPr>
-              <a:t>10</a:t>
-            </a:fld>
-            <a:endParaRPr lang="en"/>
-          </a:p>
-        </p:txBody>
-      </p:sp>
-      <p:pic>
-        <p:nvPicPr>
-          <p:cNvPr id="4098" name="Picture 2"/>
-          <p:cNvPicPr>
-            <a:picLocks noChangeAspect="1" noChangeArrowheads="1"/>
-          </p:cNvPicPr>
-          <p:nvPr/>
-        </p:nvPicPr>
-        <p:blipFill>
-          <a:blip r:embed="rId3">
-            <a:extLst>
-              <a:ext uri="{28A0092B-C50C-407E-A947-70E740481C1C}">
-                <a14:useLocalDpi xmlns:a14="http://schemas.microsoft.com/office/drawing/2010/main" val="0"/>
-              </a:ext>
-            </a:extLst>
-          </a:blip>
-          <a:srcRect/>
-          <a:stretch>
-            <a:fillRect/>
-          </a:stretch>
-        </p:blipFill>
-        <p:spPr bwMode="auto">
-          <a:xfrm>
-            <a:off x="6306675" y="1327350"/>
-            <a:ext cx="2546697" cy="2138363"/>
-          </a:xfrm>
-          <a:prstGeom prst="rect">
-            <a:avLst/>
-          </a:prstGeom>
-          <a:noFill/>
-          <a:ln>
-            <a:noFill/>
-          </a:ln>
-          <a:extLst>
-            <a:ext uri="{909E8E84-426E-40DD-AFC4-6F175D3DCCD1}">
-              <a14:hiddenFill xmlns:a14="http://schemas.microsoft.com/office/drawing/2010/main">
-                <a:solidFill>
-                  <a:schemeClr val="accent1"/>
-                </a:solidFill>
-              </a14:hiddenFill>
-            </a:ext>
-            <a:ext uri="{91240B29-F687-4F45-9708-019B960494DF}">
-              <a14:hiddenLine xmlns:a14="http://schemas.microsoft.com/office/drawing/2010/main" w="9525">
-                <a:solidFill>
-                  <a:schemeClr val="tx1"/>
-                </a:solidFill>
-                <a:miter lim="800000"/>
-                <a:headEnd/>
-                <a:tailEnd/>
-              </a14:hiddenLine>
-            </a:ext>
-          </a:extLst>
-        </p:spPr>
-      </p:pic>
-    </p:spTree>
-    <p:extLst>
-      <p:ext uri="{BB962C8B-B14F-4D97-AF65-F5344CB8AC3E}">
-        <p14:creationId xmlns:p14="http://schemas.microsoft.com/office/powerpoint/2010/main" val="3754753773"/>
-      </p:ext>
-    </p:extLst>
-  </p:cSld>
-  <p:clrMapOvr>
-    <a:masterClrMapping/>
-  </p:clrMapOvr>
-</p:sld>
-</file>
-
-<file path=ppt/slides/slide11.xml><?xml version="1.0" encoding="utf-8"?>
-<p:sld xmlns:a="http://schemas.openxmlformats.org/drawingml/2006/main" xmlns:r="http://schemas.openxmlformats.org/officeDocument/2006/relationships" xmlns:p="http://schemas.openxmlformats.org/presentationml/2006/main">
-  <p:cSld>
-    <p:spTree>
-      <p:nvGrpSpPr>
-        <p:cNvPr id="1" name=""/>
-        <p:cNvGrpSpPr/>
-        <p:nvPr/>
-      </p:nvGrpSpPr>
-      <p:grpSpPr>
-        <a:xfrm>
-          <a:off x="0" y="0"/>
-          <a:ext cx="0" cy="0"/>
-          <a:chOff x="0" y="0"/>
-          <a:chExt cx="0" cy="0"/>
-        </a:xfrm>
-      </p:grpSpPr>
-      <p:sp>
-        <p:nvSpPr>
-          <p:cNvPr id="2" name="Title 1"/>
-          <p:cNvSpPr>
-            <a:spLocks noGrp="1"/>
-          </p:cNvSpPr>
-          <p:nvPr>
-            <p:ph type="title"/>
-          </p:nvPr>
-        </p:nvSpPr>
-        <p:spPr/>
-        <p:txBody>
-          <a:bodyPr/>
-          <a:lstStyle/>
-          <a:p>
-            <a:r>
-              <a:rPr lang="en-US" sz="3200" dirty="0" smtClean="0">
-                <a:latin typeface="Arial Rounded MT Bold" panose="020F0704030504030204" pitchFamily="34" charset="0"/>
-              </a:rPr>
-              <a:t>Required Tools</a:t>
-            </a:r>
-            <a:endParaRPr lang="en-US" sz="3200" dirty="0">
-              <a:latin typeface="Arial Rounded MT Bold" panose="020F0704030504030204" pitchFamily="34" charset="0"/>
-            </a:endParaRPr>
-          </a:p>
-        </p:txBody>
-      </p:sp>
-      <p:sp>
-        <p:nvSpPr>
-          <p:cNvPr id="3" name="Text Placeholder 2"/>
-          <p:cNvSpPr>
-            <a:spLocks noGrp="1"/>
-          </p:cNvSpPr>
-          <p:nvPr>
-            <p:ph type="body" idx="1"/>
-          </p:nvPr>
-        </p:nvSpPr>
-        <p:spPr/>
-        <p:txBody>
-          <a:bodyPr/>
-          <a:lstStyle/>
-          <a:p>
-            <a:pPr>
-              <a:buClrTx/>
-              <a:buFont typeface="Arial" panose="020B0604020202020204" pitchFamily="34" charset="0"/>
-              <a:buChar char="•"/>
-            </a:pPr>
-            <a:endParaRPr lang="en-US" sz="2000" dirty="0" smtClean="0">
-              <a:latin typeface="+mn-lt"/>
-            </a:endParaRPr>
-          </a:p>
-          <a:p>
-            <a:pPr marL="76200" indent="0">
-              <a:buClrTx/>
-              <a:buNone/>
-            </a:pPr>
-            <a:r>
-              <a:rPr lang="en-US" sz="2400" dirty="0" smtClean="0">
-                <a:latin typeface="Arial" panose="020B0604020202020204" pitchFamily="34" charset="0"/>
-                <a:cs typeface="Arial" panose="020B0604020202020204" pitchFamily="34" charset="0"/>
-              </a:rPr>
-              <a:t>Firebase</a:t>
-            </a:r>
-          </a:p>
-          <a:p>
-            <a:pPr>
-              <a:buClrTx/>
-              <a:buFont typeface="Arial" panose="020B0604020202020204" pitchFamily="34" charset="0"/>
-              <a:buChar char="•"/>
-            </a:pPr>
-            <a:r>
-              <a:rPr lang="en-US" sz="2400" dirty="0" smtClean="0">
-                <a:latin typeface="Arial" panose="020B0604020202020204" pitchFamily="34" charset="0"/>
-                <a:cs typeface="Arial" panose="020B0604020202020204" pitchFamily="34" charset="0"/>
-              </a:rPr>
-              <a:t>Will be used as Database</a:t>
-            </a:r>
-          </a:p>
-          <a:p>
-            <a:pPr marL="76200" indent="0">
-              <a:buClrTx/>
-              <a:buNone/>
-            </a:pPr>
-            <a:endParaRPr lang="en-US" sz="2000" dirty="0" smtClean="0">
-              <a:latin typeface="+mn-lt"/>
-            </a:endParaRPr>
-          </a:p>
-        </p:txBody>
-      </p:sp>
-      <p:sp>
-        <p:nvSpPr>
-          <p:cNvPr id="4" name="Slide Number Placeholder 3"/>
-          <p:cNvSpPr>
-            <a:spLocks noGrp="1"/>
-          </p:cNvSpPr>
-          <p:nvPr>
-            <p:ph type="sldNum" idx="12"/>
-          </p:nvPr>
-        </p:nvSpPr>
-        <p:spPr/>
-        <p:txBody>
-          <a:bodyPr/>
-          <a:lstStyle/>
-          <a:p>
-            <a:pPr marL="0" lvl="0" indent="0" algn="r" rtl="0">
-              <a:spcBef>
-                <a:spcPts val="0"/>
-              </a:spcBef>
-              <a:spcAft>
-                <a:spcPts val="0"/>
-              </a:spcAft>
-              <a:buNone/>
-            </a:pPr>
-            <a:fld id="{00000000-1234-1234-1234-123412341234}" type="slidenum">
-              <a:rPr lang="en" smtClean="0"/>
-              <a:pPr marL="0" lvl="0" indent="0" algn="r" rtl="0">
-                <a:spcBef>
-                  <a:spcPts val="0"/>
-                </a:spcBef>
-                <a:spcAft>
-                  <a:spcPts val="0"/>
-                </a:spcAft>
-                <a:buNone/>
-              </a:pPr>
-              <a:t>11</a:t>
-            </a:fld>
-            <a:endParaRPr lang="en"/>
-          </a:p>
-        </p:txBody>
-      </p:sp>
-      <p:pic>
-        <p:nvPicPr>
-          <p:cNvPr id="5122" name="Picture 2"/>
-          <p:cNvPicPr>
-            <a:picLocks noChangeAspect="1" noChangeArrowheads="1"/>
-          </p:cNvPicPr>
-          <p:nvPr/>
-        </p:nvPicPr>
-        <p:blipFill>
-          <a:blip r:embed="rId3">
-            <a:extLst>
-              <a:ext uri="{28A0092B-C50C-407E-A947-70E740481C1C}">
-                <a14:useLocalDpi xmlns:a14="http://schemas.microsoft.com/office/drawing/2010/main" val="0"/>
-              </a:ext>
-            </a:extLst>
-          </a:blip>
-          <a:srcRect/>
-          <a:stretch>
-            <a:fillRect/>
-          </a:stretch>
-        </p:blipFill>
-        <p:spPr bwMode="auto">
-          <a:xfrm>
-            <a:off x="5548958" y="1652325"/>
-            <a:ext cx="3221954" cy="1681889"/>
-          </a:xfrm>
-          <a:prstGeom prst="rect">
-            <a:avLst/>
-          </a:prstGeom>
-          <a:noFill/>
-          <a:ln>
-            <a:noFill/>
-          </a:ln>
-          <a:extLst>
-            <a:ext uri="{909E8E84-426E-40DD-AFC4-6F175D3DCCD1}">
-              <a14:hiddenFill xmlns:a14="http://schemas.microsoft.com/office/drawing/2010/main">
-                <a:solidFill>
-                  <a:schemeClr val="accent1"/>
-                </a:solidFill>
-              </a14:hiddenFill>
-            </a:ext>
-            <a:ext uri="{91240B29-F687-4F45-9708-019B960494DF}">
-              <a14:hiddenLine xmlns:a14="http://schemas.microsoft.com/office/drawing/2010/main" w="9525">
-                <a:solidFill>
-                  <a:schemeClr val="tx1"/>
-                </a:solidFill>
-                <a:miter lim="800000"/>
-                <a:headEnd/>
-                <a:tailEnd/>
-              </a14:hiddenLine>
-            </a:ext>
-          </a:extLst>
-        </p:spPr>
-      </p:pic>
-    </p:spTree>
-    <p:extLst>
-      <p:ext uri="{BB962C8B-B14F-4D97-AF65-F5344CB8AC3E}">
-        <p14:creationId xmlns:p14="http://schemas.microsoft.com/office/powerpoint/2010/main" val="4082038385"/>
-      </p:ext>
-    </p:extLst>
-  </p:cSld>
-  <p:clrMapOvr>
-    <a:masterClrMapping/>
-  </p:clrMapOvr>
-</p:sld>
-</file>
-
-<file path=ppt/slides/slide12.xml><?xml version="1.0" encoding="utf-8"?>
-<p:sld xmlns:a="http://schemas.openxmlformats.org/drawingml/2006/main" xmlns:r="http://schemas.openxmlformats.org/officeDocument/2006/relationships" xmlns:p="http://schemas.openxmlformats.org/presentationml/2006/main">
-  <p:cSld>
-    <p:spTree>
-      <p:nvGrpSpPr>
-        <p:cNvPr id="1" name=""/>
-        <p:cNvGrpSpPr/>
-        <p:nvPr/>
-      </p:nvGrpSpPr>
-      <p:grpSpPr>
-        <a:xfrm>
-          <a:off x="0" y="0"/>
-          <a:ext cx="0" cy="0"/>
-          <a:chOff x="0" y="0"/>
-          <a:chExt cx="0" cy="0"/>
-        </a:xfrm>
-      </p:grpSpPr>
-      <p:sp>
-        <p:nvSpPr>
-          <p:cNvPr id="2" name="Title 1"/>
-          <p:cNvSpPr>
-            <a:spLocks noGrp="1"/>
-          </p:cNvSpPr>
-          <p:nvPr>
-            <p:ph type="title"/>
-          </p:nvPr>
-        </p:nvSpPr>
-        <p:spPr/>
-        <p:txBody>
-          <a:bodyPr/>
-          <a:lstStyle/>
-          <a:p>
-            <a:r>
-              <a:rPr lang="en-US" sz="3200" dirty="0" smtClean="0">
-                <a:latin typeface="Arial Rounded MT Bold" panose="020F0704030504030204" pitchFamily="34" charset="0"/>
-              </a:rPr>
-              <a:t>Required Tools</a:t>
-            </a:r>
-            <a:endParaRPr lang="en-US" sz="3200" dirty="0">
-              <a:latin typeface="Arial Rounded MT Bold" panose="020F0704030504030204" pitchFamily="34" charset="0"/>
-            </a:endParaRPr>
-          </a:p>
-        </p:txBody>
-      </p:sp>
-      <p:sp>
-        <p:nvSpPr>
-          <p:cNvPr id="3" name="Text Placeholder 2"/>
-          <p:cNvSpPr>
-            <a:spLocks noGrp="1"/>
-          </p:cNvSpPr>
-          <p:nvPr>
-            <p:ph type="body" idx="1"/>
-          </p:nvPr>
-        </p:nvSpPr>
-        <p:spPr/>
-        <p:txBody>
-          <a:bodyPr/>
-          <a:lstStyle/>
-          <a:p>
-            <a:pPr>
-              <a:buClrTx/>
-              <a:buFont typeface="Arial" panose="020B0604020202020204" pitchFamily="34" charset="0"/>
-              <a:buChar char="•"/>
-            </a:pPr>
-            <a:endParaRPr lang="en-US" sz="2000" dirty="0" smtClean="0">
-              <a:latin typeface="+mn-lt"/>
-            </a:endParaRPr>
-          </a:p>
-          <a:p>
-            <a:pPr marL="76200" indent="0">
-              <a:buClrTx/>
-              <a:buNone/>
-            </a:pPr>
-            <a:r>
-              <a:rPr lang="en-US" sz="2400" dirty="0" smtClean="0">
-                <a:latin typeface="Arial" panose="020B0604020202020204" pitchFamily="34" charset="0"/>
-                <a:cs typeface="Arial" panose="020B0604020202020204" pitchFamily="34" charset="0"/>
-              </a:rPr>
-              <a:t>JavaScript</a:t>
-            </a:r>
-          </a:p>
-          <a:p>
-            <a:pPr>
-              <a:buClrTx/>
-              <a:buFont typeface="Arial" panose="020B0604020202020204" pitchFamily="34" charset="0"/>
-              <a:buChar char="•"/>
-            </a:pPr>
-            <a:r>
-              <a:rPr lang="en-US" sz="2400" dirty="0" smtClean="0">
-                <a:latin typeface="Arial" panose="020B0604020202020204" pitchFamily="34" charset="0"/>
-                <a:cs typeface="Arial" panose="020B0604020202020204" pitchFamily="34" charset="0"/>
-              </a:rPr>
-              <a:t>Will be used for calculating,</a:t>
-            </a:r>
-          </a:p>
-          <a:p>
-            <a:pPr marL="76200" indent="0">
-              <a:buClrTx/>
-              <a:buNone/>
-            </a:pPr>
-            <a:r>
-              <a:rPr lang="en-US" sz="2400" dirty="0" smtClean="0">
-                <a:latin typeface="Arial" panose="020B0604020202020204" pitchFamily="34" charset="0"/>
-                <a:cs typeface="Arial" panose="020B0604020202020204" pitchFamily="34" charset="0"/>
-              </a:rPr>
-              <a:t>     Manipulating, and validating data</a:t>
-            </a:r>
-          </a:p>
-          <a:p>
-            <a:pPr marL="76200" indent="0">
-              <a:buClrTx/>
-              <a:buNone/>
-            </a:pPr>
-            <a:endParaRPr lang="en-US" sz="2000" dirty="0" smtClean="0">
-              <a:latin typeface="+mn-lt"/>
-            </a:endParaRPr>
-          </a:p>
-        </p:txBody>
-      </p:sp>
-      <p:sp>
-        <p:nvSpPr>
-          <p:cNvPr id="4" name="Slide Number Placeholder 3"/>
-          <p:cNvSpPr>
-            <a:spLocks noGrp="1"/>
-          </p:cNvSpPr>
-          <p:nvPr>
-            <p:ph type="sldNum" idx="12"/>
-          </p:nvPr>
-        </p:nvSpPr>
-        <p:spPr/>
-        <p:txBody>
-          <a:bodyPr/>
-          <a:lstStyle/>
-          <a:p>
-            <a:pPr marL="0" lvl="0" indent="0" algn="r" rtl="0">
-              <a:spcBef>
-                <a:spcPts val="0"/>
-              </a:spcBef>
-              <a:spcAft>
-                <a:spcPts val="0"/>
-              </a:spcAft>
-              <a:buNone/>
-            </a:pPr>
-            <a:fld id="{00000000-1234-1234-1234-123412341234}" type="slidenum">
-              <a:rPr lang="en" smtClean="0"/>
-              <a:pPr marL="0" lvl="0" indent="0" algn="r" rtl="0">
-                <a:spcBef>
-                  <a:spcPts val="0"/>
-                </a:spcBef>
-                <a:spcAft>
-                  <a:spcPts val="0"/>
-                </a:spcAft>
-                <a:buNone/>
-              </a:pPr>
-              <a:t>12</a:t>
-            </a:fld>
-            <a:endParaRPr lang="en"/>
-          </a:p>
-        </p:txBody>
-      </p:sp>
-      <p:pic>
-        <p:nvPicPr>
-          <p:cNvPr id="5" name="Picture 4"/>
-          <p:cNvPicPr>
-            <a:picLocks noChangeAspect="1"/>
-          </p:cNvPicPr>
-          <p:nvPr/>
-        </p:nvPicPr>
-        <p:blipFill>
-          <a:blip r:embed="rId3">
-            <a:extLst>
-              <a:ext uri="{28A0092B-C50C-407E-A947-70E740481C1C}">
-                <a14:useLocalDpi xmlns:a14="http://schemas.microsoft.com/office/drawing/2010/main" val="0"/>
-              </a:ext>
-            </a:extLst>
-          </a:blip>
-          <a:stretch>
-            <a:fillRect/>
-          </a:stretch>
-        </p:blipFill>
-        <p:spPr>
-          <a:xfrm>
-            <a:off x="6041230" y="1327350"/>
-            <a:ext cx="2812837" cy="2419460"/>
-          </a:xfrm>
-          <a:prstGeom prst="rect">
-            <a:avLst/>
-          </a:prstGeom>
-        </p:spPr>
-      </p:pic>
-    </p:spTree>
-    <p:extLst>
-      <p:ext uri="{BB962C8B-B14F-4D97-AF65-F5344CB8AC3E}">
-        <p14:creationId xmlns:p14="http://schemas.microsoft.com/office/powerpoint/2010/main" val="3580831252"/>
-      </p:ext>
-    </p:extLst>
-  </p:cSld>
-  <p:clrMapOvr>
-    <a:masterClrMapping/>
-  </p:clrMapOvr>
-</p:sld>
-</file>
-
-<file path=ppt/slides/slide13.xml><?xml version="1.0" encoding="utf-8"?>
-<p:sld xmlns:a="http://schemas.openxmlformats.org/drawingml/2006/main" xmlns:r="http://schemas.openxmlformats.org/officeDocument/2006/relationships" xmlns:p="http://schemas.openxmlformats.org/presentationml/2006/main">
-  <p:cSld>
-    <p:spTree>
-      <p:nvGrpSpPr>
-        <p:cNvPr id="1" name=""/>
-        <p:cNvGrpSpPr/>
-        <p:nvPr/>
-      </p:nvGrpSpPr>
-      <p:grpSpPr>
-        <a:xfrm>
-          <a:off x="0" y="0"/>
-          <a:ext cx="0" cy="0"/>
-          <a:chOff x="0" y="0"/>
-          <a:chExt cx="0" cy="0"/>
-        </a:xfrm>
-      </p:grpSpPr>
-      <p:sp>
-        <p:nvSpPr>
-          <p:cNvPr id="2" name="Title 1"/>
-          <p:cNvSpPr>
-            <a:spLocks noGrp="1"/>
-          </p:cNvSpPr>
-          <p:nvPr>
-            <p:ph type="title"/>
-          </p:nvPr>
-        </p:nvSpPr>
-        <p:spPr/>
-        <p:txBody>
-          <a:bodyPr/>
-          <a:lstStyle/>
-          <a:p>
-            <a:r>
-              <a:rPr lang="en-US" sz="3200" dirty="0" smtClean="0">
-                <a:latin typeface="Arial Rounded MT Bold" panose="020F0704030504030204" pitchFamily="34" charset="0"/>
-              </a:rPr>
-              <a:t>Required Tools</a:t>
-            </a:r>
-            <a:endParaRPr lang="en-US" sz="3200" dirty="0">
-              <a:latin typeface="Arial Rounded MT Bold" panose="020F0704030504030204" pitchFamily="34" charset="0"/>
-            </a:endParaRPr>
-          </a:p>
-        </p:txBody>
-      </p:sp>
-      <p:sp>
-        <p:nvSpPr>
-          <p:cNvPr id="3" name="Text Placeholder 2"/>
-          <p:cNvSpPr>
-            <a:spLocks noGrp="1"/>
-          </p:cNvSpPr>
-          <p:nvPr>
-            <p:ph type="body" idx="1"/>
-          </p:nvPr>
-        </p:nvSpPr>
-        <p:spPr/>
-        <p:txBody>
-          <a:bodyPr/>
-          <a:lstStyle/>
-          <a:p>
-            <a:pPr>
-              <a:buClrTx/>
-              <a:buFont typeface="Arial" panose="020B0604020202020204" pitchFamily="34" charset="0"/>
-              <a:buChar char="•"/>
-            </a:pPr>
-            <a:endParaRPr lang="en-US" sz="2000" dirty="0" smtClean="0">
-              <a:latin typeface="+mn-lt"/>
-            </a:endParaRPr>
-          </a:p>
-          <a:p>
-            <a:pPr marL="76200" indent="0">
-              <a:buClrTx/>
-              <a:buNone/>
-            </a:pPr>
-            <a:r>
-              <a:rPr lang="en-US" sz="2400" dirty="0">
-                <a:latin typeface="Arial" panose="020B0604020202020204" pitchFamily="34" charset="0"/>
-                <a:cs typeface="Arial" panose="020B0604020202020204" pitchFamily="34" charset="0"/>
-              </a:rPr>
-              <a:t>Chrome Developer </a:t>
-            </a:r>
-            <a:r>
-              <a:rPr lang="en-US" sz="2400" dirty="0" smtClean="0">
-                <a:latin typeface="Arial" panose="020B0604020202020204" pitchFamily="34" charset="0"/>
-                <a:cs typeface="Arial" panose="020B0604020202020204" pitchFamily="34" charset="0"/>
-              </a:rPr>
-              <a:t>To</a:t>
-            </a:r>
-            <a:r>
-              <a:rPr lang="en-US" sz="2000" dirty="0" smtClean="0">
-                <a:latin typeface="Arial" panose="020B0604020202020204" pitchFamily="34" charset="0"/>
-                <a:cs typeface="Arial" panose="020B0604020202020204" pitchFamily="34" charset="0"/>
-              </a:rPr>
-              <a:t>ols</a:t>
-            </a:r>
-          </a:p>
-          <a:p>
-            <a:pPr>
-              <a:buClrTx/>
-              <a:buFont typeface="Arial" panose="020B0604020202020204" pitchFamily="34" charset="0"/>
-              <a:buChar char="•"/>
-            </a:pPr>
-            <a:r>
-              <a:rPr lang="en-US" sz="2000" dirty="0" smtClean="0">
-                <a:latin typeface="Arial" panose="020B0604020202020204" pitchFamily="34" charset="0"/>
-                <a:cs typeface="Arial" panose="020B0604020202020204" pitchFamily="34" charset="0"/>
-              </a:rPr>
-              <a:t>Will be used to show the site in browser </a:t>
-            </a:r>
-            <a:br>
-              <a:rPr lang="en-US" sz="2000" dirty="0" smtClean="0">
-                <a:latin typeface="Arial" panose="020B0604020202020204" pitchFamily="34" charset="0"/>
-                <a:cs typeface="Arial" panose="020B0604020202020204" pitchFamily="34" charset="0"/>
-              </a:rPr>
-            </a:br>
-            <a:r>
-              <a:rPr lang="en-US" sz="2000" dirty="0" smtClean="0">
-                <a:latin typeface="Arial" panose="020B0604020202020204" pitchFamily="34" charset="0"/>
-                <a:cs typeface="Arial" panose="020B0604020202020204" pitchFamily="34" charset="0"/>
-              </a:rPr>
-              <a:t>and debugging more easily </a:t>
-            </a:r>
-            <a:endParaRPr lang="en-US" sz="2000" dirty="0">
-              <a:latin typeface="Arial" panose="020B0604020202020204" pitchFamily="34" charset="0"/>
-              <a:cs typeface="Arial" panose="020B0604020202020204" pitchFamily="34" charset="0"/>
-            </a:endParaRPr>
-          </a:p>
-          <a:p>
-            <a:pPr marL="76200" indent="0">
-              <a:buClrTx/>
-              <a:buNone/>
-            </a:pPr>
-            <a:endParaRPr lang="en-US" sz="2000" dirty="0" smtClean="0">
-              <a:latin typeface="+mn-lt"/>
-            </a:endParaRPr>
-          </a:p>
-          <a:p>
-            <a:pPr marL="76200" indent="0">
-              <a:buClrTx/>
-              <a:buNone/>
-            </a:pPr>
-            <a:endParaRPr lang="en-US" sz="2000" dirty="0" smtClean="0">
-              <a:latin typeface="+mn-lt"/>
-            </a:endParaRPr>
-          </a:p>
-        </p:txBody>
-      </p:sp>
-      <p:sp>
-        <p:nvSpPr>
-          <p:cNvPr id="4" name="Slide Number Placeholder 3"/>
-          <p:cNvSpPr>
-            <a:spLocks noGrp="1"/>
-          </p:cNvSpPr>
-          <p:nvPr>
-            <p:ph type="sldNum" idx="12"/>
-          </p:nvPr>
-        </p:nvSpPr>
-        <p:spPr/>
-        <p:txBody>
-          <a:bodyPr/>
-          <a:lstStyle/>
-          <a:p>
-            <a:pPr marL="0" lvl="0" indent="0" algn="r" rtl="0">
-              <a:spcBef>
-                <a:spcPts val="0"/>
-              </a:spcBef>
-              <a:spcAft>
-                <a:spcPts val="0"/>
-              </a:spcAft>
-              <a:buNone/>
-            </a:pPr>
-            <a:fld id="{00000000-1234-1234-1234-123412341234}" type="slidenum">
-              <a:rPr lang="en" smtClean="0"/>
-              <a:pPr marL="0" lvl="0" indent="0" algn="r" rtl="0">
-                <a:spcBef>
-                  <a:spcPts val="0"/>
-                </a:spcBef>
-                <a:spcAft>
-                  <a:spcPts val="0"/>
-                </a:spcAft>
-                <a:buNone/>
-              </a:pPr>
-              <a:t>13</a:t>
-            </a:fld>
-            <a:endParaRPr lang="en"/>
-          </a:p>
-        </p:txBody>
-      </p:sp>
-      <p:pic>
-        <p:nvPicPr>
-          <p:cNvPr id="6146" name="Picture 2"/>
-          <p:cNvPicPr>
-            <a:picLocks noChangeAspect="1" noChangeArrowheads="1"/>
-          </p:cNvPicPr>
-          <p:nvPr/>
-        </p:nvPicPr>
-        <p:blipFill>
-          <a:blip r:embed="rId3">
-            <a:extLst>
-              <a:ext uri="{28A0092B-C50C-407E-A947-70E740481C1C}">
-                <a14:useLocalDpi xmlns:a14="http://schemas.microsoft.com/office/drawing/2010/main" val="0"/>
-              </a:ext>
-            </a:extLst>
-          </a:blip>
-          <a:srcRect/>
-          <a:stretch>
-            <a:fillRect/>
-          </a:stretch>
-        </p:blipFill>
-        <p:spPr bwMode="auto">
-          <a:xfrm>
-            <a:off x="6347738" y="1522948"/>
-            <a:ext cx="2288309" cy="1666301"/>
-          </a:xfrm>
-          <a:prstGeom prst="rect">
-            <a:avLst/>
-          </a:prstGeom>
-          <a:noFill/>
-          <a:ln>
-            <a:noFill/>
-          </a:ln>
-          <a:extLst>
-            <a:ext uri="{909E8E84-426E-40DD-AFC4-6F175D3DCCD1}">
-              <a14:hiddenFill xmlns:a14="http://schemas.microsoft.com/office/drawing/2010/main">
-                <a:solidFill>
-                  <a:schemeClr val="accent1"/>
-                </a:solidFill>
-              </a14:hiddenFill>
-            </a:ext>
-            <a:ext uri="{91240B29-F687-4F45-9708-019B960494DF}">
-              <a14:hiddenLine xmlns:a14="http://schemas.microsoft.com/office/drawing/2010/main" w="9525">
-                <a:solidFill>
-                  <a:schemeClr val="tx1"/>
-                </a:solidFill>
-                <a:miter lim="800000"/>
-                <a:headEnd/>
-                <a:tailEnd/>
-              </a14:hiddenLine>
-            </a:ext>
-          </a:extLst>
-        </p:spPr>
-      </p:pic>
-    </p:spTree>
-    <p:extLst>
-      <p:ext uri="{BB962C8B-B14F-4D97-AF65-F5344CB8AC3E}">
-        <p14:creationId xmlns:p14="http://schemas.microsoft.com/office/powerpoint/2010/main" val="392123412"/>
-      </p:ext>
-    </p:extLst>
-  </p:cSld>
-  <p:clrMapOvr>
-    <a:masterClrMapping/>
-  </p:clrMapOvr>
-</p:sld>
-</file>
-
-<file path=ppt/slides/slide14.xml><?xml version="1.0" encoding="utf-8"?>
-<p:sld xmlns:a="http://schemas.openxmlformats.org/drawingml/2006/main" xmlns:r="http://schemas.openxmlformats.org/officeDocument/2006/relationships" xmlns:p="http://schemas.openxmlformats.org/presentationml/2006/main">
-  <p:cSld>
-    <p:spTree>
-      <p:nvGrpSpPr>
-        <p:cNvPr id="1" name="Shape 501"/>
-        <p:cNvGrpSpPr/>
-        <p:nvPr/>
-      </p:nvGrpSpPr>
-      <p:grpSpPr>
-        <a:xfrm>
-          <a:off x="0" y="0"/>
-          <a:ext cx="0" cy="0"/>
-          <a:chOff x="0" y="0"/>
-          <a:chExt cx="0" cy="0"/>
-        </a:xfrm>
-      </p:grpSpPr>
-      <p:sp>
-        <p:nvSpPr>
-          <p:cNvPr id="502" name="Google Shape;502;p34"/>
-          <p:cNvSpPr txBox="1">
-            <a:spLocks noGrp="1"/>
-          </p:cNvSpPr>
-          <p:nvPr>
-            <p:ph type="sldNum" sz="quarter" idx="12"/>
-          </p:nvPr>
-        </p:nvSpPr>
-        <p:spPr>
-          <a:prstGeom prst="rect">
-            <a:avLst/>
-          </a:prstGeom>
-        </p:spPr>
-        <p:txBody>
-          <a:bodyPr spcFirstLastPara="1" wrap="square" lIns="91425" tIns="91425" rIns="91425" bIns="91425" anchor="ctr" anchorCtr="0">
-            <a:noAutofit/>
-          </a:bodyPr>
-          <a:lstStyle/>
-          <a:p>
-            <a:pPr marL="0" lvl="0" indent="0" algn="r" rtl="0">
-              <a:spcBef>
-                <a:spcPts val="0"/>
-              </a:spcBef>
-              <a:spcAft>
-                <a:spcPts val="0"/>
-              </a:spcAft>
-              <a:buNone/>
-            </a:pPr>
-            <a:fld id="{00000000-1234-1234-1234-123412341234}" type="slidenum">
-              <a:rPr lang="en"/>
-              <a:pPr marL="0" lvl="0" indent="0" algn="r" rtl="0">
-                <a:spcBef>
-                  <a:spcPts val="0"/>
-                </a:spcBef>
-                <a:spcAft>
-                  <a:spcPts val="0"/>
-                </a:spcAft>
-                <a:buNone/>
-              </a:pPr>
-              <a:t>14</a:t>
-            </a:fld>
-            <a:endParaRPr/>
-          </a:p>
-        </p:txBody>
-      </p:sp>
-      <p:sp>
-        <p:nvSpPr>
-          <p:cNvPr id="503" name="Google Shape;503;p34"/>
-          <p:cNvSpPr txBox="1">
-            <a:spLocks noGrp="1"/>
-          </p:cNvSpPr>
-          <p:nvPr>
-            <p:ph type="ctrTitle" idx="4294967295"/>
-          </p:nvPr>
-        </p:nvSpPr>
-        <p:spPr>
-          <a:xfrm>
-            <a:off x="0" y="1679575"/>
-            <a:ext cx="6594475" cy="1749425"/>
-          </a:xfrm>
-          <a:prstGeom prst="rect">
-            <a:avLst/>
-          </a:prstGeom>
-        </p:spPr>
-        <p:txBody>
-          <a:bodyPr spcFirstLastPara="1" wrap="square" lIns="91425" tIns="91425" rIns="91425" bIns="91425" anchor="ctr" anchorCtr="0">
-            <a:noAutofit/>
-          </a:bodyPr>
-          <a:lstStyle/>
-          <a:p>
-            <a:pPr marL="0" lvl="0" indent="0" algn="ctr" rtl="0">
-              <a:spcBef>
-                <a:spcPts val="0"/>
-              </a:spcBef>
-              <a:spcAft>
-                <a:spcPts val="0"/>
-              </a:spcAft>
-              <a:buNone/>
-            </a:pPr>
-            <a:r>
-              <a:rPr lang="en-US" sz="6000" dirty="0" smtClean="0">
-                <a:solidFill>
-                  <a:srgbClr val="FF9800"/>
-                </a:solidFill>
-              </a:rPr>
-              <a:t>QUESTION AND ANSWER SESSION</a:t>
-            </a:r>
-            <a:endParaRPr sz="6000" dirty="0">
-              <a:solidFill>
-                <a:srgbClr val="FF9800"/>
-              </a:solidFill>
-            </a:endParaRPr>
-          </a:p>
-        </p:txBody>
-      </p:sp>
-    </p:spTree>
-    <p:extLst>
-      <p:ext uri="{BB962C8B-B14F-4D97-AF65-F5344CB8AC3E}">
-        <p14:creationId xmlns:p14="http://schemas.microsoft.com/office/powerpoint/2010/main" val="3522647082"/>
-      </p:ext>
-    </p:extLst>
-  </p:cSld>
-  <p:clrMapOvr>
-    <a:masterClrMapping/>
-  </p:clrMapOvr>
-</p:sld>
-</file>
-
-<file path=ppt/slides/slide15.xml><?xml version="1.0" encoding="utf-8"?>
-<p:sld xmlns:a="http://schemas.openxmlformats.org/drawingml/2006/main" xmlns:r="http://schemas.openxmlformats.org/officeDocument/2006/relationships" xmlns:p="http://schemas.openxmlformats.org/presentationml/2006/main">
-  <p:cSld>
-    <p:spTree>
-      <p:nvGrpSpPr>
-        <p:cNvPr id="1" name="Shape 501"/>
-        <p:cNvGrpSpPr/>
-        <p:nvPr/>
-      </p:nvGrpSpPr>
-      <p:grpSpPr>
-        <a:xfrm>
-          <a:off x="0" y="0"/>
-          <a:ext cx="0" cy="0"/>
-          <a:chOff x="0" y="0"/>
-          <a:chExt cx="0" cy="0"/>
-        </a:xfrm>
-      </p:grpSpPr>
-      <p:sp>
-        <p:nvSpPr>
-          <p:cNvPr id="502" name="Google Shape;502;p34"/>
-          <p:cNvSpPr txBox="1">
-            <a:spLocks noGrp="1"/>
-          </p:cNvSpPr>
-          <p:nvPr>
-            <p:ph type="sldNum" sz="quarter" idx="12"/>
-          </p:nvPr>
-        </p:nvSpPr>
-        <p:spPr>
-          <a:prstGeom prst="rect">
-            <a:avLst/>
-          </a:prstGeom>
-        </p:spPr>
-        <p:txBody>
-          <a:bodyPr spcFirstLastPara="1" wrap="square" lIns="91425" tIns="91425" rIns="91425" bIns="91425" anchor="ctr" anchorCtr="0">
-            <a:noAutofit/>
-          </a:bodyPr>
-          <a:lstStyle/>
-          <a:p>
-            <a:pPr marL="0" lvl="0" indent="0" algn="r" rtl="0">
-              <a:spcBef>
-                <a:spcPts val="0"/>
-              </a:spcBef>
-              <a:spcAft>
-                <a:spcPts val="0"/>
-              </a:spcAft>
-              <a:buNone/>
-            </a:pPr>
-            <a:fld id="{00000000-1234-1234-1234-123412341234}" type="slidenum">
-              <a:rPr lang="en"/>
-              <a:pPr marL="0" lvl="0" indent="0" algn="r" rtl="0">
-                <a:spcBef>
-                  <a:spcPts val="0"/>
-                </a:spcBef>
-                <a:spcAft>
-                  <a:spcPts val="0"/>
-                </a:spcAft>
-                <a:buNone/>
-              </a:pPr>
-              <a:t>15</a:t>
-            </a:fld>
-            <a:endParaRPr/>
-          </a:p>
-        </p:txBody>
-      </p:sp>
-      <p:sp>
-        <p:nvSpPr>
-          <p:cNvPr id="503" name="Google Shape;503;p34"/>
-          <p:cNvSpPr txBox="1">
-            <a:spLocks noGrp="1"/>
-          </p:cNvSpPr>
-          <p:nvPr>
-            <p:ph type="ctrTitle" idx="4294967295"/>
-          </p:nvPr>
-        </p:nvSpPr>
-        <p:spPr>
-          <a:xfrm>
-            <a:off x="0" y="2363788"/>
-            <a:ext cx="6594475" cy="1160462"/>
-          </a:xfrm>
-          <a:prstGeom prst="rect">
-            <a:avLst/>
-          </a:prstGeom>
-        </p:spPr>
-        <p:txBody>
-          <a:bodyPr spcFirstLastPara="1" wrap="square" lIns="91425" tIns="91425" rIns="91425" bIns="91425" anchor="ctr" anchorCtr="0">
-            <a:noAutofit/>
-          </a:bodyPr>
-          <a:lstStyle/>
-          <a:p>
-            <a:pPr marL="0" lvl="0" indent="0" algn="ctr" rtl="0">
-              <a:spcBef>
-                <a:spcPts val="0"/>
-              </a:spcBef>
-              <a:spcAft>
-                <a:spcPts val="0"/>
-              </a:spcAft>
-              <a:buNone/>
-            </a:pPr>
-            <a:r>
-              <a:rPr lang="en" sz="6000" dirty="0">
-                <a:solidFill>
-                  <a:srgbClr val="FF9800"/>
-                </a:solidFill>
-              </a:rPr>
-              <a:t>THANKS!</a:t>
-            </a:r>
-            <a:endParaRPr sz="6000" dirty="0">
-              <a:solidFill>
-                <a:srgbClr val="FF9800"/>
-              </a:solidFill>
-            </a:endParaRPr>
-          </a:p>
-        </p:txBody>
-      </p:sp>
-      <p:grpSp>
-        <p:nvGrpSpPr>
-          <p:cNvPr id="505" name="Google Shape;505;p34"/>
-          <p:cNvGrpSpPr/>
-          <p:nvPr/>
-        </p:nvGrpSpPr>
-        <p:grpSpPr>
-          <a:xfrm>
-            <a:off x="3996210" y="966817"/>
-            <a:ext cx="1197664" cy="1126777"/>
-            <a:chOff x="5972700" y="2330200"/>
-            <a:chExt cx="411625" cy="387275"/>
-          </a:xfrm>
-        </p:grpSpPr>
-        <p:sp>
-          <p:nvSpPr>
-            <p:cNvPr id="506" name="Google Shape;506;p34"/>
-            <p:cNvSpPr/>
-            <p:nvPr/>
-          </p:nvSpPr>
-          <p:spPr>
-            <a:xfrm>
-              <a:off x="5972700" y="2476950"/>
-              <a:ext cx="98050" cy="219825"/>
-            </a:xfrm>
-            <a:custGeom>
-              <a:avLst/>
-              <a:gdLst/>
-              <a:ahLst/>
-              <a:cxnLst/>
-              <a:rect l="l" t="t" r="r" b="b"/>
-              <a:pathLst>
-                <a:path w="3922" h="8793" fill="none" extrusionOk="0">
-                  <a:moveTo>
-                    <a:pt x="0" y="0"/>
-                  </a:moveTo>
-                  <a:lnTo>
-                    <a:pt x="0" y="8792"/>
-                  </a:lnTo>
-                  <a:lnTo>
-                    <a:pt x="3921" y="8792"/>
-                  </a:lnTo>
-                  <a:lnTo>
-                    <a:pt x="3921" y="0"/>
-                  </a:lnTo>
-                  <a:lnTo>
-                    <a:pt x="0" y="0"/>
-                  </a:lnTo>
-                  <a:close/>
-                  <a:moveTo>
-                    <a:pt x="2411" y="2411"/>
-                  </a:moveTo>
-                  <a:lnTo>
-                    <a:pt x="2411" y="2411"/>
-                  </a:lnTo>
-                  <a:lnTo>
-                    <a:pt x="2265" y="2387"/>
-                  </a:lnTo>
-                  <a:lnTo>
-                    <a:pt x="2143" y="2363"/>
-                  </a:lnTo>
-                  <a:lnTo>
-                    <a:pt x="2022" y="2290"/>
-                  </a:lnTo>
-                  <a:lnTo>
-                    <a:pt x="1924" y="2216"/>
-                  </a:lnTo>
-                  <a:lnTo>
-                    <a:pt x="1827" y="2095"/>
-                  </a:lnTo>
-                  <a:lnTo>
-                    <a:pt x="1754" y="1973"/>
-                  </a:lnTo>
-                  <a:lnTo>
-                    <a:pt x="1729" y="1851"/>
-                  </a:lnTo>
-                  <a:lnTo>
-                    <a:pt x="1705" y="1705"/>
-                  </a:lnTo>
-                  <a:lnTo>
-                    <a:pt x="1705" y="1705"/>
-                  </a:lnTo>
-                  <a:lnTo>
-                    <a:pt x="1729" y="1559"/>
-                  </a:lnTo>
-                  <a:lnTo>
-                    <a:pt x="1754" y="1437"/>
-                  </a:lnTo>
-                  <a:lnTo>
-                    <a:pt x="1827" y="1315"/>
-                  </a:lnTo>
-                  <a:lnTo>
-                    <a:pt x="1924" y="1218"/>
-                  </a:lnTo>
-                  <a:lnTo>
-                    <a:pt x="2022" y="1120"/>
-                  </a:lnTo>
-                  <a:lnTo>
-                    <a:pt x="2143" y="1072"/>
-                  </a:lnTo>
-                  <a:lnTo>
-                    <a:pt x="2265" y="1023"/>
-                  </a:lnTo>
-                  <a:lnTo>
-                    <a:pt x="2411" y="999"/>
-                  </a:lnTo>
-                  <a:lnTo>
-                    <a:pt x="2411" y="999"/>
-                  </a:lnTo>
-                  <a:lnTo>
-                    <a:pt x="2557" y="1023"/>
-                  </a:lnTo>
-                  <a:lnTo>
-                    <a:pt x="2679" y="1072"/>
-                  </a:lnTo>
-                  <a:lnTo>
-                    <a:pt x="2801" y="1120"/>
-                  </a:lnTo>
-                  <a:lnTo>
-                    <a:pt x="2898" y="1218"/>
-                  </a:lnTo>
-                  <a:lnTo>
-                    <a:pt x="2996" y="1315"/>
-                  </a:lnTo>
-                  <a:lnTo>
-                    <a:pt x="3069" y="1437"/>
-                  </a:lnTo>
-                  <a:lnTo>
-                    <a:pt x="3093" y="1559"/>
-                  </a:lnTo>
-                  <a:lnTo>
-                    <a:pt x="3118" y="1705"/>
-                  </a:lnTo>
-                  <a:lnTo>
-                    <a:pt x="3118" y="1705"/>
-                  </a:lnTo>
-                  <a:lnTo>
-                    <a:pt x="3093" y="1851"/>
-                  </a:lnTo>
-                  <a:lnTo>
-                    <a:pt x="3069" y="1973"/>
-                  </a:lnTo>
-                  <a:lnTo>
-                    <a:pt x="2996" y="2095"/>
-                  </a:lnTo>
-                  <a:lnTo>
-                    <a:pt x="2898" y="2216"/>
-                  </a:lnTo>
-                  <a:lnTo>
-                    <a:pt x="2801" y="2290"/>
-                  </a:lnTo>
-                  <a:lnTo>
-                    <a:pt x="2679" y="2363"/>
-                  </a:lnTo>
-                  <a:lnTo>
-                    <a:pt x="2557" y="2387"/>
-                  </a:lnTo>
-                  <a:lnTo>
-                    <a:pt x="2411" y="2411"/>
-                  </a:lnTo>
-                  <a:lnTo>
-                    <a:pt x="2411" y="2411"/>
-                  </a:lnTo>
-                  <a:close/>
-                </a:path>
-              </a:pathLst>
-            </a:custGeom>
-            <a:noFill/>
-            <a:ln w="19050" cap="rnd" cmpd="sng">
-              <a:solidFill>
-                <a:srgbClr val="3F5378"/>
-              </a:solidFill>
-              <a:prstDash val="solid"/>
-              <a:round/>
-              <a:headEnd type="none" w="sm" len="sm"/>
-              <a:tailEnd type="none" w="sm" len="sm"/>
-            </a:ln>
-          </p:spPr>
-          <p:txBody>
-            <a:bodyPr spcFirstLastPara="1" wrap="square" lIns="91425" tIns="91425" rIns="91425" bIns="91425" anchor="ctr" anchorCtr="0">
-              <a:noAutofit/>
-            </a:bodyPr>
-            <a:lstStyle/>
-            <a:p>
-              <a:pPr marL="0" lvl="0" indent="0" algn="l" rtl="0">
-                <a:spcBef>
-                  <a:spcPts val="0"/>
-                </a:spcBef>
-                <a:spcAft>
-                  <a:spcPts val="0"/>
-                </a:spcAft>
-                <a:buNone/>
-              </a:pPr>
-              <a:endParaRPr/>
-            </a:p>
-          </p:txBody>
-        </p:sp>
-        <p:sp>
-          <p:nvSpPr>
-            <p:cNvPr id="507" name="Google Shape;507;p34"/>
-            <p:cNvSpPr/>
-            <p:nvPr/>
-          </p:nvSpPr>
-          <p:spPr>
-            <a:xfrm>
-              <a:off x="6078025" y="2330200"/>
-              <a:ext cx="306300" cy="387275"/>
-            </a:xfrm>
-            <a:custGeom>
-              <a:avLst/>
-              <a:gdLst/>
-              <a:ahLst/>
-              <a:cxnLst/>
-              <a:rect l="l" t="t" r="r" b="b"/>
-              <a:pathLst>
-                <a:path w="12252" h="15491" fill="none" extrusionOk="0">
-                  <a:moveTo>
-                    <a:pt x="1" y="13396"/>
-                  </a:moveTo>
-                  <a:lnTo>
-                    <a:pt x="1511" y="13396"/>
-                  </a:lnTo>
-                  <a:lnTo>
-                    <a:pt x="1511" y="13396"/>
-                  </a:lnTo>
-                  <a:lnTo>
-                    <a:pt x="1998" y="13639"/>
-                  </a:lnTo>
-                  <a:lnTo>
-                    <a:pt x="2680" y="13932"/>
-                  </a:lnTo>
-                  <a:lnTo>
-                    <a:pt x="3556" y="14273"/>
-                  </a:lnTo>
-                  <a:lnTo>
-                    <a:pt x="4531" y="14638"/>
-                  </a:lnTo>
-                  <a:lnTo>
-                    <a:pt x="5578" y="14955"/>
-                  </a:lnTo>
-                  <a:lnTo>
-                    <a:pt x="6114" y="15101"/>
-                  </a:lnTo>
-                  <a:lnTo>
-                    <a:pt x="6650" y="15222"/>
-                  </a:lnTo>
-                  <a:lnTo>
-                    <a:pt x="7161" y="15344"/>
-                  </a:lnTo>
-                  <a:lnTo>
-                    <a:pt x="7672" y="15417"/>
-                  </a:lnTo>
-                  <a:lnTo>
-                    <a:pt x="8135" y="15466"/>
-                  </a:lnTo>
-                  <a:lnTo>
-                    <a:pt x="8598" y="15490"/>
-                  </a:lnTo>
-                  <a:lnTo>
-                    <a:pt x="8598" y="15490"/>
-                  </a:lnTo>
-                  <a:lnTo>
-                    <a:pt x="9377" y="15490"/>
-                  </a:lnTo>
-                  <a:lnTo>
-                    <a:pt x="9791" y="15466"/>
-                  </a:lnTo>
-                  <a:lnTo>
-                    <a:pt x="10181" y="15417"/>
-                  </a:lnTo>
-                  <a:lnTo>
-                    <a:pt x="10522" y="15320"/>
-                  </a:lnTo>
-                  <a:lnTo>
-                    <a:pt x="10692" y="15271"/>
-                  </a:lnTo>
-                  <a:lnTo>
-                    <a:pt x="10814" y="15222"/>
-                  </a:lnTo>
-                  <a:lnTo>
-                    <a:pt x="10936" y="15149"/>
-                  </a:lnTo>
-                  <a:lnTo>
-                    <a:pt x="11033" y="15052"/>
-                  </a:lnTo>
-                  <a:lnTo>
-                    <a:pt x="11082" y="14955"/>
-                  </a:lnTo>
-                  <a:lnTo>
-                    <a:pt x="11131" y="14833"/>
-                  </a:lnTo>
-                  <a:lnTo>
-                    <a:pt x="11204" y="14126"/>
-                  </a:lnTo>
-                  <a:lnTo>
-                    <a:pt x="11204" y="14126"/>
-                  </a:lnTo>
-                  <a:lnTo>
-                    <a:pt x="11180" y="13956"/>
-                  </a:lnTo>
-                  <a:lnTo>
-                    <a:pt x="11131" y="13810"/>
-                  </a:lnTo>
-                  <a:lnTo>
-                    <a:pt x="11033" y="13664"/>
-                  </a:lnTo>
-                  <a:lnTo>
-                    <a:pt x="10887" y="13542"/>
-                  </a:lnTo>
-                  <a:lnTo>
-                    <a:pt x="10887" y="13542"/>
-                  </a:lnTo>
-                  <a:lnTo>
-                    <a:pt x="11009" y="13518"/>
-                  </a:lnTo>
-                  <a:lnTo>
-                    <a:pt x="11131" y="13469"/>
-                  </a:lnTo>
-                  <a:lnTo>
-                    <a:pt x="11253" y="13420"/>
-                  </a:lnTo>
-                  <a:lnTo>
-                    <a:pt x="11350" y="13323"/>
-                  </a:lnTo>
-                  <a:lnTo>
-                    <a:pt x="11423" y="13225"/>
-                  </a:lnTo>
-                  <a:lnTo>
-                    <a:pt x="11496" y="13104"/>
-                  </a:lnTo>
-                  <a:lnTo>
-                    <a:pt x="11545" y="12957"/>
-                  </a:lnTo>
-                  <a:lnTo>
-                    <a:pt x="11569" y="12836"/>
-                  </a:lnTo>
-                  <a:lnTo>
-                    <a:pt x="11642" y="11959"/>
-                  </a:lnTo>
-                  <a:lnTo>
-                    <a:pt x="11642" y="11959"/>
-                  </a:lnTo>
-                  <a:lnTo>
-                    <a:pt x="11642" y="11837"/>
-                  </a:lnTo>
-                  <a:lnTo>
-                    <a:pt x="11642" y="11740"/>
-                  </a:lnTo>
-                  <a:lnTo>
-                    <a:pt x="11618" y="11618"/>
-                  </a:lnTo>
-                  <a:lnTo>
-                    <a:pt x="11569" y="11521"/>
-                  </a:lnTo>
-                  <a:lnTo>
-                    <a:pt x="11447" y="11350"/>
-                  </a:lnTo>
-                  <a:lnTo>
-                    <a:pt x="11374" y="11277"/>
-                  </a:lnTo>
-                  <a:lnTo>
-                    <a:pt x="11301" y="11204"/>
-                  </a:lnTo>
-                  <a:lnTo>
-                    <a:pt x="11301" y="11204"/>
-                  </a:lnTo>
-                  <a:lnTo>
-                    <a:pt x="11423" y="11180"/>
-                  </a:lnTo>
-                  <a:lnTo>
-                    <a:pt x="11521" y="11131"/>
-                  </a:lnTo>
-                  <a:lnTo>
-                    <a:pt x="11618" y="11058"/>
-                  </a:lnTo>
-                  <a:lnTo>
-                    <a:pt x="11715" y="10960"/>
-                  </a:lnTo>
-                  <a:lnTo>
-                    <a:pt x="11788" y="10863"/>
-                  </a:lnTo>
-                  <a:lnTo>
-                    <a:pt x="11837" y="10766"/>
-                  </a:lnTo>
-                  <a:lnTo>
-                    <a:pt x="11886" y="10644"/>
-                  </a:lnTo>
-                  <a:lnTo>
-                    <a:pt x="11910" y="10498"/>
-                  </a:lnTo>
-                  <a:lnTo>
-                    <a:pt x="11983" y="9645"/>
-                  </a:lnTo>
-                  <a:lnTo>
-                    <a:pt x="11983" y="9645"/>
-                  </a:lnTo>
-                  <a:lnTo>
-                    <a:pt x="11983" y="9523"/>
-                  </a:lnTo>
-                  <a:lnTo>
-                    <a:pt x="11983" y="9402"/>
-                  </a:lnTo>
-                  <a:lnTo>
-                    <a:pt x="11959" y="9280"/>
-                  </a:lnTo>
-                  <a:lnTo>
-                    <a:pt x="11910" y="9182"/>
-                  </a:lnTo>
-                  <a:lnTo>
-                    <a:pt x="11861" y="9085"/>
-                  </a:lnTo>
-                  <a:lnTo>
-                    <a:pt x="11788" y="9012"/>
-                  </a:lnTo>
-                  <a:lnTo>
-                    <a:pt x="11715" y="8939"/>
-                  </a:lnTo>
-                  <a:lnTo>
-                    <a:pt x="11618" y="8866"/>
-                  </a:lnTo>
-                  <a:lnTo>
-                    <a:pt x="11618" y="8866"/>
-                  </a:lnTo>
-                  <a:lnTo>
-                    <a:pt x="11715" y="8841"/>
-                  </a:lnTo>
-                  <a:lnTo>
-                    <a:pt x="11813" y="8768"/>
-                  </a:lnTo>
-                  <a:lnTo>
-                    <a:pt x="11910" y="8695"/>
-                  </a:lnTo>
-                  <a:lnTo>
-                    <a:pt x="11983" y="8622"/>
-                  </a:lnTo>
-                  <a:lnTo>
-                    <a:pt x="12056" y="8525"/>
-                  </a:lnTo>
-                  <a:lnTo>
-                    <a:pt x="12105" y="8427"/>
-                  </a:lnTo>
-                  <a:lnTo>
-                    <a:pt x="12129" y="8306"/>
-                  </a:lnTo>
-                  <a:lnTo>
-                    <a:pt x="12154" y="8184"/>
-                  </a:lnTo>
-                  <a:lnTo>
-                    <a:pt x="12251" y="7307"/>
-                  </a:lnTo>
-                  <a:lnTo>
-                    <a:pt x="12251" y="7307"/>
-                  </a:lnTo>
-                  <a:lnTo>
-                    <a:pt x="12227" y="7185"/>
-                  </a:lnTo>
-                  <a:lnTo>
-                    <a:pt x="12202" y="7064"/>
-                  </a:lnTo>
-                  <a:lnTo>
-                    <a:pt x="12154" y="6966"/>
-                  </a:lnTo>
-                  <a:lnTo>
-                    <a:pt x="12105" y="6869"/>
-                  </a:lnTo>
-                  <a:lnTo>
-                    <a:pt x="12032" y="6771"/>
-                  </a:lnTo>
-                  <a:lnTo>
-                    <a:pt x="11935" y="6698"/>
-                  </a:lnTo>
-                  <a:lnTo>
-                    <a:pt x="11715" y="6552"/>
-                  </a:lnTo>
-                  <a:lnTo>
-                    <a:pt x="11472" y="6430"/>
-                  </a:lnTo>
-                  <a:lnTo>
-                    <a:pt x="11180" y="6333"/>
-                  </a:lnTo>
-                  <a:lnTo>
-                    <a:pt x="10863" y="6260"/>
-                  </a:lnTo>
-                  <a:lnTo>
-                    <a:pt x="10546" y="6211"/>
-                  </a:lnTo>
-                  <a:lnTo>
-                    <a:pt x="10546" y="6211"/>
-                  </a:lnTo>
-                  <a:lnTo>
-                    <a:pt x="9864" y="6114"/>
-                  </a:lnTo>
-                  <a:lnTo>
-                    <a:pt x="8817" y="6016"/>
-                  </a:lnTo>
-                  <a:lnTo>
-                    <a:pt x="7575" y="5943"/>
-                  </a:lnTo>
-                  <a:lnTo>
-                    <a:pt x="6309" y="5870"/>
-                  </a:lnTo>
-                  <a:lnTo>
-                    <a:pt x="6309" y="5870"/>
-                  </a:lnTo>
-                  <a:lnTo>
-                    <a:pt x="6479" y="5578"/>
-                  </a:lnTo>
-                  <a:lnTo>
-                    <a:pt x="6625" y="5237"/>
-                  </a:lnTo>
-                  <a:lnTo>
-                    <a:pt x="6771" y="4872"/>
-                  </a:lnTo>
-                  <a:lnTo>
-                    <a:pt x="6869" y="4482"/>
-                  </a:lnTo>
-                  <a:lnTo>
-                    <a:pt x="6966" y="4092"/>
-                  </a:lnTo>
-                  <a:lnTo>
-                    <a:pt x="7064" y="3678"/>
-                  </a:lnTo>
-                  <a:lnTo>
-                    <a:pt x="7161" y="2875"/>
-                  </a:lnTo>
-                  <a:lnTo>
-                    <a:pt x="7234" y="2144"/>
-                  </a:lnTo>
-                  <a:lnTo>
-                    <a:pt x="7283" y="1535"/>
-                  </a:lnTo>
-                  <a:lnTo>
-                    <a:pt x="7283" y="975"/>
-                  </a:lnTo>
-                  <a:lnTo>
-                    <a:pt x="7283" y="975"/>
-                  </a:lnTo>
-                  <a:lnTo>
-                    <a:pt x="7283" y="804"/>
-                  </a:lnTo>
-                  <a:lnTo>
-                    <a:pt x="7210" y="609"/>
-                  </a:lnTo>
-                  <a:lnTo>
-                    <a:pt x="7137" y="463"/>
-                  </a:lnTo>
-                  <a:lnTo>
-                    <a:pt x="7015" y="317"/>
-                  </a:lnTo>
-                  <a:lnTo>
-                    <a:pt x="6869" y="171"/>
-                  </a:lnTo>
-                  <a:lnTo>
-                    <a:pt x="6698" y="98"/>
-                  </a:lnTo>
-                  <a:lnTo>
-                    <a:pt x="6503" y="25"/>
-                  </a:lnTo>
-                  <a:lnTo>
-                    <a:pt x="6309" y="1"/>
-                  </a:lnTo>
-                  <a:lnTo>
-                    <a:pt x="6309" y="1"/>
-                  </a:lnTo>
-                  <a:lnTo>
-                    <a:pt x="5943" y="25"/>
-                  </a:lnTo>
-                  <a:lnTo>
-                    <a:pt x="5700" y="74"/>
-                  </a:lnTo>
-                  <a:lnTo>
-                    <a:pt x="5505" y="147"/>
-                  </a:lnTo>
-                  <a:lnTo>
-                    <a:pt x="5359" y="220"/>
-                  </a:lnTo>
-                  <a:lnTo>
-                    <a:pt x="5359" y="220"/>
-                  </a:lnTo>
-                  <a:lnTo>
-                    <a:pt x="4969" y="1462"/>
-                  </a:lnTo>
-                  <a:lnTo>
-                    <a:pt x="4774" y="2022"/>
-                  </a:lnTo>
-                  <a:lnTo>
-                    <a:pt x="4579" y="2534"/>
-                  </a:lnTo>
-                  <a:lnTo>
-                    <a:pt x="4385" y="2996"/>
-                  </a:lnTo>
-                  <a:lnTo>
-                    <a:pt x="4190" y="3386"/>
-                  </a:lnTo>
-                  <a:lnTo>
-                    <a:pt x="4019" y="3678"/>
-                  </a:lnTo>
-                  <a:lnTo>
-                    <a:pt x="3873" y="3922"/>
-                  </a:lnTo>
-                  <a:lnTo>
-                    <a:pt x="3873" y="3922"/>
-                  </a:lnTo>
-                  <a:lnTo>
-                    <a:pt x="3654" y="4141"/>
-                  </a:lnTo>
-                  <a:lnTo>
-                    <a:pt x="3313" y="4482"/>
-                  </a:lnTo>
-                  <a:lnTo>
-                    <a:pt x="2509" y="5237"/>
-                  </a:lnTo>
-                  <a:lnTo>
-                    <a:pt x="1438" y="6211"/>
-                  </a:lnTo>
-                  <a:lnTo>
-                    <a:pt x="1" y="6211"/>
-                  </a:lnTo>
-                </a:path>
-              </a:pathLst>
-            </a:custGeom>
-            <a:noFill/>
-            <a:ln w="19050" cap="rnd" cmpd="sng">
-              <a:solidFill>
-                <a:srgbClr val="3F5378"/>
-              </a:solidFill>
-              <a:prstDash val="solid"/>
-              <a:round/>
-              <a:headEnd type="none" w="sm" len="sm"/>
-              <a:tailEnd type="none" w="sm" len="sm"/>
-            </a:ln>
-          </p:spPr>
-          <p:txBody>
-            <a:bodyPr spcFirstLastPara="1" wrap="square" lIns="91425" tIns="91425" rIns="91425" bIns="91425" anchor="ctr" anchorCtr="0">
-              <a:noAutofit/>
-            </a:bodyPr>
-            <a:lstStyle/>
-            <a:p>
-              <a:pPr marL="0" lvl="0" indent="0" algn="l" rtl="0">
-                <a:spcBef>
-                  <a:spcPts val="0"/>
-                </a:spcBef>
-                <a:spcAft>
-                  <a:spcPts val="0"/>
-                </a:spcAft>
-                <a:buNone/>
-              </a:pPr>
-              <a:endParaRPr/>
-            </a:p>
-          </p:txBody>
-        </p:sp>
-      </p:grpSp>
-    </p:spTree>
-    <p:extLst>
-      <p:ext uri="{BB962C8B-B14F-4D97-AF65-F5344CB8AC3E}">
-        <p14:creationId xmlns:p14="http://schemas.microsoft.com/office/powerpoint/2010/main" val="1188567277"/>
-      </p:ext>
-    </p:extLst>
-  </p:cSld>
-  <p:clrMapOvr>
-    <a:masterClrMapping/>
-  </p:clrMapOvr>
-</p:sld>
-</file>
-
 <file path=ppt/slides/slide2.xml><?xml version="1.0" encoding="utf-8"?>
 <p:sld xmlns:a="http://schemas.openxmlformats.org/drawingml/2006/main" xmlns:r="http://schemas.openxmlformats.org/officeDocument/2006/relationships" xmlns:p="http://schemas.openxmlformats.org/presentationml/2006/main">
   <p:cSld>
@@ -12950,767 +10656,6 @@
   <p:cSld>
     <p:spTree>
       <p:nvGrpSpPr>
-        <p:cNvPr id="1" name="Shape 235"/>
-        <p:cNvGrpSpPr/>
-        <p:nvPr/>
-      </p:nvGrpSpPr>
-      <p:grpSpPr>
-        <a:xfrm>
-          <a:off x="0" y="0"/>
-          <a:ext cx="0" cy="0"/>
-          <a:chOff x="0" y="0"/>
-          <a:chExt cx="0" cy="0"/>
-        </a:xfrm>
-      </p:grpSpPr>
-      <p:sp>
-        <p:nvSpPr>
-          <p:cNvPr id="236" name="Google Shape;236;p16"/>
-          <p:cNvSpPr txBox="1">
-            <a:spLocks noGrp="1"/>
-          </p:cNvSpPr>
-          <p:nvPr>
-            <p:ph type="title"/>
-          </p:nvPr>
-        </p:nvSpPr>
-        <p:spPr>
-          <a:prstGeom prst="rect">
-            <a:avLst/>
-          </a:prstGeom>
-        </p:spPr>
-        <p:txBody>
-          <a:bodyPr spcFirstLastPara="1" wrap="square" lIns="91425" tIns="91425" rIns="91425" bIns="91425" anchor="ctr" anchorCtr="0">
-            <a:noAutofit/>
-          </a:bodyPr>
-          <a:lstStyle/>
-          <a:p>
-            <a:pPr marL="0" lvl="0" indent="0" algn="l" rtl="0">
-              <a:spcBef>
-                <a:spcPts val="0"/>
-              </a:spcBef>
-              <a:spcAft>
-                <a:spcPts val="0"/>
-              </a:spcAft>
-              <a:buNone/>
-            </a:pPr>
-            <a:r>
-              <a:rPr lang="en" dirty="0">
-                <a:latin typeface="Arial Rounded MT Bold" panose="020F0704030504030204" pitchFamily="34" charset="0"/>
-              </a:rPr>
-              <a:t>PROJECT </a:t>
-            </a:r>
-            <a:r>
-              <a:rPr lang="en" dirty="0" smtClean="0">
-                <a:latin typeface="Arial Rounded MT Bold" panose="020F0704030504030204" pitchFamily="34" charset="0"/>
-              </a:rPr>
-              <a:t>IDEA</a:t>
-            </a:r>
-            <a:endParaRPr dirty="0">
-              <a:latin typeface="Arial Rounded MT Bold" panose="020F0704030504030204" pitchFamily="34" charset="0"/>
-            </a:endParaRPr>
-          </a:p>
-        </p:txBody>
-      </p:sp>
-      <p:sp>
-        <p:nvSpPr>
-          <p:cNvPr id="237" name="Google Shape;237;p16"/>
-          <p:cNvSpPr txBox="1">
-            <a:spLocks noGrp="1"/>
-          </p:cNvSpPr>
-          <p:nvPr>
-            <p:ph type="body" idx="1"/>
-          </p:nvPr>
-        </p:nvSpPr>
-        <p:spPr>
-          <a:xfrm>
-            <a:off x="754898" y="1345163"/>
-            <a:ext cx="7277102" cy="3145500"/>
-          </a:xfrm>
-          <a:prstGeom prst="rect">
-            <a:avLst/>
-          </a:prstGeom>
-        </p:spPr>
-        <p:txBody>
-          <a:bodyPr spcFirstLastPara="1" wrap="square" lIns="91425" tIns="91425" rIns="91425" bIns="91425" anchor="ctr" anchorCtr="0">
-            <a:noAutofit/>
-          </a:bodyPr>
-          <a:lstStyle/>
-          <a:p>
-            <a:pPr lvl="0" algn="l" rtl="0">
-              <a:spcBef>
-                <a:spcPts val="1000"/>
-              </a:spcBef>
-              <a:spcAft>
-                <a:spcPts val="0"/>
-              </a:spcAft>
-              <a:buSzPts val="2400"/>
-              <a:buFont typeface="Arial" panose="020B0604020202020204" pitchFamily="34" charset="0"/>
-              <a:buChar char="•"/>
-            </a:pPr>
-            <a:endParaRPr lang="en-US" sz="1800" dirty="0" smtClean="0">
-              <a:latin typeface="Arial" panose="020B0604020202020204" pitchFamily="34" charset="0"/>
-              <a:cs typeface="Arial" panose="020B0604020202020204" pitchFamily="34" charset="0"/>
-            </a:endParaRPr>
-          </a:p>
-          <a:p>
-            <a:pPr marL="76200" lvl="0" indent="0" algn="l" rtl="0">
-              <a:spcBef>
-                <a:spcPts val="1000"/>
-              </a:spcBef>
-              <a:spcAft>
-                <a:spcPts val="0"/>
-              </a:spcAft>
-              <a:buSzPts val="2400"/>
-              <a:buNone/>
-            </a:pPr>
-            <a:r>
-              <a:rPr lang="en-US" sz="4800" dirty="0" smtClean="0">
-                <a:latin typeface="Arial Rounded MT Bold" panose="020F0704030504030204" pitchFamily="34" charset="0"/>
-              </a:rPr>
-              <a:t>Detection of Fake News Using Artificial Intelligence</a:t>
-            </a:r>
-            <a:endParaRPr sz="4800" dirty="0">
-              <a:latin typeface="Arial Rounded MT Bold" panose="020F0704030504030204" pitchFamily="34" charset="0"/>
-            </a:endParaRPr>
-          </a:p>
-        </p:txBody>
-      </p:sp>
-      <p:sp>
-        <p:nvSpPr>
-          <p:cNvPr id="238" name="Google Shape;238;p16"/>
-          <p:cNvSpPr txBox="1">
-            <a:spLocks noGrp="1"/>
-          </p:cNvSpPr>
-          <p:nvPr>
-            <p:ph type="sldNum" idx="12"/>
-          </p:nvPr>
-        </p:nvSpPr>
-        <p:spPr>
-          <a:prstGeom prst="rect">
-            <a:avLst/>
-          </a:prstGeom>
-        </p:spPr>
-        <p:txBody>
-          <a:bodyPr spcFirstLastPara="1" wrap="square" lIns="91425" tIns="91425" rIns="91425" bIns="91425" anchor="ctr" anchorCtr="0">
-            <a:noAutofit/>
-          </a:bodyPr>
-          <a:lstStyle/>
-          <a:p>
-            <a:pPr marL="0" lvl="0" indent="0" algn="r" rtl="0">
-              <a:spcBef>
-                <a:spcPts val="0"/>
-              </a:spcBef>
-              <a:spcAft>
-                <a:spcPts val="0"/>
-              </a:spcAft>
-              <a:buNone/>
-            </a:pPr>
-            <a:fld id="{00000000-1234-1234-1234-123412341234}" type="slidenum">
-              <a:rPr lang="en"/>
-              <a:pPr marL="0" lvl="0" indent="0" algn="r" rtl="0">
-                <a:spcBef>
-                  <a:spcPts val="0"/>
-                </a:spcBef>
-                <a:spcAft>
-                  <a:spcPts val="0"/>
-                </a:spcAft>
-                <a:buNone/>
-              </a:pPr>
-              <a:t>3</a:t>
-            </a:fld>
-            <a:endParaRPr/>
-          </a:p>
-        </p:txBody>
-      </p:sp>
-      <p:grpSp>
-        <p:nvGrpSpPr>
-          <p:cNvPr id="239" name="Google Shape;239;p16"/>
-          <p:cNvGrpSpPr/>
-          <p:nvPr/>
-        </p:nvGrpSpPr>
-        <p:grpSpPr>
-          <a:xfrm>
-            <a:off x="282216" y="590918"/>
-            <a:ext cx="369505" cy="369505"/>
-            <a:chOff x="2594050" y="1631825"/>
-            <a:chExt cx="439625" cy="439625"/>
-          </a:xfrm>
-        </p:grpSpPr>
-        <p:sp>
-          <p:nvSpPr>
-            <p:cNvPr id="240" name="Google Shape;240;p16"/>
-            <p:cNvSpPr/>
-            <p:nvPr/>
-          </p:nvSpPr>
-          <p:spPr>
-            <a:xfrm>
-              <a:off x="2594050" y="1883300"/>
-              <a:ext cx="188175" cy="188150"/>
-            </a:xfrm>
-            <a:custGeom>
-              <a:avLst/>
-              <a:gdLst/>
-              <a:ahLst/>
-              <a:cxnLst/>
-              <a:rect l="l" t="t" r="r" b="b"/>
-              <a:pathLst>
-                <a:path w="7527" h="7526" fill="none" extrusionOk="0">
-                  <a:moveTo>
-                    <a:pt x="5992" y="0"/>
-                  </a:moveTo>
-                  <a:lnTo>
-                    <a:pt x="537" y="6430"/>
-                  </a:lnTo>
-                  <a:lnTo>
-                    <a:pt x="1" y="7526"/>
-                  </a:lnTo>
-                  <a:lnTo>
-                    <a:pt x="1097" y="6990"/>
-                  </a:lnTo>
-                  <a:lnTo>
-                    <a:pt x="7526" y="1534"/>
-                  </a:lnTo>
-                  <a:lnTo>
-                    <a:pt x="5992" y="0"/>
-                  </a:lnTo>
-                  <a:close/>
-                </a:path>
-              </a:pathLst>
-            </a:custGeom>
-            <a:noFill/>
-            <a:ln w="12175" cap="rnd" cmpd="sng">
-              <a:solidFill>
-                <a:srgbClr val="FF9800"/>
-              </a:solidFill>
-              <a:prstDash val="solid"/>
-              <a:round/>
-              <a:headEnd type="none" w="sm" len="sm"/>
-              <a:tailEnd type="none" w="sm" len="sm"/>
-            </a:ln>
-          </p:spPr>
-          <p:txBody>
-            <a:bodyPr spcFirstLastPara="1" wrap="square" lIns="91425" tIns="91425" rIns="91425" bIns="91425" anchor="ctr" anchorCtr="0">
-              <a:noAutofit/>
-            </a:bodyPr>
-            <a:lstStyle/>
-            <a:p>
-              <a:pPr marL="0" lvl="0" indent="0" algn="l" rtl="0">
-                <a:spcBef>
-                  <a:spcPts val="0"/>
-                </a:spcBef>
-                <a:spcAft>
-                  <a:spcPts val="0"/>
-                </a:spcAft>
-                <a:buNone/>
-              </a:pPr>
-              <a:endParaRPr/>
-            </a:p>
-          </p:txBody>
-        </p:sp>
-        <p:sp>
-          <p:nvSpPr>
-            <p:cNvPr id="241" name="Google Shape;241;p16"/>
-            <p:cNvSpPr/>
-            <p:nvPr/>
-          </p:nvSpPr>
-          <p:spPr>
-            <a:xfrm>
-              <a:off x="2857700" y="1631825"/>
-              <a:ext cx="175975" cy="176000"/>
-            </a:xfrm>
-            <a:custGeom>
-              <a:avLst/>
-              <a:gdLst/>
-              <a:ahLst/>
-              <a:cxnLst/>
-              <a:rect l="l" t="t" r="r" b="b"/>
-              <a:pathLst>
-                <a:path w="7039" h="7040" fill="none" extrusionOk="0">
-                  <a:moveTo>
-                    <a:pt x="268" y="2704"/>
-                  </a:moveTo>
-                  <a:lnTo>
-                    <a:pt x="4336" y="6771"/>
-                  </a:lnTo>
-                  <a:lnTo>
-                    <a:pt x="4336" y="6771"/>
-                  </a:lnTo>
-                  <a:lnTo>
-                    <a:pt x="4336" y="6771"/>
-                  </a:lnTo>
-                  <a:lnTo>
-                    <a:pt x="4652" y="6917"/>
-                  </a:lnTo>
-                  <a:lnTo>
-                    <a:pt x="4993" y="7015"/>
-                  </a:lnTo>
-                  <a:lnTo>
-                    <a:pt x="5310" y="7039"/>
-                  </a:lnTo>
-                  <a:lnTo>
-                    <a:pt x="5651" y="7039"/>
-                  </a:lnTo>
-                  <a:lnTo>
-                    <a:pt x="5992" y="6966"/>
-                  </a:lnTo>
-                  <a:lnTo>
-                    <a:pt x="6308" y="6844"/>
-                  </a:lnTo>
-                  <a:lnTo>
-                    <a:pt x="6454" y="6747"/>
-                  </a:lnTo>
-                  <a:lnTo>
-                    <a:pt x="6601" y="6674"/>
-                  </a:lnTo>
-                  <a:lnTo>
-                    <a:pt x="6747" y="6552"/>
-                  </a:lnTo>
-                  <a:lnTo>
-                    <a:pt x="6893" y="6430"/>
-                  </a:lnTo>
-                  <a:lnTo>
-                    <a:pt x="6893" y="6430"/>
-                  </a:lnTo>
-                  <a:lnTo>
-                    <a:pt x="6942" y="6357"/>
-                  </a:lnTo>
-                  <a:lnTo>
-                    <a:pt x="7015" y="6260"/>
-                  </a:lnTo>
-                  <a:lnTo>
-                    <a:pt x="7039" y="6138"/>
-                  </a:lnTo>
-                  <a:lnTo>
-                    <a:pt x="7039" y="6041"/>
-                  </a:lnTo>
-                  <a:lnTo>
-                    <a:pt x="7039" y="6041"/>
-                  </a:lnTo>
-                  <a:lnTo>
-                    <a:pt x="7039" y="5943"/>
-                  </a:lnTo>
-                  <a:lnTo>
-                    <a:pt x="7015" y="5846"/>
-                  </a:lnTo>
-                  <a:lnTo>
-                    <a:pt x="6942" y="5748"/>
-                  </a:lnTo>
-                  <a:lnTo>
-                    <a:pt x="6893" y="5651"/>
-                  </a:lnTo>
-                  <a:lnTo>
-                    <a:pt x="1389" y="147"/>
-                  </a:lnTo>
-                  <a:lnTo>
-                    <a:pt x="1389" y="147"/>
-                  </a:lnTo>
-                  <a:lnTo>
-                    <a:pt x="1291" y="98"/>
-                  </a:lnTo>
-                  <a:lnTo>
-                    <a:pt x="1194" y="25"/>
-                  </a:lnTo>
-                  <a:lnTo>
-                    <a:pt x="1096" y="0"/>
-                  </a:lnTo>
-                  <a:lnTo>
-                    <a:pt x="999" y="0"/>
-                  </a:lnTo>
-                  <a:lnTo>
-                    <a:pt x="999" y="0"/>
-                  </a:lnTo>
-                  <a:lnTo>
-                    <a:pt x="902" y="0"/>
-                  </a:lnTo>
-                  <a:lnTo>
-                    <a:pt x="780" y="25"/>
-                  </a:lnTo>
-                  <a:lnTo>
-                    <a:pt x="682" y="98"/>
-                  </a:lnTo>
-                  <a:lnTo>
-                    <a:pt x="609" y="147"/>
-                  </a:lnTo>
-                  <a:lnTo>
-                    <a:pt x="609" y="147"/>
-                  </a:lnTo>
-                  <a:lnTo>
-                    <a:pt x="487" y="293"/>
-                  </a:lnTo>
-                  <a:lnTo>
-                    <a:pt x="366" y="439"/>
-                  </a:lnTo>
-                  <a:lnTo>
-                    <a:pt x="293" y="585"/>
-                  </a:lnTo>
-                  <a:lnTo>
-                    <a:pt x="195" y="731"/>
-                  </a:lnTo>
-                  <a:lnTo>
-                    <a:pt x="73" y="1048"/>
-                  </a:lnTo>
-                  <a:lnTo>
-                    <a:pt x="0" y="1389"/>
-                  </a:lnTo>
-                  <a:lnTo>
-                    <a:pt x="0" y="1730"/>
-                  </a:lnTo>
-                  <a:lnTo>
-                    <a:pt x="25" y="2046"/>
-                  </a:lnTo>
-                  <a:lnTo>
-                    <a:pt x="122" y="2387"/>
-                  </a:lnTo>
-                  <a:lnTo>
-                    <a:pt x="268" y="2704"/>
-                  </a:lnTo>
-                  <a:lnTo>
-                    <a:pt x="268" y="2704"/>
-                  </a:lnTo>
-                  <a:close/>
-                </a:path>
-              </a:pathLst>
-            </a:custGeom>
-            <a:noFill/>
-            <a:ln w="12175" cap="rnd" cmpd="sng">
-              <a:solidFill>
-                <a:srgbClr val="FF9800"/>
-              </a:solidFill>
-              <a:prstDash val="solid"/>
-              <a:round/>
-              <a:headEnd type="none" w="sm" len="sm"/>
-              <a:tailEnd type="none" w="sm" len="sm"/>
-            </a:ln>
-          </p:spPr>
-          <p:txBody>
-            <a:bodyPr spcFirstLastPara="1" wrap="square" lIns="91425" tIns="91425" rIns="91425" bIns="91425" anchor="ctr" anchorCtr="0">
-              <a:noAutofit/>
-            </a:bodyPr>
-            <a:lstStyle/>
-            <a:p>
-              <a:pPr marL="0" lvl="0" indent="0" algn="l" rtl="0">
-                <a:spcBef>
-                  <a:spcPts val="0"/>
-                </a:spcBef>
-                <a:spcAft>
-                  <a:spcPts val="0"/>
-                </a:spcAft>
-                <a:buNone/>
-              </a:pPr>
-              <a:endParaRPr/>
-            </a:p>
-          </p:txBody>
-        </p:sp>
-        <p:sp>
-          <p:nvSpPr>
-            <p:cNvPr id="242" name="Google Shape;242;p16"/>
-            <p:cNvSpPr/>
-            <p:nvPr/>
-          </p:nvSpPr>
-          <p:spPr>
-            <a:xfrm>
-              <a:off x="2662850" y="1699400"/>
-              <a:ext cx="303250" cy="303250"/>
-            </a:xfrm>
-            <a:custGeom>
-              <a:avLst/>
-              <a:gdLst/>
-              <a:ahLst/>
-              <a:cxnLst/>
-              <a:rect l="l" t="t" r="r" b="b"/>
-              <a:pathLst>
-                <a:path w="12130" h="12130" fill="none" extrusionOk="0">
-                  <a:moveTo>
-                    <a:pt x="8038" y="1"/>
-                  </a:moveTo>
-                  <a:lnTo>
-                    <a:pt x="4872" y="3191"/>
-                  </a:lnTo>
-                  <a:lnTo>
-                    <a:pt x="4872" y="3191"/>
-                  </a:lnTo>
-                  <a:lnTo>
-                    <a:pt x="4628" y="3094"/>
-                  </a:lnTo>
-                  <a:lnTo>
-                    <a:pt x="4385" y="2997"/>
-                  </a:lnTo>
-                  <a:lnTo>
-                    <a:pt x="4092" y="2899"/>
-                  </a:lnTo>
-                  <a:lnTo>
-                    <a:pt x="3800" y="2850"/>
-                  </a:lnTo>
-                  <a:lnTo>
-                    <a:pt x="3484" y="2777"/>
-                  </a:lnTo>
-                  <a:lnTo>
-                    <a:pt x="3167" y="2729"/>
-                  </a:lnTo>
-                  <a:lnTo>
-                    <a:pt x="2850" y="2704"/>
-                  </a:lnTo>
-                  <a:lnTo>
-                    <a:pt x="2534" y="2704"/>
-                  </a:lnTo>
-                  <a:lnTo>
-                    <a:pt x="2534" y="2704"/>
-                  </a:lnTo>
-                  <a:lnTo>
-                    <a:pt x="2241" y="2704"/>
-                  </a:lnTo>
-                  <a:lnTo>
-                    <a:pt x="1949" y="2729"/>
-                  </a:lnTo>
-                  <a:lnTo>
-                    <a:pt x="1633" y="2777"/>
-                  </a:lnTo>
-                  <a:lnTo>
-                    <a:pt x="1316" y="2850"/>
-                  </a:lnTo>
-                  <a:lnTo>
-                    <a:pt x="999" y="2972"/>
-                  </a:lnTo>
-                  <a:lnTo>
-                    <a:pt x="707" y="3094"/>
-                  </a:lnTo>
-                  <a:lnTo>
-                    <a:pt x="415" y="3289"/>
-                  </a:lnTo>
-                  <a:lnTo>
-                    <a:pt x="147" y="3508"/>
-                  </a:lnTo>
-                  <a:lnTo>
-                    <a:pt x="147" y="3508"/>
-                  </a:lnTo>
-                  <a:lnTo>
-                    <a:pt x="74" y="3581"/>
-                  </a:lnTo>
-                  <a:lnTo>
-                    <a:pt x="25" y="3678"/>
-                  </a:lnTo>
-                  <a:lnTo>
-                    <a:pt x="1" y="3776"/>
-                  </a:lnTo>
-                  <a:lnTo>
-                    <a:pt x="1" y="3898"/>
-                  </a:lnTo>
-                  <a:lnTo>
-                    <a:pt x="1" y="3898"/>
-                  </a:lnTo>
-                  <a:lnTo>
-                    <a:pt x="1" y="3995"/>
-                  </a:lnTo>
-                  <a:lnTo>
-                    <a:pt x="25" y="4093"/>
-                  </a:lnTo>
-                  <a:lnTo>
-                    <a:pt x="74" y="4190"/>
-                  </a:lnTo>
-                  <a:lnTo>
-                    <a:pt x="147" y="4287"/>
-                  </a:lnTo>
-                  <a:lnTo>
-                    <a:pt x="7843" y="11984"/>
-                  </a:lnTo>
-                  <a:lnTo>
-                    <a:pt x="7843" y="11984"/>
-                  </a:lnTo>
-                  <a:lnTo>
-                    <a:pt x="7941" y="12057"/>
-                  </a:lnTo>
-                  <a:lnTo>
-                    <a:pt x="8038" y="12105"/>
-                  </a:lnTo>
-                  <a:lnTo>
-                    <a:pt x="8135" y="12130"/>
-                  </a:lnTo>
-                  <a:lnTo>
-                    <a:pt x="8233" y="12130"/>
-                  </a:lnTo>
-                  <a:lnTo>
-                    <a:pt x="8233" y="12130"/>
-                  </a:lnTo>
-                  <a:lnTo>
-                    <a:pt x="8355" y="12130"/>
-                  </a:lnTo>
-                  <a:lnTo>
-                    <a:pt x="8452" y="12105"/>
-                  </a:lnTo>
-                  <a:lnTo>
-                    <a:pt x="8549" y="12057"/>
-                  </a:lnTo>
-                  <a:lnTo>
-                    <a:pt x="8622" y="11984"/>
-                  </a:lnTo>
-                  <a:lnTo>
-                    <a:pt x="8622" y="11984"/>
-                  </a:lnTo>
-                  <a:lnTo>
-                    <a:pt x="8842" y="11716"/>
-                  </a:lnTo>
-                  <a:lnTo>
-                    <a:pt x="9036" y="11423"/>
-                  </a:lnTo>
-                  <a:lnTo>
-                    <a:pt x="9158" y="11131"/>
-                  </a:lnTo>
-                  <a:lnTo>
-                    <a:pt x="9280" y="10814"/>
-                  </a:lnTo>
-                  <a:lnTo>
-                    <a:pt x="9353" y="10498"/>
-                  </a:lnTo>
-                  <a:lnTo>
-                    <a:pt x="9402" y="10181"/>
-                  </a:lnTo>
-                  <a:lnTo>
-                    <a:pt x="9426" y="9889"/>
-                  </a:lnTo>
-                  <a:lnTo>
-                    <a:pt x="9426" y="9597"/>
-                  </a:lnTo>
-                  <a:lnTo>
-                    <a:pt x="9426" y="9597"/>
-                  </a:lnTo>
-                  <a:lnTo>
-                    <a:pt x="9426" y="9280"/>
-                  </a:lnTo>
-                  <a:lnTo>
-                    <a:pt x="9402" y="8964"/>
-                  </a:lnTo>
-                  <a:lnTo>
-                    <a:pt x="9353" y="8647"/>
-                  </a:lnTo>
-                  <a:lnTo>
-                    <a:pt x="9280" y="8330"/>
-                  </a:lnTo>
-                  <a:lnTo>
-                    <a:pt x="9231" y="8038"/>
-                  </a:lnTo>
-                  <a:lnTo>
-                    <a:pt x="9134" y="7746"/>
-                  </a:lnTo>
-                  <a:lnTo>
-                    <a:pt x="9036" y="7502"/>
-                  </a:lnTo>
-                  <a:lnTo>
-                    <a:pt x="8939" y="7259"/>
-                  </a:lnTo>
-                  <a:lnTo>
-                    <a:pt x="12130" y="4093"/>
-                  </a:lnTo>
-                </a:path>
-              </a:pathLst>
-            </a:custGeom>
-            <a:noFill/>
-            <a:ln w="12175" cap="rnd" cmpd="sng">
-              <a:solidFill>
-                <a:srgbClr val="FF9800"/>
-              </a:solidFill>
-              <a:prstDash val="solid"/>
-              <a:round/>
-              <a:headEnd type="none" w="sm" len="sm"/>
-              <a:tailEnd type="none" w="sm" len="sm"/>
-            </a:ln>
-          </p:spPr>
-          <p:txBody>
-            <a:bodyPr spcFirstLastPara="1" wrap="square" lIns="91425" tIns="91425" rIns="91425" bIns="91425" anchor="ctr" anchorCtr="0">
-              <a:noAutofit/>
-            </a:bodyPr>
-            <a:lstStyle/>
-            <a:p>
-              <a:pPr marL="0" lvl="0" indent="0" algn="l" rtl="0">
-                <a:spcBef>
-                  <a:spcPts val="0"/>
-                </a:spcBef>
-                <a:spcAft>
-                  <a:spcPts val="0"/>
-                </a:spcAft>
-                <a:buNone/>
-              </a:pPr>
-              <a:endParaRPr/>
-            </a:p>
-          </p:txBody>
-        </p:sp>
-        <p:sp>
-          <p:nvSpPr>
-            <p:cNvPr id="243" name="Google Shape;243;p16"/>
-            <p:cNvSpPr/>
-            <p:nvPr/>
-          </p:nvSpPr>
-          <p:spPr>
-            <a:xfrm>
-              <a:off x="2801675" y="1740825"/>
-              <a:ext cx="49950" cy="49950"/>
-            </a:xfrm>
-            <a:custGeom>
-              <a:avLst/>
-              <a:gdLst/>
-              <a:ahLst/>
-              <a:cxnLst/>
-              <a:rect l="l" t="t" r="r" b="b"/>
-              <a:pathLst>
-                <a:path w="1998" h="1998" fill="none" extrusionOk="0">
-                  <a:moveTo>
-                    <a:pt x="1" y="1997"/>
-                  </a:moveTo>
-                  <a:lnTo>
-                    <a:pt x="1998" y="0"/>
-                  </a:lnTo>
-                </a:path>
-              </a:pathLst>
-            </a:custGeom>
-            <a:noFill/>
-            <a:ln w="12175" cap="rnd" cmpd="sng">
-              <a:solidFill>
-                <a:srgbClr val="FF9800"/>
-              </a:solidFill>
-              <a:prstDash val="solid"/>
-              <a:round/>
-              <a:headEnd type="none" w="sm" len="sm"/>
-              <a:tailEnd type="none" w="sm" len="sm"/>
-            </a:ln>
-          </p:spPr>
-          <p:txBody>
-            <a:bodyPr spcFirstLastPara="1" wrap="square" lIns="91425" tIns="91425" rIns="91425" bIns="91425" anchor="ctr" anchorCtr="0">
-              <a:noAutofit/>
-            </a:bodyPr>
-            <a:lstStyle/>
-            <a:p>
-              <a:pPr marL="0" lvl="0" indent="0" algn="l" rtl="0">
-                <a:spcBef>
-                  <a:spcPts val="0"/>
-                </a:spcBef>
-                <a:spcAft>
-                  <a:spcPts val="0"/>
-                </a:spcAft>
-                <a:buNone/>
-              </a:pPr>
-              <a:endParaRPr/>
-            </a:p>
-          </p:txBody>
-        </p:sp>
-      </p:grpSp>
-    </p:spTree>
-  </p:cSld>
-  <p:clrMapOvr>
-    <a:masterClrMapping/>
-  </p:clrMapOvr>
-  <p:timing>
-    <p:tnLst>
-      <p:par>
-        <p:cTn id="1" dur="indefinite" restart="never" nodeType="tmRoot"/>
-      </p:par>
-    </p:tnLst>
-  </p:timing>
-</p:sld>
-</file>
-
-<file path=ppt/slides/slide4.xml><?xml version="1.0" encoding="utf-8"?>
-<p:sld xmlns:a="http://schemas.openxmlformats.org/drawingml/2006/main" xmlns:r="http://schemas.openxmlformats.org/officeDocument/2006/relationships" xmlns:p="http://schemas.openxmlformats.org/presentationml/2006/main">
-  <p:cSld>
-    <p:spTree>
-      <p:nvGrpSpPr>
         <p:cNvPr id="1" name="Shape 247"/>
         <p:cNvGrpSpPr/>
         <p:nvPr/>
@@ -13764,7 +10709,7 @@
                 </a:spcAft>
                 <a:buNone/>
               </a:pPr>
-              <a:t>4</a:t>
+              <a:t>3</a:t>
             </a:fld>
             <a:endParaRPr/>
           </a:p>
@@ -13811,7 +10756,25 @@
                 </a:solidFill>
                 <a:latin typeface="Arial Rounded MT Bold" panose="020F0704030504030204" pitchFamily="34" charset="0"/>
               </a:rPr>
-              <a:t>DETECTION OF FAKE NEWS USING ARTIFICIAL INTELLIGENCE</a:t>
+              <a:t>DETECTION OF FAKE </a:t>
+            </a:r>
+            <a:r>
+              <a:rPr lang="en-US" sz="4000" dirty="0" smtClean="0">
+                <a:solidFill>
+                  <a:srgbClr val="FF9800"/>
+                </a:solidFill>
+                <a:latin typeface="Arial Rounded MT Bold" panose="020F0704030504030204" pitchFamily="34" charset="0"/>
+              </a:rPr>
+              <a:t>INFORMATION </a:t>
+            </a:r>
+            <a:r>
+              <a:rPr lang="en-US" sz="4000" dirty="0" smtClean="0">
+                <a:solidFill>
+                  <a:srgbClr val="FF9800"/>
+                </a:solidFill>
+                <a:latin typeface="Arial Rounded MT Bold" panose="020F0704030504030204" pitchFamily="34" charset="0"/>
+              </a:rPr>
+              <a:t>USING ARTIFICIAL INTELLIGENCE</a:t>
             </a:r>
             <a:endParaRPr sz="4000" dirty="0">
               <a:solidFill>
@@ -17391,7 +14354,7 @@
 </p:sld>
 </file>
 
-<file path=ppt/slides/slide5.xml><?xml version="1.0" encoding="utf-8"?>
+<file path=ppt/slides/slide4.xml><?xml version="1.0" encoding="utf-8"?>
 <p:sld xmlns:a="http://schemas.openxmlformats.org/drawingml/2006/main" xmlns:r="http://schemas.openxmlformats.org/officeDocument/2006/relationships" xmlns:p="http://schemas.openxmlformats.org/presentationml/2006/main">
   <p:cSld>
     <p:spTree>
@@ -17505,7 +14468,31 @@
                 <a:ea typeface="Roboto Condensed" panose="020B0604020202020204" charset="0"/>
                 <a:cs typeface="Arial" panose="020B0604020202020204" pitchFamily="34" charset="0"/>
               </a:rPr>
-              <a:t>SYSTEM WHICH WILL BE ABLE TO DETECT THE VALIDITY OF A NEWS</a:t>
+              <a:t>MODEL</a:t>
+            </a:r>
+            <a:r>
+              <a:rPr lang="en-US" sz="2400" spc="-1" dirty="0" smtClean="0">
+                <a:latin typeface="Arial" panose="020B0604020202020204" pitchFamily="34" charset="0"/>
+                <a:ea typeface="Roboto Condensed" panose="020B0604020202020204" charset="0"/>
+                <a:cs typeface="Arial" panose="020B0604020202020204" pitchFamily="34" charset="0"/>
+              </a:rPr>
+              <a:t> </a:t>
+            </a:r>
+            <a:r>
+              <a:rPr lang="en-US" sz="2400" spc="-1" dirty="0" smtClean="0">
+                <a:latin typeface="Arial" panose="020B0604020202020204" pitchFamily="34" charset="0"/>
+                <a:ea typeface="Roboto Condensed" panose="020B0604020202020204" charset="0"/>
+                <a:cs typeface="Arial" panose="020B0604020202020204" pitchFamily="34" charset="0"/>
+              </a:rPr>
+              <a:t>WHICH WILL BE ABLE TO DETECT THE VALIDITY OF A </a:t>
+            </a:r>
+            <a:r>
+              <a:rPr lang="en-US" sz="2400" spc="-1" dirty="0" smtClean="0">
+                <a:latin typeface="Arial" panose="020B0604020202020204" pitchFamily="34" charset="0"/>
+                <a:ea typeface="Roboto Condensed" panose="020B0604020202020204" charset="0"/>
+                <a:cs typeface="Arial" panose="020B0604020202020204" pitchFamily="34" charset="0"/>
+              </a:rPr>
+              <a:t>PARTICULAR INFORMATION</a:t>
             </a:r>
             <a:endParaRPr lang="en-US" sz="2400" spc="-1" dirty="0">
               <a:latin typeface="Arial" panose="020B0604020202020204" pitchFamily="34" charset="0"/>
@@ -17569,7 +14556,7 @@
                 </a:spcAft>
                 <a:buNone/>
               </a:pPr>
-              <a:t>5</a:t>
+              <a:t>4</a:t>
             </a:fld>
             <a:endParaRPr/>
           </a:p>
@@ -18165,6 +15152,151 @@
 </p:sld>
 </file>
 
+<file path=ppt/slides/slide5.xml><?xml version="1.0" encoding="utf-8"?>
+<p:sld xmlns:a="http://schemas.openxmlformats.org/drawingml/2006/main" xmlns:r="http://schemas.openxmlformats.org/officeDocument/2006/relationships" xmlns:p="http://schemas.openxmlformats.org/presentationml/2006/main">
+  <p:cSld>
+    <p:spTree>
+      <p:nvGrpSpPr>
+        <p:cNvPr id="1" name=""/>
+        <p:cNvGrpSpPr/>
+        <p:nvPr/>
+      </p:nvGrpSpPr>
+      <p:grpSpPr>
+        <a:xfrm>
+          <a:off x="0" y="0"/>
+          <a:ext cx="0" cy="0"/>
+          <a:chOff x="0" y="0"/>
+          <a:chExt cx="0" cy="0"/>
+        </a:xfrm>
+      </p:grpSpPr>
+      <p:sp>
+        <p:nvSpPr>
+          <p:cNvPr id="2" name="Title 1"/>
+          <p:cNvSpPr>
+            <a:spLocks noGrp="1"/>
+          </p:cNvSpPr>
+          <p:nvPr>
+            <p:ph type="title"/>
+          </p:nvPr>
+        </p:nvSpPr>
+        <p:spPr/>
+        <p:txBody>
+          <a:bodyPr/>
+          <a:lstStyle/>
+          <a:p>
+            <a:r>
+              <a:rPr lang="en-US" sz="3600" dirty="0" smtClean="0">
+                <a:latin typeface="Arial Rounded MT Bold" panose="020F0704030504030204" pitchFamily="34" charset="0"/>
+              </a:rPr>
+              <a:t>Objective</a:t>
+            </a:r>
+            <a:endParaRPr lang="en-US" sz="3200" dirty="0">
+              <a:latin typeface="Arial Rounded MT Bold" panose="020F0704030504030204" pitchFamily="34" charset="0"/>
+            </a:endParaRPr>
+          </a:p>
+        </p:txBody>
+      </p:sp>
+      <p:sp>
+        <p:nvSpPr>
+          <p:cNvPr id="3" name="Text Placeholder 2"/>
+          <p:cNvSpPr>
+            <a:spLocks noGrp="1"/>
+          </p:cNvSpPr>
+          <p:nvPr>
+            <p:ph type="body" idx="1"/>
+          </p:nvPr>
+        </p:nvSpPr>
+        <p:spPr/>
+        <p:txBody>
+          <a:bodyPr/>
+          <a:lstStyle/>
+          <a:p>
+            <a:r>
+              <a:rPr lang="en-US" sz="2000" dirty="0" smtClean="0">
+                <a:latin typeface="Arial" panose="020B0604020202020204" pitchFamily="34" charset="0"/>
+                <a:cs typeface="Arial" panose="020B0604020202020204" pitchFamily="34" charset="0"/>
+              </a:rPr>
+              <a:t>To Identify an information is real or fake</a:t>
+            </a:r>
+          </a:p>
+          <a:p>
+            <a:r>
+              <a:rPr lang="en-US" sz="2000" dirty="0" smtClean="0">
+                <a:latin typeface="Arial" panose="020B0604020202020204" pitchFamily="34" charset="0"/>
+                <a:cs typeface="Arial" panose="020B0604020202020204" pitchFamily="34" charset="0"/>
+              </a:rPr>
+              <a:t>To identify the source of a particular information</a:t>
+            </a:r>
+          </a:p>
+          <a:p>
+            <a:r>
+              <a:rPr lang="en-US" sz="2000" dirty="0" smtClean="0">
+                <a:latin typeface="Arial" panose="020B0604020202020204" pitchFamily="34" charset="0"/>
+                <a:cs typeface="Arial" panose="020B0604020202020204" pitchFamily="34" charset="0"/>
+              </a:rPr>
+              <a:t>To detect whether there exists any fake information in a particular news , article, blog etc.</a:t>
+            </a:r>
+            <a:endParaRPr lang="en-US" sz="2000" dirty="0">
+              <a:latin typeface="Arial" panose="020B0604020202020204" pitchFamily="34" charset="0"/>
+              <a:cs typeface="Arial" panose="020B0604020202020204" pitchFamily="34" charset="0"/>
+            </a:endParaRPr>
+          </a:p>
+        </p:txBody>
+      </p:sp>
+      <p:sp>
+        <p:nvSpPr>
+          <p:cNvPr id="4" name="Slide Number Placeholder 3"/>
+          <p:cNvSpPr>
+            <a:spLocks noGrp="1"/>
+          </p:cNvSpPr>
+          <p:nvPr>
+            <p:ph type="sldNum" idx="12"/>
+          </p:nvPr>
+        </p:nvSpPr>
+        <p:spPr/>
+        <p:txBody>
+          <a:bodyPr/>
+          <a:lstStyle/>
+          <a:p>
+            <a:pPr marL="0" lvl="0" indent="0" algn="r" rtl="0">
+              <a:spcBef>
+                <a:spcPts val="0"/>
+              </a:spcBef>
+              <a:spcAft>
+                <a:spcPts val="0"/>
+              </a:spcAft>
+              <a:buNone/>
+            </a:pPr>
+            <a:fld id="{00000000-1234-1234-1234-123412341234}" type="slidenum">
+              <a:rPr lang="en" smtClean="0"/>
+              <a:pPr marL="0" lvl="0" indent="0" algn="r" rtl="0">
+                <a:spcBef>
+                  <a:spcPts val="0"/>
+                </a:spcBef>
+                <a:spcAft>
+                  <a:spcPts val="0"/>
+                </a:spcAft>
+                <a:buNone/>
+              </a:pPr>
+              <a:t>5</a:t>
+            </a:fld>
+            <a:endParaRPr lang="en"/>
+          </a:p>
+        </p:txBody>
+      </p:sp>
+    </p:spTree>
+    <p:extLst>
+      <p:ext uri="{BB962C8B-B14F-4D97-AF65-F5344CB8AC3E}">
+        <p14:creationId xmlns:p14="http://schemas.microsoft.com/office/powerpoint/2010/main" val="3203590121"/>
+      </p:ext>
+    </p:extLst>
+  </p:cSld>
+  <p:clrMapOvr>
+    <a:masterClrMapping/>
+  </p:clrMapOvr>
+</p:sld>
+</file>
+
 <file path=ppt/slides/slide6.xml><?xml version="1.0" encoding="utf-8"?>
 <p:sld xmlns:a="http://schemas.openxmlformats.org/drawingml/2006/main" xmlns:r="http://schemas.openxmlformats.org/officeDocument/2006/relationships" xmlns:p="http://schemas.openxmlformats.org/presentationml/2006/main">
   <p:cSld>
@@ -18203,13 +15335,20 @@
           <a:lstStyle/>
           <a:p>
             <a:r>
-              <a:rPr lang="en-US" sz="3200" dirty="0" smtClean="0">
+              <a:rPr lang="en-US" sz="3600" dirty="0">
                 <a:latin typeface="Arial Rounded MT Bold" panose="020F0704030504030204" pitchFamily="34" charset="0"/>
                 <a:cs typeface="Arial" panose="020B0604020202020204" pitchFamily="34" charset="0"/>
               </a:rPr>
-              <a:t>Required technologies</a:t>
+              <a:t>T</a:t>
             </a:r>
-            <a:endParaRPr lang="en-US" sz="3200" dirty="0">
+            <a:r>
+              <a:rPr lang="en-US" sz="3600" dirty="0" smtClean="0">
+                <a:latin typeface="Arial Rounded MT Bold" panose="020F0704030504030204" pitchFamily="34" charset="0"/>
+                <a:cs typeface="Arial" panose="020B0604020202020204" pitchFamily="34" charset="0"/>
+              </a:rPr>
+              <a:t>echnologies</a:t>
+            </a:r>
+            <a:endParaRPr lang="en-US" sz="3600" dirty="0">
               <a:latin typeface="Arial Rounded MT Bold" panose="020F0704030504030204" pitchFamily="34" charset="0"/>
               <a:cs typeface="Arial" panose="020B0604020202020204" pitchFamily="34" charset="0"/>
             </a:endParaRPr>
@@ -18232,7 +15371,7 @@
           <a:lstStyle/>
           <a:p>
             <a:r>
-              <a:rPr lang="en-US" sz="2000" dirty="0" smtClean="0">
+              <a:rPr lang="en-US" sz="2400" dirty="0" smtClean="0">
                 <a:latin typeface="Arial" panose="020B0604020202020204" pitchFamily="34" charset="0"/>
                 <a:cs typeface="Arial" panose="020B0604020202020204" pitchFamily="34" charset="0"/>
               </a:rPr>
@@ -18241,7 +15380,7 @@
           </a:p>
           <a:p>
             <a:r>
-              <a:rPr lang="en-US" sz="2000" dirty="0" smtClean="0">
+              <a:rPr lang="en-US" sz="2400" dirty="0" smtClean="0">
                 <a:latin typeface="Arial" panose="020B0604020202020204" pitchFamily="34" charset="0"/>
                 <a:cs typeface="Arial" panose="020B0604020202020204" pitchFamily="34" charset="0"/>
               </a:rPr>
@@ -18250,12 +15389,32 @@
           </a:p>
           <a:p>
             <a:r>
-              <a:rPr lang="en-US" sz="2000" dirty="0" smtClean="0">
+              <a:rPr lang="en-US" sz="2400" dirty="0" smtClean="0">
                 <a:latin typeface="Arial" panose="020B0604020202020204" pitchFamily="34" charset="0"/>
                 <a:cs typeface="Arial" panose="020B0604020202020204" pitchFamily="34" charset="0"/>
               </a:rPr>
-              <a:t>Data Analytics</a:t>
+              <a:t>Data </a:t>
             </a:r>
+            <a:r>
+              <a:rPr lang="en-US" sz="2400" dirty="0" smtClean="0">
+                <a:latin typeface="Arial" panose="020B0604020202020204" pitchFamily="34" charset="0"/>
+                <a:cs typeface="Arial" panose="020B0604020202020204" pitchFamily="34" charset="0"/>
+              </a:rPr>
+              <a:t>Analytics</a:t>
+            </a:r>
+          </a:p>
+          <a:p>
+            <a:r>
+              <a:rPr lang="en-US" sz="2400" dirty="0" smtClean="0">
+                <a:latin typeface="Arial" panose="020B0604020202020204" pitchFamily="34" charset="0"/>
+                <a:cs typeface="Arial" panose="020B0604020202020204" pitchFamily="34" charset="0"/>
+              </a:rPr>
+              <a:t>Neural Networks</a:t>
+            </a:r>
+            <a:endParaRPr lang="en-US" sz="2400" dirty="0" smtClean="0">
+              <a:latin typeface="Arial" panose="020B0604020202020204" pitchFamily="34" charset="0"/>
+              <a:cs typeface="Arial" panose="020B0604020202020204" pitchFamily="34" charset="0"/>
+            </a:endParaRPr>
           </a:p>
           <a:p>
             <a:endParaRPr lang="en-US" dirty="0"/>
@@ -18354,13 +15513,15 @@
           <a:lstStyle/>
           <a:p>
             <a:r>
-              <a:rPr lang="en-US" sz="3200" dirty="0" smtClean="0">
-                <a:latin typeface="Arial Rounded MT Bold" panose="020F0704030504030204" pitchFamily="34" charset="0"/>
+              <a:rPr lang="en-US" sz="3200" b="1" dirty="0">
+                <a:latin typeface="Arial" panose="020B0604020202020204" pitchFamily="34" charset="0"/>
+                <a:cs typeface="Arial" panose="020B0604020202020204" pitchFamily="34" charset="0"/>
               </a:rPr>
-              <a:t>Required Tools</a:t>
+              <a:t>REQUIREMENTS</a:t>
             </a:r>
             <a:endParaRPr lang="en-US" sz="3200" dirty="0">
-              <a:latin typeface="Arial Rounded MT Bold" panose="020F0704030504030204" pitchFamily="34" charset="0"/>
+              <a:latin typeface="Arial" panose="020B0604020202020204" pitchFamily="34" charset="0"/>
+              <a:cs typeface="Arial" panose="020B0604020202020204" pitchFamily="34" charset="0"/>
             </a:endParaRPr>
           </a:p>
         </p:txBody>
@@ -18380,97 +15541,76 @@
           <a:bodyPr/>
           <a:lstStyle/>
           <a:p>
-            <a:pPr>
-              <a:buClrTx/>
-              <a:buFont typeface="Arial" panose="020B0604020202020204" pitchFamily="34" charset="0"/>
-              <a:buChar char="•"/>
-            </a:pPr>
+            <a:endParaRPr lang="en-US" b="1" dirty="0"/>
+          </a:p>
+          <a:p>
             <a:r>
-              <a:rPr lang="en-US" sz="2000" dirty="0" smtClean="0">
-                <a:latin typeface="+mn-lt"/>
+              <a:rPr lang="en-US" sz="2400" dirty="0">
+                <a:latin typeface="Arial" panose="020B0604020202020204" pitchFamily="34" charset="0"/>
+                <a:cs typeface="Arial" panose="020B0604020202020204" pitchFamily="34" charset="0"/>
               </a:rPr>
-              <a:t>Sublime Text</a:t>
+              <a:t>Python</a:t>
             </a:r>
           </a:p>
           <a:p>
-            <a:pPr>
-              <a:buClrTx/>
-              <a:buFont typeface="Arial" panose="020B0604020202020204" pitchFamily="34" charset="0"/>
-              <a:buChar char="•"/>
-            </a:pPr>
             <a:r>
-              <a:rPr lang="en-US" sz="2000" dirty="0" smtClean="0">
-                <a:latin typeface="+mn-lt"/>
+              <a:rPr lang="en-US" sz="2400" dirty="0" err="1">
+                <a:latin typeface="Arial" panose="020B0604020202020204" pitchFamily="34" charset="0"/>
+                <a:cs typeface="Arial" panose="020B0604020202020204" pitchFamily="34" charset="0"/>
               </a:rPr>
-              <a:t>Bootstrap</a:t>
+              <a:t>numpy</a:t>
             </a:r>
-          </a:p>
-          <a:p>
-            <a:pPr>
-              <a:buClrTx/>
-              <a:buFont typeface="Arial" panose="020B0604020202020204" pitchFamily="34" charset="0"/>
-              <a:buChar char="•"/>
-            </a:pPr>
+            <a:endParaRPr lang="en-US" sz="2400" dirty="0">
+              <a:latin typeface="Arial" panose="020B0604020202020204" pitchFamily="34" charset="0"/>
+              <a:cs typeface="Arial" panose="020B0604020202020204" pitchFamily="34" charset="0"/>
+            </a:endParaRPr>
+          </a:p>
+          <a:p>
             <a:r>
-              <a:rPr lang="en-US" sz="2000" dirty="0" smtClean="0">
-                <a:latin typeface="+mn-lt"/>
+              <a:rPr lang="en-US" sz="2400" dirty="0">
+                <a:latin typeface="Arial" panose="020B0604020202020204" pitchFamily="34" charset="0"/>
+                <a:cs typeface="Arial" panose="020B0604020202020204" pitchFamily="34" charset="0"/>
               </a:rPr>
-              <a:t>JavaScript</a:t>
+              <a:t>pandas</a:t>
             </a:r>
           </a:p>
           <a:p>
-            <a:pPr>
-              <a:buClrTx/>
-              <a:buFont typeface="Arial" panose="020B0604020202020204" pitchFamily="34" charset="0"/>
-              <a:buChar char="•"/>
-            </a:pPr>
             <a:r>
-              <a:rPr lang="en-US" sz="2000" dirty="0" smtClean="0">
-                <a:latin typeface="+mn-lt"/>
+              <a:rPr lang="en-US" sz="2400" dirty="0" err="1">
+                <a:latin typeface="Arial" panose="020B0604020202020204" pitchFamily="34" charset="0"/>
+                <a:cs typeface="Arial" panose="020B0604020202020204" pitchFamily="34" charset="0"/>
               </a:rPr>
-              <a:t>GitHub</a:t>
+              <a:t>itertools</a:t>
             </a:r>
-          </a:p>
-          <a:p>
-            <a:pPr>
-              <a:buClrTx/>
-              <a:buFont typeface="Arial" panose="020B0604020202020204" pitchFamily="34" charset="0"/>
-              <a:buChar char="•"/>
-            </a:pPr>
+            <a:endParaRPr lang="en-US" sz="2400" dirty="0">
+              <a:latin typeface="Arial" panose="020B0604020202020204" pitchFamily="34" charset="0"/>
+              <a:cs typeface="Arial" panose="020B0604020202020204" pitchFamily="34" charset="0"/>
+            </a:endParaRPr>
+          </a:p>
+          <a:p>
             <a:r>
-              <a:rPr lang="en-US" sz="2000" dirty="0" smtClean="0">
-                <a:latin typeface="+mn-lt"/>
+              <a:rPr lang="en-US" sz="2400" dirty="0" err="1">
+                <a:latin typeface="Arial" panose="020B0604020202020204" pitchFamily="34" charset="0"/>
+                <a:cs typeface="Arial" panose="020B0604020202020204" pitchFamily="34" charset="0"/>
               </a:rPr>
-              <a:t>Firebase</a:t>
+              <a:t>matplotlib</a:t>
             </a:r>
-          </a:p>
-          <a:p>
-            <a:pPr>
-              <a:buClrTx/>
-              <a:buFont typeface="Arial" panose="020B0604020202020204" pitchFamily="34" charset="0"/>
-              <a:buChar char="•"/>
-            </a:pPr>
+            <a:endParaRPr lang="en-US" sz="2400" dirty="0">
+              <a:latin typeface="Arial" panose="020B0604020202020204" pitchFamily="34" charset="0"/>
+              <a:cs typeface="Arial" panose="020B0604020202020204" pitchFamily="34" charset="0"/>
+            </a:endParaRPr>
+          </a:p>
+          <a:p>
             <a:r>
-              <a:rPr lang="en-US" sz="2000" dirty="0">
-                <a:latin typeface="+mn-lt"/>
+              <a:rPr lang="en-US" sz="2400" dirty="0" err="1">
+                <a:latin typeface="Arial" panose="020B0604020202020204" pitchFamily="34" charset="0"/>
+                <a:cs typeface="Arial" panose="020B0604020202020204" pitchFamily="34" charset="0"/>
               </a:rPr>
-              <a:t>Chrome Developer </a:t>
+              <a:t>sklearn</a:t>
             </a:r>
-            <a:r>
-              <a:rPr lang="en-US" sz="2000" dirty="0" smtClean="0">
-                <a:latin typeface="+mn-lt"/>
-              </a:rPr>
-              <a:t>Tools</a:t>
-            </a:r>
-          </a:p>
-          <a:p>
-            <a:pPr>
-              <a:buClrTx/>
-              <a:buFont typeface="Arial" panose="020B0604020202020204" pitchFamily="34" charset="0"/>
-              <a:buChar char="•"/>
-            </a:pPr>
-            <a:endParaRPr lang="en-US" sz="2000" dirty="0" smtClean="0">
-              <a:latin typeface="+mn-lt"/>
+            <a:endParaRPr lang="en-US" sz="2400" dirty="0">
+              <a:latin typeface="Arial" panose="020B0604020202020204" pitchFamily="34" charset="0"/>
+              <a:cs typeface="Arial" panose="020B0604020202020204" pitchFamily="34" charset="0"/>
             </a:endParaRPr>
           </a:p>
           <a:p>
@@ -18527,7 +15667,7 @@
     </p:spTree>
     <p:extLst>
       <p:ext uri="{BB962C8B-B14F-4D97-AF65-F5344CB8AC3E}">
-        <p14:creationId xmlns:p14="http://schemas.microsoft.com/office/powerpoint/2010/main" val="4252879689"/>
+        <p14:creationId xmlns:p14="http://schemas.microsoft.com/office/powerpoint/2010/main" val="1269353309"/>
       </p:ext>
     </p:extLst>
   </p:cSld>
@@ -18542,7 +15682,7 @@
   <p:cSld>
     <p:spTree>
       <p:nvGrpSpPr>
-        <p:cNvPr id="1" name=""/>
+        <p:cNvPr id="1" name="Shape 501"/>
         <p:cNvGrpSpPr/>
         <p:nvPr/>
       </p:nvGrpSpPr>
@@ -18556,123 +15696,23 @@
       </p:grpSpPr>
       <p:sp>
         <p:nvSpPr>
-          <p:cNvPr id="2" name="Title 1"/>
-          <p:cNvSpPr>
+          <p:cNvPr id="502" name="Google Shape;502;p34"/>
+          <p:cNvSpPr txBox="1">
             <a:spLocks noGrp="1"/>
           </p:cNvSpPr>
           <p:nvPr>
-            <p:ph type="title"/>
-          </p:nvPr>
-        </p:nvSpPr>
-        <p:spPr/>
-        <p:txBody>
-          <a:bodyPr/>
-          <a:lstStyle/>
-          <a:p>
-            <a:r>
-              <a:rPr lang="en-US" dirty="0" smtClean="0">
-                <a:latin typeface="Arial Rounded MT Bold" panose="020F0704030504030204" pitchFamily="34" charset="0"/>
-              </a:rPr>
-              <a:t>Required Tools</a:t>
-            </a:r>
-            <a:endParaRPr lang="en-US" dirty="0">
-              <a:latin typeface="Arial Rounded MT Bold" panose="020F0704030504030204" pitchFamily="34" charset="0"/>
-            </a:endParaRPr>
-          </a:p>
-        </p:txBody>
-      </p:sp>
-      <p:sp>
-        <p:nvSpPr>
-          <p:cNvPr id="3" name="Text Placeholder 2"/>
-          <p:cNvSpPr>
-            <a:spLocks noGrp="1"/>
-          </p:cNvSpPr>
-          <p:nvPr>
-            <p:ph type="body" idx="1"/>
+            <p:ph type="sldNum" sz="quarter" idx="12"/>
           </p:nvPr>
         </p:nvSpPr>
         <p:spPr>
-          <a:xfrm>
-            <a:off x="814275" y="1327350"/>
-            <a:ext cx="7471596" cy="3145500"/>
-          </a:xfrm>
+          <a:prstGeom prst="rect">
+            <a:avLst/>
+          </a:prstGeom>
         </p:spPr>
         <p:txBody>
-          <a:bodyPr/>
-          <a:lstStyle/>
-          <a:p>
-            <a:pPr>
-              <a:buClrTx/>
-              <a:buFont typeface="Arial" panose="020B0604020202020204" pitchFamily="34" charset="0"/>
-              <a:buChar char="•"/>
-            </a:pPr>
-            <a:endParaRPr lang="en-US" sz="2000" dirty="0" smtClean="0">
-              <a:latin typeface="Arial" panose="020B0604020202020204" pitchFamily="34" charset="0"/>
-              <a:cs typeface="Arial" panose="020B0604020202020204" pitchFamily="34" charset="0"/>
-            </a:endParaRPr>
-          </a:p>
-          <a:p>
-            <a:pPr marL="76200" indent="0">
-              <a:buClrTx/>
-              <a:buNone/>
-            </a:pPr>
-            <a:r>
-              <a:rPr lang="en-US" sz="2400" dirty="0" smtClean="0">
-                <a:latin typeface="Arial" panose="020B0604020202020204" pitchFamily="34" charset="0"/>
-                <a:cs typeface="Arial" panose="020B0604020202020204" pitchFamily="34" charset="0"/>
-              </a:rPr>
-              <a:t>Sublime Text</a:t>
-            </a:r>
-          </a:p>
-          <a:p>
-            <a:pPr>
-              <a:buClrTx/>
-              <a:buFont typeface="Arial" panose="020B0604020202020204" pitchFamily="34" charset="0"/>
-              <a:buChar char="•"/>
-            </a:pPr>
-            <a:r>
-              <a:rPr lang="en-US" sz="2000" dirty="0" smtClean="0">
-                <a:latin typeface="Arial" panose="020B0604020202020204" pitchFamily="34" charset="0"/>
-                <a:cs typeface="Arial" panose="020B0604020202020204" pitchFamily="34" charset="0"/>
-              </a:rPr>
-              <a:t>It will be used as code editor</a:t>
-            </a:r>
-          </a:p>
-          <a:p>
-            <a:pPr marL="76200" indent="0">
-              <a:buClrTx/>
-              <a:buNone/>
-            </a:pPr>
-            <a:endParaRPr lang="en-US" sz="2000" dirty="0" smtClean="0">
-              <a:latin typeface="Arial" panose="020B0604020202020204" pitchFamily="34" charset="0"/>
-              <a:cs typeface="Arial" panose="020B0604020202020204" pitchFamily="34" charset="0"/>
-            </a:endParaRPr>
-          </a:p>
-          <a:p>
-            <a:pPr marL="76200" indent="0">
-              <a:buClrTx/>
-              <a:buNone/>
-            </a:pPr>
-            <a:endParaRPr lang="en-US" sz="2000" dirty="0" smtClean="0">
-              <a:latin typeface="Arial" panose="020B0604020202020204" pitchFamily="34" charset="0"/>
-              <a:cs typeface="Arial" panose="020B0604020202020204" pitchFamily="34" charset="0"/>
-            </a:endParaRPr>
-          </a:p>
-        </p:txBody>
-      </p:sp>
-      <p:sp>
-        <p:nvSpPr>
-          <p:cNvPr id="4" name="Slide Number Placeholder 3"/>
-          <p:cNvSpPr>
-            <a:spLocks noGrp="1"/>
-          </p:cNvSpPr>
-          <p:nvPr>
-            <p:ph type="sldNum" idx="12"/>
-          </p:nvPr>
-        </p:nvSpPr>
-        <p:spPr/>
-        <p:txBody>
-          <a:bodyPr/>
+          <a:bodyPr spcFirstLastPara="1" wrap="square" lIns="91425" tIns="91425" rIns="91425" bIns="91425" anchor="ctr" anchorCtr="0">
+            <a:noAutofit/>
+          </a:bodyPr>
           <a:lstStyle/>
           <a:p>
             <a:pPr marL="0" lvl="0" indent="0" algn="r" rtl="0">
@@ -18685,7 +15725,7 @@
               <a:buNone/>
             </a:pPr>
             <a:fld id="{00000000-1234-1234-1234-123412341234}" type="slidenum">
-              <a:rPr lang="en" smtClean="0"/>
+              <a:rPr lang="en"/>
               <a:pPr marL="0" lvl="0" indent="0" algn="r" rtl="0">
                 <a:spcBef>
                   <a:spcPts val="0"/>
@@ -18697,68 +15737,64 @@
               </a:pPr>
               <a:t>8</a:t>
             </a:fld>
-            <a:endParaRPr lang="en"/>
+            <a:endParaRPr/>
           </a:p>
         </p:txBody>
       </p:sp>
-      <p:pic>
-        <p:nvPicPr>
-          <p:cNvPr id="1026" name="Picture 2"/>
-          <p:cNvPicPr>
-            <a:picLocks noChangeAspect="1" noChangeArrowheads="1"/>
-          </p:cNvPicPr>
-          <p:nvPr/>
-        </p:nvPicPr>
-        <p:blipFill>
-          <a:blip r:embed="rId3">
-            <a:extLst>
-              <a:ext uri="{28A0092B-C50C-407E-A947-70E740481C1C}">
-                <a14:useLocalDpi xmlns:a14="http://schemas.microsoft.com/office/drawing/2010/main" val="0"/>
-              </a:ext>
-            </a:extLst>
-          </a:blip>
-          <a:srcRect/>
-          <a:stretch>
-            <a:fillRect/>
-          </a:stretch>
-        </p:blipFill>
-        <p:spPr bwMode="auto">
+      <p:sp>
+        <p:nvSpPr>
+          <p:cNvPr id="503" name="Google Shape;503;p34"/>
+          <p:cNvSpPr txBox="1">
+            <a:spLocks noGrp="1"/>
+          </p:cNvSpPr>
+          <p:nvPr>
+            <p:ph type="ctrTitle" idx="4294967295"/>
+          </p:nvPr>
+        </p:nvSpPr>
+        <p:spPr>
           <a:xfrm>
-            <a:off x="5617216" y="1584816"/>
-            <a:ext cx="3006954" cy="1883213"/>
+            <a:off x="0" y="1679575"/>
+            <a:ext cx="6594475" cy="1749425"/>
           </a:xfrm>
           <a:prstGeom prst="rect">
             <a:avLst/>
           </a:prstGeom>
-          <a:noFill/>
-          <a:ln>
-            <a:noFill/>
-          </a:ln>
-          <a:extLst>
-            <a:ext uri="{909E8E84-426E-40DD-AFC4-6F175D3DCCD1}">
-              <a14:hiddenFill xmlns:a14="http://schemas.microsoft.com/office/drawing/2010/main">
+        </p:spPr>
+        <p:txBody>
+          <a:bodyPr spcFirstLastPara="1" wrap="square" lIns="91425" tIns="91425" rIns="91425" bIns="91425" anchor="ctr" anchorCtr="0">
+            <a:noAutofit/>
+          </a:bodyPr>
+          <a:lstStyle/>
+          <a:p>
+            <a:pPr marL="0" lvl="0" indent="0" algn="ctr" rtl="0">
+              <a:spcBef>
+                <a:spcPts val="0"/>
+              </a:spcBef>
+              <a:spcAft>
+                <a:spcPts val="0"/>
+              </a:spcAft>
+              <a:buNone/>
+            </a:pPr>
+            <a:r>
+              <a:rPr lang="en-US" sz="6000" dirty="0" smtClean="0">
                 <a:solidFill>
-                  <a:schemeClr val="accent1"/>
+                  <a:srgbClr val="FF9800"/>
                 </a:solidFill>
-              </a14:hiddenFill>
-            </a:ext>
-            <a:ext uri="{91240B29-F687-4F45-9708-019B960494DF}">
-              <a14:hiddenLine xmlns:a14="http://schemas.microsoft.com/office/drawing/2010/main" w="9525">
-                <a:solidFill>
-                  <a:schemeClr val="tx1"/>
-                </a:solidFill>
-                <a:miter lim="800000"/>
-                <a:headEnd/>
-                <a:tailEnd/>
-              </a14:hiddenLine>
-            </a:ext>
-          </a:extLst>
-        </p:spPr>
-      </p:pic>
+              </a:rPr>
+              <a:t>QUESTION AND ANSWER SESSION</a:t>
+            </a:r>
+            <a:endParaRPr sz="6000" dirty="0">
+              <a:solidFill>
+                <a:srgbClr val="FF9800"/>
+              </a:solidFill>
+            </a:endParaRPr>
+          </a:p>
+        </p:txBody>
+      </p:sp>
     </p:spTree>
     <p:extLst>
       <p:ext uri="{BB962C8B-B14F-4D97-AF65-F5344CB8AC3E}">
-        <p14:creationId xmlns:p14="http://schemas.microsoft.com/office/powerpoint/2010/main" val="2700541478"/>
+        <p14:creationId xmlns:p14="http://schemas.microsoft.com/office/powerpoint/2010/main" val="3522647082"/>
       </p:ext>
     </p:extLst>
   </p:cSld>
@@ -18773,7 +15809,7 @@
   <p:cSld>
     <p:spTree>
       <p:nvGrpSpPr>
-        <p:cNvPr id="1" name=""/>
+        <p:cNvPr id="1" name="Shape 501"/>
         <p:cNvGrpSpPr/>
         <p:nvPr/>
       </p:nvGrpSpPr>
@@ -18787,133 +15823,23 @@
       </p:grpSpPr>
       <p:sp>
         <p:nvSpPr>
-          <p:cNvPr id="2" name="Title 1"/>
-          <p:cNvSpPr>
+          <p:cNvPr id="502" name="Google Shape;502;p34"/>
+          <p:cNvSpPr txBox="1">
             <a:spLocks noGrp="1"/>
           </p:cNvSpPr>
           <p:nvPr>
-            <p:ph type="title"/>
+            <p:ph type="sldNum" sz="quarter" idx="12"/>
           </p:nvPr>
         </p:nvSpPr>
-        <p:spPr/>
+        <p:spPr>
+          <a:prstGeom prst="rect">
+            <a:avLst/>
+          </a:prstGeom>
+        </p:spPr>
         <p:txBody>
-          <a:bodyPr/>
-          <a:lstStyle/>
-          <a:p>
-            <a:r>
-              <a:rPr lang="en-US" dirty="0" smtClean="0">
-                <a:latin typeface="Arial Rounded MT Bold" panose="020F0704030504030204" pitchFamily="34" charset="0"/>
-              </a:rPr>
-              <a:t>Required Tools</a:t>
-            </a:r>
-            <a:endParaRPr lang="en-US" dirty="0">
-              <a:latin typeface="Arial Rounded MT Bold" panose="020F0704030504030204" pitchFamily="34" charset="0"/>
-            </a:endParaRPr>
-          </a:p>
-        </p:txBody>
-      </p:sp>
-      <p:sp>
-        <p:nvSpPr>
-          <p:cNvPr id="3" name="Text Placeholder 2"/>
-          <p:cNvSpPr>
-            <a:spLocks noGrp="1"/>
-          </p:cNvSpPr>
-          <p:nvPr>
-            <p:ph type="body" idx="1"/>
-          </p:nvPr>
-        </p:nvSpPr>
-        <p:spPr/>
-        <p:txBody>
-          <a:bodyPr/>
-          <a:lstStyle/>
-          <a:p>
-            <a:pPr>
-              <a:buClrTx/>
-              <a:buFont typeface="Arial" panose="020B0604020202020204" pitchFamily="34" charset="0"/>
-              <a:buChar char="•"/>
-            </a:pPr>
-            <a:endParaRPr lang="en-US" sz="2000" dirty="0" smtClean="0">
-              <a:latin typeface="+mn-lt"/>
-            </a:endParaRPr>
-          </a:p>
-          <a:p>
-            <a:pPr marL="76200" indent="0">
-              <a:buClrTx/>
-              <a:buNone/>
-            </a:pPr>
-            <a:r>
-              <a:rPr lang="en-US" sz="2400" dirty="0" smtClean="0">
-                <a:latin typeface="Arial" panose="020B0604020202020204" pitchFamily="34" charset="0"/>
-                <a:cs typeface="Arial" panose="020B0604020202020204" pitchFamily="34" charset="0"/>
-              </a:rPr>
-              <a:t>Bootstrap</a:t>
-            </a:r>
-          </a:p>
-          <a:p>
-            <a:pPr>
-              <a:buClrTx/>
-              <a:buFont typeface="Arial" panose="020B0604020202020204" pitchFamily="34" charset="0"/>
-              <a:buChar char="•"/>
-            </a:pPr>
-            <a:r>
-              <a:rPr lang="en-US" sz="2000" dirty="0" smtClean="0">
-                <a:latin typeface="Arial" panose="020B0604020202020204" pitchFamily="34" charset="0"/>
-                <a:cs typeface="Arial" panose="020B0604020202020204" pitchFamily="34" charset="0"/>
-              </a:rPr>
-              <a:t>CSS Framework</a:t>
-            </a:r>
-          </a:p>
-          <a:p>
-            <a:pPr>
-              <a:buClrTx/>
-              <a:buFont typeface="Arial" panose="020B0604020202020204" pitchFamily="34" charset="0"/>
-              <a:buChar char="•"/>
-            </a:pPr>
-            <a:r>
-              <a:rPr lang="en-US" sz="2000" dirty="0" smtClean="0">
-                <a:latin typeface="Arial" panose="020B0604020202020204" pitchFamily="34" charset="0"/>
-                <a:cs typeface="Arial" panose="020B0604020202020204" pitchFamily="34" charset="0"/>
-              </a:rPr>
-              <a:t>Will be used for styling </a:t>
-            </a:r>
-            <a:endParaRPr lang="en-US" sz="2000" dirty="0">
-              <a:latin typeface="Arial" panose="020B0604020202020204" pitchFamily="34" charset="0"/>
-              <a:cs typeface="Arial" panose="020B0604020202020204" pitchFamily="34" charset="0"/>
-            </a:endParaRPr>
-          </a:p>
-          <a:p>
-            <a:pPr marL="76200" indent="0">
-              <a:buClrTx/>
-              <a:buNone/>
-            </a:pPr>
-            <a:endParaRPr lang="en-US" sz="2000" dirty="0" smtClean="0">
-              <a:latin typeface="+mn-lt"/>
-            </a:endParaRPr>
-          </a:p>
-          <a:p>
-            <a:pPr marL="76200" indent="0">
-              <a:buClrTx/>
-              <a:buNone/>
-            </a:pPr>
-            <a:endParaRPr lang="en-US" sz="2000" dirty="0" smtClean="0">
-              <a:latin typeface="+mn-lt"/>
-            </a:endParaRPr>
-          </a:p>
-        </p:txBody>
-      </p:sp>
-      <p:sp>
-        <p:nvSpPr>
-          <p:cNvPr id="4" name="Slide Number Placeholder 3"/>
-          <p:cNvSpPr>
-            <a:spLocks noGrp="1"/>
-          </p:cNvSpPr>
-          <p:nvPr>
-            <p:ph type="sldNum" idx="12"/>
-          </p:nvPr>
-        </p:nvSpPr>
-        <p:spPr/>
-        <p:txBody>
-          <a:bodyPr/>
+          <a:bodyPr spcFirstLastPara="1" wrap="square" lIns="91425" tIns="91425" rIns="91425" bIns="91425" anchor="ctr" anchorCtr="0">
+            <a:noAutofit/>
+          </a:bodyPr>
           <a:lstStyle/>
           <a:p>
             <a:pPr marL="0" lvl="0" indent="0" algn="r" rtl="0">
@@ -18926,7 +15852,7 @@
               <a:buNone/>
             </a:pPr>
             <a:fld id="{00000000-1234-1234-1234-123412341234}" type="slidenum">
-              <a:rPr lang="en" smtClean="0"/>
+              <a:rPr lang="en"/>
               <a:pPr marL="0" lvl="0" indent="0" algn="r" rtl="0">
                 <a:spcBef>
                   <a:spcPts val="0"/>
@@ -18938,68 +15864,716 @@
               </a:pPr>
               <a:t>9</a:t>
             </a:fld>
-            <a:endParaRPr lang="en"/>
+            <a:endParaRPr/>
           </a:p>
         </p:txBody>
       </p:sp>
-      <p:pic>
-        <p:nvPicPr>
-          <p:cNvPr id="2052" name="Picture 4"/>
-          <p:cNvPicPr>
-            <a:picLocks noChangeAspect="1" noChangeArrowheads="1"/>
-          </p:cNvPicPr>
-          <p:nvPr/>
-        </p:nvPicPr>
-        <p:blipFill>
-          <a:blip r:embed="rId3">
-            <a:extLst>
-              <a:ext uri="{28A0092B-C50C-407E-A947-70E740481C1C}">
-                <a14:useLocalDpi xmlns:a14="http://schemas.microsoft.com/office/drawing/2010/main" val="0"/>
-              </a:ext>
-            </a:extLst>
-          </a:blip>
-          <a:srcRect/>
-          <a:stretch>
-            <a:fillRect/>
-          </a:stretch>
-        </p:blipFill>
-        <p:spPr bwMode="auto">
+      <p:sp>
+        <p:nvSpPr>
+          <p:cNvPr id="503" name="Google Shape;503;p34"/>
+          <p:cNvSpPr txBox="1">
+            <a:spLocks noGrp="1"/>
+          </p:cNvSpPr>
+          <p:nvPr>
+            <p:ph type="ctrTitle" idx="4294967295"/>
+          </p:nvPr>
+        </p:nvSpPr>
+        <p:spPr>
           <a:xfrm>
-            <a:off x="5637187" y="1489471"/>
-            <a:ext cx="2619375" cy="2286000"/>
+            <a:off x="0" y="2363788"/>
+            <a:ext cx="6594475" cy="1160462"/>
           </a:xfrm>
           <a:prstGeom prst="rect">
             <a:avLst/>
           </a:prstGeom>
-          <a:noFill/>
-          <a:ln>
+        </p:spPr>
+        <p:txBody>
+          <a:bodyPr spcFirstLastPara="1" wrap="square" lIns="91425" tIns="91425" rIns="91425" bIns="91425" anchor="ctr" anchorCtr="0">
+            <a:noAutofit/>
+          </a:bodyPr>
+          <a:lstStyle/>
+          <a:p>
+            <a:pPr marL="0" lvl="0" indent="0" algn="ctr" rtl="0">
+              <a:spcBef>
+                <a:spcPts val="0"/>
+              </a:spcBef>
+              <a:spcAft>
+                <a:spcPts val="0"/>
+              </a:spcAft>
+              <a:buNone/>
+            </a:pPr>
+            <a:r>
+              <a:rPr lang="en" sz="6000" dirty="0">
+                <a:solidFill>
+                  <a:srgbClr val="FF9800"/>
+                </a:solidFill>
+              </a:rPr>
+              <a:t>THANKS!</a:t>
+            </a:r>
+            <a:endParaRPr sz="6000" dirty="0">
+              <a:solidFill>
+                <a:srgbClr val="FF9800"/>
+              </a:solidFill>
+            </a:endParaRPr>
+          </a:p>
+        </p:txBody>
+      </p:sp>
+      <p:grpSp>
+        <p:nvGrpSpPr>
+          <p:cNvPr id="505" name="Google Shape;505;p34"/>
+          <p:cNvGrpSpPr/>
+          <p:nvPr/>
+        </p:nvGrpSpPr>
+        <p:grpSpPr>
+          <a:xfrm>
+            <a:off x="3996210" y="966817"/>
+            <a:ext cx="1197664" cy="1126777"/>
+            <a:chOff x="5972700" y="2330200"/>
+            <a:chExt cx="411625" cy="387275"/>
+          </a:xfrm>
+        </p:grpSpPr>
+        <p:sp>
+          <p:nvSpPr>
+            <p:cNvPr id="506" name="Google Shape;506;p34"/>
+            <p:cNvSpPr/>
+            <p:nvPr/>
+          </p:nvSpPr>
+          <p:spPr>
+            <a:xfrm>
+              <a:off x="5972700" y="2476950"/>
+              <a:ext cx="98050" cy="219825"/>
+            </a:xfrm>
+            <a:custGeom>
+              <a:avLst/>
+              <a:gdLst/>
+              <a:ahLst/>
+              <a:cxnLst/>
+              <a:rect l="l" t="t" r="r" b="b"/>
+              <a:pathLst>
+                <a:path w="3922" h="8793" fill="none" extrusionOk="0">
+                  <a:moveTo>
+                    <a:pt x="0" y="0"/>
+                  </a:moveTo>
+                  <a:lnTo>
+                    <a:pt x="0" y="8792"/>
+                  </a:lnTo>
+                  <a:lnTo>
+                    <a:pt x="3921" y="8792"/>
+                  </a:lnTo>
+                  <a:lnTo>
+                    <a:pt x="3921" y="0"/>
+                  </a:lnTo>
+                  <a:lnTo>
+                    <a:pt x="0" y="0"/>
+                  </a:lnTo>
+                  <a:close/>
+                  <a:moveTo>
+                    <a:pt x="2411" y="2411"/>
+                  </a:moveTo>
+                  <a:lnTo>
+                    <a:pt x="2411" y="2411"/>
+                  </a:lnTo>
+                  <a:lnTo>
+                    <a:pt x="2265" y="2387"/>
+                  </a:lnTo>
+                  <a:lnTo>
+                    <a:pt x="2143" y="2363"/>
+                  </a:lnTo>
+                  <a:lnTo>
+                    <a:pt x="2022" y="2290"/>
+                  </a:lnTo>
+                  <a:lnTo>
+                    <a:pt x="1924" y="2216"/>
+                  </a:lnTo>
+                  <a:lnTo>
+                    <a:pt x="1827" y="2095"/>
+                  </a:lnTo>
+                  <a:lnTo>
+                    <a:pt x="1754" y="1973"/>
+                  </a:lnTo>
+                  <a:lnTo>
+                    <a:pt x="1729" y="1851"/>
+                  </a:lnTo>
+                  <a:lnTo>
+                    <a:pt x="1705" y="1705"/>
+                  </a:lnTo>
+                  <a:lnTo>
+                    <a:pt x="1705" y="1705"/>
+                  </a:lnTo>
+                  <a:lnTo>
+                    <a:pt x="1729" y="1559"/>
+                  </a:lnTo>
+                  <a:lnTo>
+                    <a:pt x="1754" y="1437"/>
+                  </a:lnTo>
+                  <a:lnTo>
+                    <a:pt x="1827" y="1315"/>
+                  </a:lnTo>
+                  <a:lnTo>
+                    <a:pt x="1924" y="1218"/>
+                  </a:lnTo>
+                  <a:lnTo>
+                    <a:pt x="2022" y="1120"/>
+                  </a:lnTo>
+                  <a:lnTo>
+                    <a:pt x="2143" y="1072"/>
+                  </a:lnTo>
+                  <a:lnTo>
+                    <a:pt x="2265" y="1023"/>
+                  </a:lnTo>
+                  <a:lnTo>
+                    <a:pt x="2411" y="999"/>
+                  </a:lnTo>
+                  <a:lnTo>
+                    <a:pt x="2411" y="999"/>
+                  </a:lnTo>
+                  <a:lnTo>
+                    <a:pt x="2557" y="1023"/>
+                  </a:lnTo>
+                  <a:lnTo>
+                    <a:pt x="2679" y="1072"/>
+                  </a:lnTo>
+                  <a:lnTo>
+                    <a:pt x="2801" y="1120"/>
+                  </a:lnTo>
+                  <a:lnTo>
+                    <a:pt x="2898" y="1218"/>
+                  </a:lnTo>
+                  <a:lnTo>
+                    <a:pt x="2996" y="1315"/>
+                  </a:lnTo>
+                  <a:lnTo>
+                    <a:pt x="3069" y="1437"/>
+                  </a:lnTo>
+                  <a:lnTo>
+                    <a:pt x="3093" y="1559"/>
+                  </a:lnTo>
+                  <a:lnTo>
+                    <a:pt x="3118" y="1705"/>
+                  </a:lnTo>
+                  <a:lnTo>
+                    <a:pt x="3118" y="1705"/>
+                  </a:lnTo>
+                  <a:lnTo>
+                    <a:pt x="3093" y="1851"/>
+                  </a:lnTo>
+                  <a:lnTo>
+                    <a:pt x="3069" y="1973"/>
+                  </a:lnTo>
+                  <a:lnTo>
+                    <a:pt x="2996" y="2095"/>
+                  </a:lnTo>
+                  <a:lnTo>
+                    <a:pt x="2898" y="2216"/>
+                  </a:lnTo>
+                  <a:lnTo>
+                    <a:pt x="2801" y="2290"/>
+                  </a:lnTo>
+                  <a:lnTo>
+                    <a:pt x="2679" y="2363"/>
+                  </a:lnTo>
+                  <a:lnTo>
+                    <a:pt x="2557" y="2387"/>
+                  </a:lnTo>
+                  <a:lnTo>
+                    <a:pt x="2411" y="2411"/>
+                  </a:lnTo>
+                  <a:lnTo>
+                    <a:pt x="2411" y="2411"/>
+                  </a:lnTo>
+                  <a:close/>
+                </a:path>
+              </a:pathLst>
+            </a:custGeom>
             <a:noFill/>
-          </a:ln>
-          <a:extLst>
-            <a:ext uri="{909E8E84-426E-40DD-AFC4-6F175D3DCCD1}">
-              <a14:hiddenFill xmlns:a14="http://schemas.microsoft.com/office/drawing/2010/main">
-                <a:solidFill>
-                  <a:schemeClr val="accent1"/>
-                </a:solidFill>
-              </a14:hiddenFill>
-            </a:ext>
-            <a:ext uri="{91240B29-F687-4F45-9708-019B960494DF}">
-              <a14:hiddenLine xmlns:a14="http://schemas.microsoft.com/office/drawing/2010/main" w="9525">
-                <a:solidFill>
-                  <a:schemeClr val="tx1"/>
-                </a:solidFill>
-                <a:miter lim="800000"/>
-                <a:headEnd/>
-                <a:tailEnd/>
-              </a14:hiddenLine>
-            </a:ext>
-          </a:extLst>
-        </p:spPr>
-      </p:pic>
+            <a:ln w="19050" cap="rnd" cmpd="sng">
+              <a:solidFill>
+                <a:srgbClr val="3F5378"/>
+              </a:solidFill>
+              <a:prstDash val="solid"/>
+              <a:round/>
+              <a:headEnd type="none" w="sm" len="sm"/>
+              <a:tailEnd type="none" w="sm" len="sm"/>
+            </a:ln>
+          </p:spPr>
+          <p:txBody>
+            <a:bodyPr spcFirstLastPara="1" wrap="square" lIns="91425" tIns="91425" rIns="91425" bIns="91425" anchor="ctr" anchorCtr="0">
+              <a:noAutofit/>
+            </a:bodyPr>
+            <a:lstStyle/>
+            <a:p>
+              <a:pPr marL="0" lvl="0" indent="0" algn="l" rtl="0">
+                <a:spcBef>
+                  <a:spcPts val="0"/>
+                </a:spcBef>
+                <a:spcAft>
+                  <a:spcPts val="0"/>
+                </a:spcAft>
+                <a:buNone/>
+              </a:pPr>
+              <a:endParaRPr/>
+            </a:p>
+          </p:txBody>
+        </p:sp>
+        <p:sp>
+          <p:nvSpPr>
+            <p:cNvPr id="507" name="Google Shape;507;p34"/>
+            <p:cNvSpPr/>
+            <p:nvPr/>
+          </p:nvSpPr>
+          <p:spPr>
+            <a:xfrm>
+              <a:off x="6078025" y="2330200"/>
+              <a:ext cx="306300" cy="387275"/>
+            </a:xfrm>
+            <a:custGeom>
+              <a:avLst/>
+              <a:gdLst/>
+              <a:ahLst/>
+              <a:cxnLst/>
+              <a:rect l="l" t="t" r="r" b="b"/>
+              <a:pathLst>
+                <a:path w="12252" h="15491" fill="none" extrusionOk="0">
+                  <a:moveTo>
+                    <a:pt x="1" y="13396"/>
+                  </a:moveTo>
+                  <a:lnTo>
+                    <a:pt x="1511" y="13396"/>
+                  </a:lnTo>
+                  <a:lnTo>
+                    <a:pt x="1511" y="13396"/>
+                  </a:lnTo>
+                  <a:lnTo>
+                    <a:pt x="1998" y="13639"/>
+                  </a:lnTo>
+                  <a:lnTo>
+                    <a:pt x="2680" y="13932"/>
+                  </a:lnTo>
+                  <a:lnTo>
+                    <a:pt x="3556" y="14273"/>
+                  </a:lnTo>
+                  <a:lnTo>
+                    <a:pt x="4531" y="14638"/>
+                  </a:lnTo>
+                  <a:lnTo>
+                    <a:pt x="5578" y="14955"/>
+                  </a:lnTo>
+                  <a:lnTo>
+                    <a:pt x="6114" y="15101"/>
+                  </a:lnTo>
+                  <a:lnTo>
+                    <a:pt x="6650" y="15222"/>
+                  </a:lnTo>
+                  <a:lnTo>
+                    <a:pt x="7161" y="15344"/>
+                  </a:lnTo>
+                  <a:lnTo>
+                    <a:pt x="7672" y="15417"/>
+                  </a:lnTo>
+                  <a:lnTo>
+                    <a:pt x="8135" y="15466"/>
+                  </a:lnTo>
+                  <a:lnTo>
+                    <a:pt x="8598" y="15490"/>
+                  </a:lnTo>
+                  <a:lnTo>
+                    <a:pt x="8598" y="15490"/>
+                  </a:lnTo>
+                  <a:lnTo>
+                    <a:pt x="9377" y="15490"/>
+                  </a:lnTo>
+                  <a:lnTo>
+                    <a:pt x="9791" y="15466"/>
+                  </a:lnTo>
+                  <a:lnTo>
+                    <a:pt x="10181" y="15417"/>
+                  </a:lnTo>
+                  <a:lnTo>
+                    <a:pt x="10522" y="15320"/>
+                  </a:lnTo>
+                  <a:lnTo>
+                    <a:pt x="10692" y="15271"/>
+                  </a:lnTo>
+                  <a:lnTo>
+                    <a:pt x="10814" y="15222"/>
+                  </a:lnTo>
+                  <a:lnTo>
+                    <a:pt x="10936" y="15149"/>
+                  </a:lnTo>
+                  <a:lnTo>
+                    <a:pt x="11033" y="15052"/>
+                  </a:lnTo>
+                  <a:lnTo>
+                    <a:pt x="11082" y="14955"/>
+                  </a:lnTo>
+                  <a:lnTo>
+                    <a:pt x="11131" y="14833"/>
+                  </a:lnTo>
+                  <a:lnTo>
+                    <a:pt x="11204" y="14126"/>
+                  </a:lnTo>
+                  <a:lnTo>
+                    <a:pt x="11204" y="14126"/>
+                  </a:lnTo>
+                  <a:lnTo>
+                    <a:pt x="11180" y="13956"/>
+                  </a:lnTo>
+                  <a:lnTo>
+                    <a:pt x="11131" y="13810"/>
+                  </a:lnTo>
+                  <a:lnTo>
+                    <a:pt x="11033" y="13664"/>
+                  </a:lnTo>
+                  <a:lnTo>
+                    <a:pt x="10887" y="13542"/>
+                  </a:lnTo>
+                  <a:lnTo>
+                    <a:pt x="10887" y="13542"/>
+                  </a:lnTo>
+                  <a:lnTo>
+                    <a:pt x="11009" y="13518"/>
+                  </a:lnTo>
+                  <a:lnTo>
+                    <a:pt x="11131" y="13469"/>
+                  </a:lnTo>
+                  <a:lnTo>
+                    <a:pt x="11253" y="13420"/>
+                  </a:lnTo>
+                  <a:lnTo>
+                    <a:pt x="11350" y="13323"/>
+                  </a:lnTo>
+                  <a:lnTo>
+                    <a:pt x="11423" y="13225"/>
+                  </a:lnTo>
+                  <a:lnTo>
+                    <a:pt x="11496" y="13104"/>
+                  </a:lnTo>
+                  <a:lnTo>
+                    <a:pt x="11545" y="12957"/>
+                  </a:lnTo>
+                  <a:lnTo>
+                    <a:pt x="11569" y="12836"/>
+                  </a:lnTo>
+                  <a:lnTo>
+                    <a:pt x="11642" y="11959"/>
+                  </a:lnTo>
+                  <a:lnTo>
+                    <a:pt x="11642" y="11959"/>
+                  </a:lnTo>
+                  <a:lnTo>
+                    <a:pt x="11642" y="11837"/>
+                  </a:lnTo>
+                  <a:lnTo>
+                    <a:pt x="11642" y="11740"/>
+                  </a:lnTo>
+                  <a:lnTo>
+                    <a:pt x="11618" y="11618"/>
+                  </a:lnTo>
+                  <a:lnTo>
+                    <a:pt x="11569" y="11521"/>
+                  </a:lnTo>
+                  <a:lnTo>
+                    <a:pt x="11447" y="11350"/>
+                  </a:lnTo>
+                  <a:lnTo>
+                    <a:pt x="11374" y="11277"/>
+                  </a:lnTo>
+                  <a:lnTo>
+                    <a:pt x="11301" y="11204"/>
+                  </a:lnTo>
+                  <a:lnTo>
+                    <a:pt x="11301" y="11204"/>
+                  </a:lnTo>
+                  <a:lnTo>
+                    <a:pt x="11423" y="11180"/>
+                  </a:lnTo>
+                  <a:lnTo>
+                    <a:pt x="11521" y="11131"/>
+                  </a:lnTo>
+                  <a:lnTo>
+                    <a:pt x="11618" y="11058"/>
+                  </a:lnTo>
+                  <a:lnTo>
+                    <a:pt x="11715" y="10960"/>
+                  </a:lnTo>
+                  <a:lnTo>
+                    <a:pt x="11788" y="10863"/>
+                  </a:lnTo>
+                  <a:lnTo>
+                    <a:pt x="11837" y="10766"/>
+                  </a:lnTo>
+                  <a:lnTo>
+                    <a:pt x="11886" y="10644"/>
+                  </a:lnTo>
+                  <a:lnTo>
+                    <a:pt x="11910" y="10498"/>
+                  </a:lnTo>
+                  <a:lnTo>
+                    <a:pt x="11983" y="9645"/>
+                  </a:lnTo>
+                  <a:lnTo>
+                    <a:pt x="11983" y="9645"/>
+                  </a:lnTo>
+                  <a:lnTo>
+                    <a:pt x="11983" y="9523"/>
+                  </a:lnTo>
+                  <a:lnTo>
+                    <a:pt x="11983" y="9402"/>
+                  </a:lnTo>
+                  <a:lnTo>
+                    <a:pt x="11959" y="9280"/>
+                  </a:lnTo>
+                  <a:lnTo>
+                    <a:pt x="11910" y="9182"/>
+                  </a:lnTo>
+                  <a:lnTo>
+                    <a:pt x="11861" y="9085"/>
+                  </a:lnTo>
+                  <a:lnTo>
+                    <a:pt x="11788" y="9012"/>
+                  </a:lnTo>
+                  <a:lnTo>
+                    <a:pt x="11715" y="8939"/>
+                  </a:lnTo>
+                  <a:lnTo>
+                    <a:pt x="11618" y="8866"/>
+                  </a:lnTo>
+                  <a:lnTo>
+                    <a:pt x="11618" y="8866"/>
+                  </a:lnTo>
+                  <a:lnTo>
+                    <a:pt x="11715" y="8841"/>
+                  </a:lnTo>
+                  <a:lnTo>
+                    <a:pt x="11813" y="8768"/>
+                  </a:lnTo>
+                  <a:lnTo>
+                    <a:pt x="11910" y="8695"/>
+                  </a:lnTo>
+                  <a:lnTo>
+                    <a:pt x="11983" y="8622"/>
+                  </a:lnTo>
+                  <a:lnTo>
+                    <a:pt x="12056" y="8525"/>
+                  </a:lnTo>
+                  <a:lnTo>
+                    <a:pt x="12105" y="8427"/>
+                  </a:lnTo>
+                  <a:lnTo>
+                    <a:pt x="12129" y="8306"/>
+                  </a:lnTo>
+                  <a:lnTo>
+                    <a:pt x="12154" y="8184"/>
+                  </a:lnTo>
+                  <a:lnTo>
+                    <a:pt x="12251" y="7307"/>
+                  </a:lnTo>
+                  <a:lnTo>
+                    <a:pt x="12251" y="7307"/>
+                  </a:lnTo>
+                  <a:lnTo>
+                    <a:pt x="12227" y="7185"/>
+                  </a:lnTo>
+                  <a:lnTo>
+                    <a:pt x="12202" y="7064"/>
+                  </a:lnTo>
+                  <a:lnTo>
+                    <a:pt x="12154" y="6966"/>
+                  </a:lnTo>
+                  <a:lnTo>
+                    <a:pt x="12105" y="6869"/>
+                  </a:lnTo>
+                  <a:lnTo>
+                    <a:pt x="12032" y="6771"/>
+                  </a:lnTo>
+                  <a:lnTo>
+                    <a:pt x="11935" y="6698"/>
+                  </a:lnTo>
+                  <a:lnTo>
+                    <a:pt x="11715" y="6552"/>
+                  </a:lnTo>
+                  <a:lnTo>
+                    <a:pt x="11472" y="6430"/>
+                  </a:lnTo>
+                  <a:lnTo>
+                    <a:pt x="11180" y="6333"/>
+                  </a:lnTo>
+                  <a:lnTo>
+                    <a:pt x="10863" y="6260"/>
+                  </a:lnTo>
+                  <a:lnTo>
+                    <a:pt x="10546" y="6211"/>
+                  </a:lnTo>
+                  <a:lnTo>
+                    <a:pt x="10546" y="6211"/>
+                  </a:lnTo>
+                  <a:lnTo>
+                    <a:pt x="9864" y="6114"/>
+                  </a:lnTo>
+                  <a:lnTo>
+                    <a:pt x="8817" y="6016"/>
+                  </a:lnTo>
+                  <a:lnTo>
+                    <a:pt x="7575" y="5943"/>
+                  </a:lnTo>
+                  <a:lnTo>
+                    <a:pt x="6309" y="5870"/>
+                  </a:lnTo>
+                  <a:lnTo>
+                    <a:pt x="6309" y="5870"/>
+                  </a:lnTo>
+                  <a:lnTo>
+                    <a:pt x="6479" y="5578"/>
+                  </a:lnTo>
+                  <a:lnTo>
+                    <a:pt x="6625" y="5237"/>
+                  </a:lnTo>
+                  <a:lnTo>
+                    <a:pt x="6771" y="4872"/>
+                  </a:lnTo>
+                  <a:lnTo>
+                    <a:pt x="6869" y="4482"/>
+                  </a:lnTo>
+                  <a:lnTo>
+                    <a:pt x="6966" y="4092"/>
+                  </a:lnTo>
+                  <a:lnTo>
+                    <a:pt x="7064" y="3678"/>
+                  </a:lnTo>
+                  <a:lnTo>
+                    <a:pt x="7161" y="2875"/>
+                  </a:lnTo>
+                  <a:lnTo>
+                    <a:pt x="7234" y="2144"/>
+                  </a:lnTo>
+                  <a:lnTo>
+                    <a:pt x="7283" y="1535"/>
+                  </a:lnTo>
+                  <a:lnTo>
+                    <a:pt x="7283" y="975"/>
+                  </a:lnTo>
+                  <a:lnTo>
+                    <a:pt x="7283" y="975"/>
+                  </a:lnTo>
+                  <a:lnTo>
+                    <a:pt x="7283" y="804"/>
+                  </a:lnTo>
+                  <a:lnTo>
+                    <a:pt x="7210" y="609"/>
+                  </a:lnTo>
+                  <a:lnTo>
+                    <a:pt x="7137" y="463"/>
+                  </a:lnTo>
+                  <a:lnTo>
+                    <a:pt x="7015" y="317"/>
+                  </a:lnTo>
+                  <a:lnTo>
+                    <a:pt x="6869" y="171"/>
+                  </a:lnTo>
+                  <a:lnTo>
+                    <a:pt x="6698" y="98"/>
+                  </a:lnTo>
+                  <a:lnTo>
+                    <a:pt x="6503" y="25"/>
+                  </a:lnTo>
+                  <a:lnTo>
+                    <a:pt x="6309" y="1"/>
+                  </a:lnTo>
+                  <a:lnTo>
+                    <a:pt x="6309" y="1"/>
+                  </a:lnTo>
+                  <a:lnTo>
+                    <a:pt x="5943" y="25"/>
+                  </a:lnTo>
+                  <a:lnTo>
+                    <a:pt x="5700" y="74"/>
+                  </a:lnTo>
+                  <a:lnTo>
+                    <a:pt x="5505" y="147"/>
+                  </a:lnTo>
+                  <a:lnTo>
+                    <a:pt x="5359" y="220"/>
+                  </a:lnTo>
+                  <a:lnTo>
+                    <a:pt x="5359" y="220"/>
+                  </a:lnTo>
+                  <a:lnTo>
+                    <a:pt x="4969" y="1462"/>
+                  </a:lnTo>
+                  <a:lnTo>
+                    <a:pt x="4774" y="2022"/>
+                  </a:lnTo>
+                  <a:lnTo>
+                    <a:pt x="4579" y="2534"/>
+                  </a:lnTo>
+                  <a:lnTo>
+                    <a:pt x="4385" y="2996"/>
+                  </a:lnTo>
+                  <a:lnTo>
+                    <a:pt x="4190" y="3386"/>
+                  </a:lnTo>
+                  <a:lnTo>
+                    <a:pt x="4019" y="3678"/>
+                  </a:lnTo>
+                  <a:lnTo>
+                    <a:pt x="3873" y="3922"/>
+                  </a:lnTo>
+                  <a:lnTo>
+                    <a:pt x="3873" y="3922"/>
+                  </a:lnTo>
+                  <a:lnTo>
+                    <a:pt x="3654" y="4141"/>
+                  </a:lnTo>
+                  <a:lnTo>
+                    <a:pt x="3313" y="4482"/>
+                  </a:lnTo>
+                  <a:lnTo>
+                    <a:pt x="2509" y="5237"/>
+                  </a:lnTo>
+                  <a:lnTo>
+                    <a:pt x="1438" y="6211"/>
+                  </a:lnTo>
+                  <a:lnTo>
+                    <a:pt x="1" y="6211"/>
+                  </a:lnTo>
+                </a:path>
+              </a:pathLst>
+            </a:custGeom>
+            <a:noFill/>
+            <a:ln w="19050" cap="rnd" cmpd="sng">
+              <a:solidFill>
+                <a:srgbClr val="3F5378"/>
+              </a:solidFill>
+              <a:prstDash val="solid"/>
+              <a:round/>
+              <a:headEnd type="none" w="sm" len="sm"/>
+              <a:tailEnd type="none" w="sm" len="sm"/>
+            </a:ln>
+          </p:spPr>
+          <p:txBody>
+            <a:bodyPr spcFirstLastPara="1" wrap="square" lIns="91425" tIns="91425" rIns="91425" bIns="91425" anchor="ctr" anchorCtr="0">
+              <a:noAutofit/>
+            </a:bodyPr>
+            <a:lstStyle/>
+            <a:p>
+              <a:pPr marL="0" lvl="0" indent="0" algn="l" rtl="0">
+                <a:spcBef>
+                  <a:spcPts val="0"/>
+                </a:spcBef>
+                <a:spcAft>
+                  <a:spcPts val="0"/>
+                </a:spcAft>
+                <a:buNone/>
+              </a:pPr>
+              <a:endParaRPr/>
+            </a:p>
+          </p:txBody>
+        </p:sp>
+      </p:grpSp>
     </p:spTree>
     <p:extLst>
       <p:ext uri="{BB962C8B-B14F-4D97-AF65-F5344CB8AC3E}">
-        <p14:creationId xmlns:p14="http://schemas.microsoft.com/office/powerpoint/2010/main" val="726798113"/>
+        <p14:creationId xmlns:p14="http://schemas.microsoft.com/office/powerpoint/2010/main" val="1188567277"/>
       </p:ext>
     </p:extLst>
   </p:cSld>
